--- a/presentation.pptx
+++ b/presentation.pptx
@@ -21399,7 +21399,7 @@
       </p:grpSpPr>
       <p:sp>
         <p:nvSpPr>
-          <p:cNvPr id="10" name="Rectangle 6">
+          <p:cNvPr id="19" name="Rectangle 6">
             <a:extLst>
               <a:ext uri="{FF2B5EF4-FFF2-40B4-BE49-F238E27FC236}">
                 <a16:creationId xmlns:a16="http://schemas.microsoft.com/office/drawing/2014/main" id="{DA381740-063A-41A4-836D-85D14980EEF0}"/>
@@ -21746,10 +21746,10 @@
       </p:sp>
       <p:sp useBgFill="1">
         <p:nvSpPr>
-          <p:cNvPr id="12" name="Rectangle 11">
+          <p:cNvPr id="21" name="Rectangle 20">
             <a:extLst>
               <a:ext uri="{FF2B5EF4-FFF2-40B4-BE49-F238E27FC236}">
-                <a16:creationId xmlns:a16="http://schemas.microsoft.com/office/drawing/2014/main" id="{665DBBEF-238B-476B-96AB-8AAC3224ECEA}"/>
+                <a16:creationId xmlns:a16="http://schemas.microsoft.com/office/drawing/2014/main" id="{76906711-0AFB-47DD-A4B6-4E94B38B8C91}"/>
               </a:ext>
               <a:ext uri="{C183D7F6-B498-43B3-948B-1728B52AA6E4}">
                 <adec:decorative xmlns:adec="http://schemas.microsoft.com/office/drawing/2017/decorative" val="1"/>
@@ -21806,45 +21806,10 @@
       </p:sp>
       <p:sp>
         <p:nvSpPr>
-          <p:cNvPr id="2" name="Title 1">
+          <p:cNvPr id="23" name="Freeform: Shape 22">
             <a:extLst>
               <a:ext uri="{FF2B5EF4-FFF2-40B4-BE49-F238E27FC236}">
-                <a16:creationId xmlns:a16="http://schemas.microsoft.com/office/drawing/2014/main" id="{5BA76DEE-EF56-484F-9175-B664516E0F19}"/>
-              </a:ext>
-            </a:extLst>
-          </p:cNvPr>
-          <p:cNvSpPr>
-            <a:spLocks noGrp="1"/>
-          </p:cNvSpPr>
-          <p:nvPr>
-            <p:ph type="title"/>
-          </p:nvPr>
-        </p:nvSpPr>
-        <p:spPr>
-          <a:xfrm>
-            <a:off x="638882" y="639193"/>
-            <a:ext cx="3571810" cy="3573516"/>
-          </a:xfrm>
-        </p:spPr>
-        <p:txBody>
-          <a:bodyPr vert="horz" lIns="91440" tIns="45720" rIns="91440" bIns="45720" rtlCol="0" anchor="b">
-            <a:normAutofit/>
-          </a:bodyPr>
-          <a:lstStyle/>
-          <a:p>
-            <a:r>
-              <a:rPr lang="en-US" sz="4900"/>
-              <a:t>Ridge Regression </a:t>
-            </a:r>
-          </a:p>
-        </p:txBody>
-      </p:sp>
-      <p:sp>
-        <p:nvSpPr>
-          <p:cNvPr id="14" name="Rectangle 6">
-            <a:extLst>
-              <a:ext uri="{FF2B5EF4-FFF2-40B4-BE49-F238E27FC236}">
-                <a16:creationId xmlns:a16="http://schemas.microsoft.com/office/drawing/2014/main" id="{3FCFB1DE-0B7E-48CC-BA90-B2AB0889F9D6}"/>
+                <a16:creationId xmlns:a16="http://schemas.microsoft.com/office/drawing/2014/main" id="{AA91F649-894C-41F6-A21D-3D1AC558E934}"/>
               </a:ext>
               <a:ext uri="{C183D7F6-B498-43B3-948B-1728B52AA6E4}">
                 <adec:decorative xmlns:adec="http://schemas.microsoft.com/office/drawing/2017/decorative" val="1"/>
@@ -21864,36 +21829,116 @@
         </p:nvSpPr>
         <p:spPr>
           <a:xfrm>
-            <a:off x="643278" y="4409267"/>
-            <a:ext cx="3255095" cy="27432"/>
+            <a:off x="0" y="0"/>
+            <a:ext cx="12192000" cy="2877832"/>
           </a:xfrm>
           <a:custGeom>
             <a:avLst/>
             <a:gdLst>
-              <a:gd name="connsiteX0" fmla="*/ 0 w 3255095"/>
-              <a:gd name="connsiteY0" fmla="*/ 0 h 27432"/>
-              <a:gd name="connsiteX1" fmla="*/ 618468 w 3255095"/>
-              <a:gd name="connsiteY1" fmla="*/ 0 h 27432"/>
-              <a:gd name="connsiteX2" fmla="*/ 1269487 w 3255095"/>
-              <a:gd name="connsiteY2" fmla="*/ 0 h 27432"/>
-              <a:gd name="connsiteX3" fmla="*/ 1953057 w 3255095"/>
-              <a:gd name="connsiteY3" fmla="*/ 0 h 27432"/>
-              <a:gd name="connsiteX4" fmla="*/ 2636627 w 3255095"/>
-              <a:gd name="connsiteY4" fmla="*/ 0 h 27432"/>
-              <a:gd name="connsiteX5" fmla="*/ 3255095 w 3255095"/>
-              <a:gd name="connsiteY5" fmla="*/ 0 h 27432"/>
-              <a:gd name="connsiteX6" fmla="*/ 3255095 w 3255095"/>
-              <a:gd name="connsiteY6" fmla="*/ 27432 h 27432"/>
-              <a:gd name="connsiteX7" fmla="*/ 2538974 w 3255095"/>
-              <a:gd name="connsiteY7" fmla="*/ 27432 h 27432"/>
-              <a:gd name="connsiteX8" fmla="*/ 1822853 w 3255095"/>
-              <a:gd name="connsiteY8" fmla="*/ 27432 h 27432"/>
-              <a:gd name="connsiteX9" fmla="*/ 1171834 w 3255095"/>
-              <a:gd name="connsiteY9" fmla="*/ 27432 h 27432"/>
-              <a:gd name="connsiteX10" fmla="*/ 0 w 3255095"/>
-              <a:gd name="connsiteY10" fmla="*/ 27432 h 27432"/>
-              <a:gd name="connsiteX11" fmla="*/ 0 w 3255095"/>
-              <a:gd name="connsiteY11" fmla="*/ 0 h 27432"/>
+              <a:gd name="connsiteX0" fmla="*/ 6789701 w 12192000"/>
+              <a:gd name="connsiteY0" fmla="*/ 2809623 h 2877832"/>
+              <a:gd name="connsiteX1" fmla="*/ 6788702 w 12192000"/>
+              <a:gd name="connsiteY1" fmla="*/ 2809701 h 2877832"/>
+              <a:gd name="connsiteX2" fmla="*/ 6788476 w 12192000"/>
+              <a:gd name="connsiteY2" fmla="*/ 2810235 h 2877832"/>
+              <a:gd name="connsiteX3" fmla="*/ 0 w 12192000"/>
+              <a:gd name="connsiteY3" fmla="*/ 0 h 2877832"/>
+              <a:gd name="connsiteX4" fmla="*/ 12192000 w 12192000"/>
+              <a:gd name="connsiteY4" fmla="*/ 0 h 2877832"/>
+              <a:gd name="connsiteX5" fmla="*/ 12192000 w 12192000"/>
+              <a:gd name="connsiteY5" fmla="*/ 1915388 h 2877832"/>
+              <a:gd name="connsiteX6" fmla="*/ 12061096 w 12192000"/>
+              <a:gd name="connsiteY6" fmla="*/ 1954428 h 2877832"/>
+              <a:gd name="connsiteX7" fmla="*/ 11676800 w 12192000"/>
+              <a:gd name="connsiteY7" fmla="*/ 2058003 h 2877832"/>
+              <a:gd name="connsiteX8" fmla="*/ 10425355 w 12192000"/>
+              <a:gd name="connsiteY8" fmla="*/ 2341542 h 2877832"/>
+              <a:gd name="connsiteX9" fmla="*/ 9424022 w 12192000"/>
+              <a:gd name="connsiteY9" fmla="*/ 2516704 h 2877832"/>
+              <a:gd name="connsiteX10" fmla="*/ 8458419 w 12192000"/>
+              <a:gd name="connsiteY10" fmla="*/ 2650405 h 2877832"/>
+              <a:gd name="connsiteX11" fmla="*/ 7715970 w 12192000"/>
+              <a:gd name="connsiteY11" fmla="*/ 2730352 h 2877832"/>
+              <a:gd name="connsiteX12" fmla="*/ 6951716 w 12192000"/>
+              <a:gd name="connsiteY12" fmla="*/ 2796132 h 2877832"/>
+              <a:gd name="connsiteX13" fmla="*/ 6936303 w 12192000"/>
+              <a:gd name="connsiteY13" fmla="*/ 2798203 h 2877832"/>
+              <a:gd name="connsiteX14" fmla="*/ 6790448 w 12192000"/>
+              <a:gd name="connsiteY14" fmla="*/ 2809564 h 2877832"/>
+              <a:gd name="connsiteX15" fmla="*/ 6799941 w 12192000"/>
+              <a:gd name="connsiteY15" fmla="*/ 2811384 h 2877832"/>
+              <a:gd name="connsiteX16" fmla="*/ 6835432 w 12192000"/>
+              <a:gd name="connsiteY16" fmla="*/ 2809677 h 2877832"/>
+              <a:gd name="connsiteX17" fmla="*/ 6884003 w 12192000"/>
+              <a:gd name="connsiteY17" fmla="*/ 2806699 h 2877832"/>
+              <a:gd name="connsiteX18" fmla="*/ 7578771 w 12192000"/>
+              <a:gd name="connsiteY18" fmla="*/ 2774172 h 2877832"/>
+              <a:gd name="connsiteX19" fmla="*/ 8623845 w 12192000"/>
+              <a:gd name="connsiteY19" fmla="*/ 2687275 h 2877832"/>
+              <a:gd name="connsiteX20" fmla="*/ 9479970 w 12192000"/>
+              <a:gd name="connsiteY20" fmla="*/ 2583369 h 2877832"/>
+              <a:gd name="connsiteX21" fmla="*/ 10629308 w 12192000"/>
+              <a:gd name="connsiteY21" fmla="*/ 2389212 h 2877832"/>
+              <a:gd name="connsiteX22" fmla="*/ 11998498 w 12192000"/>
+              <a:gd name="connsiteY22" fmla="*/ 2063218 h 2877832"/>
+              <a:gd name="connsiteX23" fmla="*/ 12192000 w 12192000"/>
+              <a:gd name="connsiteY23" fmla="*/ 2006219 h 2877832"/>
+              <a:gd name="connsiteX24" fmla="*/ 12192000 w 12192000"/>
+              <a:gd name="connsiteY24" fmla="*/ 2060956 h 2877832"/>
+              <a:gd name="connsiteX25" fmla="*/ 11829257 w 12192000"/>
+              <a:gd name="connsiteY25" fmla="*/ 2166255 h 2877832"/>
+              <a:gd name="connsiteX26" fmla="*/ 10939183 w 12192000"/>
+              <a:gd name="connsiteY26" fmla="*/ 2380770 h 2877832"/>
+              <a:gd name="connsiteX27" fmla="*/ 9985530 w 12192000"/>
+              <a:gd name="connsiteY27" fmla="*/ 2560775 h 2877832"/>
+              <a:gd name="connsiteX28" fmla="*/ 9186882 w 12192000"/>
+              <a:gd name="connsiteY28" fmla="*/ 2676722 h 2877832"/>
+              <a:gd name="connsiteX29" fmla="*/ 8578198 w 12192000"/>
+              <a:gd name="connsiteY29" fmla="*/ 2746241 h 2877832"/>
+              <a:gd name="connsiteX30" fmla="*/ 7864358 w 12192000"/>
+              <a:gd name="connsiteY30" fmla="*/ 2807692 h 2877832"/>
+              <a:gd name="connsiteX31" fmla="*/ 6935502 w 12192000"/>
+              <a:gd name="connsiteY31" fmla="*/ 2859086 h 2877832"/>
+              <a:gd name="connsiteX32" fmla="*/ 6477750 w 12192000"/>
+              <a:gd name="connsiteY32" fmla="*/ 2872989 h 2877832"/>
+              <a:gd name="connsiteX33" fmla="*/ 6362294 w 12192000"/>
+              <a:gd name="connsiteY33" fmla="*/ 2877832 h 2877832"/>
+              <a:gd name="connsiteX34" fmla="*/ 6057129 w 12192000"/>
+              <a:gd name="connsiteY34" fmla="*/ 2877832 h 2877832"/>
+              <a:gd name="connsiteX35" fmla="*/ 5977784 w 12192000"/>
+              <a:gd name="connsiteY35" fmla="*/ 2873238 h 2877832"/>
+              <a:gd name="connsiteX36" fmla="*/ 5265087 w 12192000"/>
+              <a:gd name="connsiteY36" fmla="*/ 2836989 h 2877832"/>
+              <a:gd name="connsiteX37" fmla="*/ 4346277 w 12192000"/>
+              <a:gd name="connsiteY37" fmla="*/ 2774919 h 2877832"/>
+              <a:gd name="connsiteX38" fmla="*/ 3373045 w 12192000"/>
+              <a:gd name="connsiteY38" fmla="*/ 2676350 h 2877832"/>
+              <a:gd name="connsiteX39" fmla="*/ 2362173 w 12192000"/>
+              <a:gd name="connsiteY39" fmla="*/ 2557423 h 2877832"/>
+              <a:gd name="connsiteX40" fmla="*/ 1233178 w 12192000"/>
+              <a:gd name="connsiteY40" fmla="*/ 2384247 h 2877832"/>
+              <a:gd name="connsiteX41" fmla="*/ 68500 w 12192000"/>
+              <a:gd name="connsiteY41" fmla="*/ 2144540 h 2877832"/>
+              <a:gd name="connsiteX42" fmla="*/ 0 w 12192000"/>
+              <a:gd name="connsiteY42" fmla="*/ 2127185 h 2877832"/>
+              <a:gd name="connsiteX43" fmla="*/ 0 w 12192000"/>
+              <a:gd name="connsiteY43" fmla="*/ 2070696 h 2877832"/>
+              <a:gd name="connsiteX44" fmla="*/ 72441 w 12192000"/>
+              <a:gd name="connsiteY44" fmla="*/ 2089473 h 2877832"/>
+              <a:gd name="connsiteX45" fmla="*/ 600716 w 12192000"/>
+              <a:gd name="connsiteY45" fmla="*/ 2207843 h 2877832"/>
+              <a:gd name="connsiteX46" fmla="*/ 1769512 w 12192000"/>
+              <a:gd name="connsiteY46" fmla="*/ 2418011 h 2877832"/>
+              <a:gd name="connsiteX47" fmla="*/ 2613554 w 12192000"/>
+              <a:gd name="connsiteY47" fmla="*/ 2534953 h 2877832"/>
+              <a:gd name="connsiteX48" fmla="*/ 2581134 w 12192000"/>
+              <a:gd name="connsiteY48" fmla="*/ 2525022 h 2877832"/>
+              <a:gd name="connsiteX49" fmla="*/ 1112635 w 12192000"/>
+              <a:gd name="connsiteY49" fmla="*/ 2192325 h 2877832"/>
+              <a:gd name="connsiteX50" fmla="*/ 420412 w 12192000"/>
+              <a:gd name="connsiteY50" fmla="*/ 1992892 h 2877832"/>
+              <a:gd name="connsiteX51" fmla="*/ 0 w 12192000"/>
+              <a:gd name="connsiteY51" fmla="*/ 1853975 h 2877832"/>
             </a:gdLst>
             <a:ahLst/>
             <a:cxnLst>
@@ -21933,134 +21978,351 @@
               <a:cxn ang="0">
                 <a:pos x="connsiteX11" y="connsiteY11"/>
               </a:cxn>
+              <a:cxn ang="0">
+                <a:pos x="connsiteX12" y="connsiteY12"/>
+              </a:cxn>
+              <a:cxn ang="0">
+                <a:pos x="connsiteX13" y="connsiteY13"/>
+              </a:cxn>
+              <a:cxn ang="0">
+                <a:pos x="connsiteX14" y="connsiteY14"/>
+              </a:cxn>
+              <a:cxn ang="0">
+                <a:pos x="connsiteX15" y="connsiteY15"/>
+              </a:cxn>
+              <a:cxn ang="0">
+                <a:pos x="connsiteX16" y="connsiteY16"/>
+              </a:cxn>
+              <a:cxn ang="0">
+                <a:pos x="connsiteX17" y="connsiteY17"/>
+              </a:cxn>
+              <a:cxn ang="0">
+                <a:pos x="connsiteX18" y="connsiteY18"/>
+              </a:cxn>
+              <a:cxn ang="0">
+                <a:pos x="connsiteX19" y="connsiteY19"/>
+              </a:cxn>
+              <a:cxn ang="0">
+                <a:pos x="connsiteX20" y="connsiteY20"/>
+              </a:cxn>
+              <a:cxn ang="0">
+                <a:pos x="connsiteX21" y="connsiteY21"/>
+              </a:cxn>
+              <a:cxn ang="0">
+                <a:pos x="connsiteX22" y="connsiteY22"/>
+              </a:cxn>
+              <a:cxn ang="0">
+                <a:pos x="connsiteX23" y="connsiteY23"/>
+              </a:cxn>
+              <a:cxn ang="0">
+                <a:pos x="connsiteX24" y="connsiteY24"/>
+              </a:cxn>
+              <a:cxn ang="0">
+                <a:pos x="connsiteX25" y="connsiteY25"/>
+              </a:cxn>
+              <a:cxn ang="0">
+                <a:pos x="connsiteX26" y="connsiteY26"/>
+              </a:cxn>
+              <a:cxn ang="0">
+                <a:pos x="connsiteX27" y="connsiteY27"/>
+              </a:cxn>
+              <a:cxn ang="0">
+                <a:pos x="connsiteX28" y="connsiteY28"/>
+              </a:cxn>
+              <a:cxn ang="0">
+                <a:pos x="connsiteX29" y="connsiteY29"/>
+              </a:cxn>
+              <a:cxn ang="0">
+                <a:pos x="connsiteX30" y="connsiteY30"/>
+              </a:cxn>
+              <a:cxn ang="0">
+                <a:pos x="connsiteX31" y="connsiteY31"/>
+              </a:cxn>
+              <a:cxn ang="0">
+                <a:pos x="connsiteX32" y="connsiteY32"/>
+              </a:cxn>
+              <a:cxn ang="0">
+                <a:pos x="connsiteX33" y="connsiteY33"/>
+              </a:cxn>
+              <a:cxn ang="0">
+                <a:pos x="connsiteX34" y="connsiteY34"/>
+              </a:cxn>
+              <a:cxn ang="0">
+                <a:pos x="connsiteX35" y="connsiteY35"/>
+              </a:cxn>
+              <a:cxn ang="0">
+                <a:pos x="connsiteX36" y="connsiteY36"/>
+              </a:cxn>
+              <a:cxn ang="0">
+                <a:pos x="connsiteX37" y="connsiteY37"/>
+              </a:cxn>
+              <a:cxn ang="0">
+                <a:pos x="connsiteX38" y="connsiteY38"/>
+              </a:cxn>
+              <a:cxn ang="0">
+                <a:pos x="connsiteX39" y="connsiteY39"/>
+              </a:cxn>
+              <a:cxn ang="0">
+                <a:pos x="connsiteX40" y="connsiteY40"/>
+              </a:cxn>
+              <a:cxn ang="0">
+                <a:pos x="connsiteX41" y="connsiteY41"/>
+              </a:cxn>
+              <a:cxn ang="0">
+                <a:pos x="connsiteX42" y="connsiteY42"/>
+              </a:cxn>
+              <a:cxn ang="0">
+                <a:pos x="connsiteX43" y="connsiteY43"/>
+              </a:cxn>
+              <a:cxn ang="0">
+                <a:pos x="connsiteX44" y="connsiteY44"/>
+              </a:cxn>
+              <a:cxn ang="0">
+                <a:pos x="connsiteX45" y="connsiteY45"/>
+              </a:cxn>
+              <a:cxn ang="0">
+                <a:pos x="connsiteX46" y="connsiteY46"/>
+              </a:cxn>
+              <a:cxn ang="0">
+                <a:pos x="connsiteX47" y="connsiteY47"/>
+              </a:cxn>
+              <a:cxn ang="0">
+                <a:pos x="connsiteX48" y="connsiteY48"/>
+              </a:cxn>
+              <a:cxn ang="0">
+                <a:pos x="connsiteX49" y="connsiteY49"/>
+              </a:cxn>
+              <a:cxn ang="0">
+                <a:pos x="connsiteX50" y="connsiteY50"/>
+              </a:cxn>
+              <a:cxn ang="0">
+                <a:pos x="connsiteX51" y="connsiteY51"/>
+              </a:cxn>
             </a:cxnLst>
             <a:rect l="l" t="t" r="r" b="b"/>
             <a:pathLst>
-              <a:path w="3255095" h="27432" fill="none" extrusionOk="0">
+              <a:path w="12192000" h="2877832">
+                <a:moveTo>
+                  <a:pt x="6789701" y="2809623"/>
+                </a:moveTo>
+                <a:lnTo>
+                  <a:pt x="6788702" y="2809701"/>
+                </a:lnTo>
+                <a:lnTo>
+                  <a:pt x="6788476" y="2810235"/>
+                </a:lnTo>
+                <a:close/>
                 <a:moveTo>
                   <a:pt x="0" y="0"/>
                 </a:moveTo>
-                <a:cubicBezTo>
-                  <a:pt x="240201" y="-22123"/>
-                  <a:pt x="462021" y="-19623"/>
-                  <a:pt x="618468" y="0"/>
-                </a:cubicBezTo>
-                <a:cubicBezTo>
-                  <a:pt x="774915" y="19623"/>
-                  <a:pt x="974734" y="2035"/>
-                  <a:pt x="1269487" y="0"/>
-                </a:cubicBezTo>
-                <a:cubicBezTo>
-                  <a:pt x="1564240" y="-2035"/>
-                  <a:pt x="1733579" y="10639"/>
-                  <a:pt x="1953057" y="0"/>
-                </a:cubicBezTo>
-                <a:cubicBezTo>
-                  <a:pt x="2172535" y="-10639"/>
-                  <a:pt x="2453962" y="14018"/>
-                  <a:pt x="2636627" y="0"/>
-                </a:cubicBezTo>
-                <a:cubicBezTo>
-                  <a:pt x="2819292" y="-14018"/>
-                  <a:pt x="3121375" y="5399"/>
-                  <a:pt x="3255095" y="0"/>
-                </a:cubicBezTo>
-                <a:cubicBezTo>
-                  <a:pt x="3253929" y="7395"/>
-                  <a:pt x="3255140" y="21864"/>
-                  <a:pt x="3255095" y="27432"/>
-                </a:cubicBezTo>
-                <a:cubicBezTo>
-                  <a:pt x="3088545" y="32347"/>
-                  <a:pt x="2687475" y="16563"/>
-                  <a:pt x="2538974" y="27432"/>
-                </a:cubicBezTo>
-                <a:cubicBezTo>
-                  <a:pt x="2390473" y="38301"/>
-                  <a:pt x="2137381" y="185"/>
-                  <a:pt x="1822853" y="27432"/>
-                </a:cubicBezTo>
-                <a:cubicBezTo>
-                  <a:pt x="1508325" y="54679"/>
-                  <a:pt x="1466437" y="29529"/>
-                  <a:pt x="1171834" y="27432"/>
-                </a:cubicBezTo>
-                <a:cubicBezTo>
-                  <a:pt x="877231" y="25335"/>
-                  <a:pt x="561097" y="46787"/>
-                  <a:pt x="0" y="27432"/>
-                </a:cubicBezTo>
-                <a:cubicBezTo>
-                  <a:pt x="-503" y="20663"/>
-                  <a:pt x="1168" y="5855"/>
-                  <a:pt x="0" y="0"/>
-                </a:cubicBezTo>
-                <a:close/>
-              </a:path>
-              <a:path w="3255095" h="27432" stroke="0" extrusionOk="0">
-                <a:moveTo>
-                  <a:pt x="0" y="0"/>
-                </a:moveTo>
-                <a:cubicBezTo>
-                  <a:pt x="291965" y="19429"/>
-                  <a:pt x="363155" y="8568"/>
-                  <a:pt x="618468" y="0"/>
-                </a:cubicBezTo>
-                <a:cubicBezTo>
-                  <a:pt x="873781" y="-8568"/>
-                  <a:pt x="904459" y="-19505"/>
-                  <a:pt x="1171834" y="0"/>
-                </a:cubicBezTo>
-                <a:cubicBezTo>
-                  <a:pt x="1439209" y="19505"/>
-                  <a:pt x="1744369" y="9790"/>
-                  <a:pt x="1887955" y="0"/>
-                </a:cubicBezTo>
-                <a:cubicBezTo>
-                  <a:pt x="2031541" y="-9790"/>
-                  <a:pt x="2346378" y="21240"/>
-                  <a:pt x="2506423" y="0"/>
-                </a:cubicBezTo>
-                <a:cubicBezTo>
-                  <a:pt x="2666468" y="-21240"/>
-                  <a:pt x="2990257" y="30414"/>
-                  <a:pt x="3255095" y="0"/>
-                </a:cubicBezTo>
-                <a:cubicBezTo>
-                  <a:pt x="3255288" y="12649"/>
-                  <a:pt x="3254107" y="17989"/>
-                  <a:pt x="3255095" y="27432"/>
-                </a:cubicBezTo>
-                <a:cubicBezTo>
-                  <a:pt x="3120743" y="25834"/>
-                  <a:pt x="2759628" y="51606"/>
-                  <a:pt x="2604076" y="27432"/>
-                </a:cubicBezTo>
-                <a:cubicBezTo>
-                  <a:pt x="2448524" y="3258"/>
-                  <a:pt x="2184336" y="28743"/>
-                  <a:pt x="1887955" y="27432"/>
-                </a:cubicBezTo>
-                <a:cubicBezTo>
-                  <a:pt x="1591574" y="26121"/>
-                  <a:pt x="1548845" y="16014"/>
-                  <a:pt x="1334589" y="27432"/>
-                </a:cubicBezTo>
-                <a:cubicBezTo>
-                  <a:pt x="1120333" y="38850"/>
-                  <a:pt x="996014" y="18806"/>
-                  <a:pt x="683570" y="27432"/>
-                </a:cubicBezTo>
-                <a:cubicBezTo>
-                  <a:pt x="371126" y="36058"/>
-                  <a:pt x="198687" y="25311"/>
-                  <a:pt x="0" y="27432"/>
-                </a:cubicBezTo>
-                <a:cubicBezTo>
-                  <a:pt x="1300" y="19678"/>
-                  <a:pt x="-86" y="12044"/>
-                  <a:pt x="0" y="0"/>
-                </a:cubicBezTo>
+                <a:lnTo>
+                  <a:pt x="12192000" y="0"/>
+                </a:lnTo>
+                <a:lnTo>
+                  <a:pt x="12192000" y="1915388"/>
+                </a:lnTo>
+                <a:lnTo>
+                  <a:pt x="12061096" y="1954428"/>
+                </a:lnTo>
+                <a:cubicBezTo>
+                  <a:pt x="11933500" y="1990642"/>
+                  <a:pt x="11805390" y="2025171"/>
+                  <a:pt x="11676800" y="2058003"/>
+                </a:cubicBezTo>
+                <a:cubicBezTo>
+                  <a:pt x="11262789" y="2165510"/>
+                  <a:pt x="10845343" y="2259112"/>
+                  <a:pt x="10425355" y="2341542"/>
+                </a:cubicBezTo>
+                <a:cubicBezTo>
+                  <a:pt x="10092810" y="2406753"/>
+                  <a:pt x="9759033" y="2465150"/>
+                  <a:pt x="9424022" y="2516704"/>
+                </a:cubicBezTo>
+                <a:cubicBezTo>
+                  <a:pt x="9102997" y="2566361"/>
+                  <a:pt x="8781133" y="2610928"/>
+                  <a:pt x="8458419" y="2650405"/>
+                </a:cubicBezTo>
+                <a:cubicBezTo>
+                  <a:pt x="8211360" y="2680571"/>
+                  <a:pt x="7963792" y="2706144"/>
+                  <a:pt x="7715970" y="2730352"/>
+                </a:cubicBezTo>
+                <a:lnTo>
+                  <a:pt x="6951716" y="2796132"/>
+                </a:lnTo>
+                <a:lnTo>
+                  <a:pt x="6936303" y="2798203"/>
+                </a:lnTo>
+                <a:lnTo>
+                  <a:pt x="6790448" y="2809564"/>
+                </a:lnTo>
+                <a:lnTo>
+                  <a:pt x="6799941" y="2811384"/>
+                </a:lnTo>
+                <a:cubicBezTo>
+                  <a:pt x="6811623" y="2811850"/>
+                  <a:pt x="6823734" y="2809677"/>
+                  <a:pt x="6835432" y="2809677"/>
+                </a:cubicBezTo>
+                <a:cubicBezTo>
+                  <a:pt x="6851580" y="2809677"/>
+                  <a:pt x="6867729" y="2807070"/>
+                  <a:pt x="6884003" y="2806699"/>
+                </a:cubicBezTo>
+                <a:cubicBezTo>
+                  <a:pt x="7115805" y="2801237"/>
+                  <a:pt x="7347351" y="2789070"/>
+                  <a:pt x="7578771" y="2774172"/>
+                </a:cubicBezTo>
+                <a:cubicBezTo>
+                  <a:pt x="7927552" y="2751704"/>
+                  <a:pt x="8276080" y="2723525"/>
+                  <a:pt x="8623845" y="2687275"/>
+                </a:cubicBezTo>
+                <a:cubicBezTo>
+                  <a:pt x="8909939" y="2657977"/>
+                  <a:pt x="9195310" y="2623342"/>
+                  <a:pt x="9479970" y="2583369"/>
+                </a:cubicBezTo>
+                <a:cubicBezTo>
+                  <a:pt x="9864901" y="2528995"/>
+                  <a:pt x="10248014" y="2464281"/>
+                  <a:pt x="10629308" y="2389212"/>
+                </a:cubicBezTo>
+                <a:cubicBezTo>
+                  <a:pt x="11090114" y="2298092"/>
+                  <a:pt x="11546975" y="2190586"/>
+                  <a:pt x="11998498" y="2063218"/>
+                </a:cubicBezTo>
+                <a:lnTo>
+                  <a:pt x="12192000" y="2006219"/>
+                </a:lnTo>
+                <a:lnTo>
+                  <a:pt x="12192000" y="2060956"/>
+                </a:lnTo>
+                <a:lnTo>
+                  <a:pt x="11829257" y="2166255"/>
+                </a:lnTo>
+                <a:cubicBezTo>
+                  <a:pt x="11534769" y="2245952"/>
+                  <a:pt x="11238120" y="2316838"/>
+                  <a:pt x="10939183" y="2380770"/>
+                </a:cubicBezTo>
+                <a:cubicBezTo>
+                  <a:pt x="10622824" y="2448552"/>
+                  <a:pt x="10304941" y="2508549"/>
+                  <a:pt x="9985530" y="2560775"/>
+                </a:cubicBezTo>
+                <a:cubicBezTo>
+                  <a:pt x="9720036" y="2604224"/>
+                  <a:pt x="9453814" y="2642869"/>
+                  <a:pt x="9186882" y="2676722"/>
+                </a:cubicBezTo>
+                <a:cubicBezTo>
+                  <a:pt x="8984197" y="2702296"/>
+                  <a:pt x="8781514" y="2726379"/>
+                  <a:pt x="8578198" y="2746241"/>
+                </a:cubicBezTo>
+                <a:cubicBezTo>
+                  <a:pt x="8340547" y="2768961"/>
+                  <a:pt x="8102644" y="2790436"/>
+                  <a:pt x="7864358" y="2807692"/>
+                </a:cubicBezTo>
+                <a:cubicBezTo>
+                  <a:pt x="7554994" y="2830036"/>
+                  <a:pt x="7245502" y="2847914"/>
+                  <a:pt x="6935502" y="2859086"/>
+                </a:cubicBezTo>
+                <a:cubicBezTo>
+                  <a:pt x="6782917" y="2864549"/>
+                  <a:pt x="6630334" y="2868397"/>
+                  <a:pt x="6477750" y="2872989"/>
+                </a:cubicBezTo>
+                <a:cubicBezTo>
+                  <a:pt x="6439195" y="2870905"/>
+                  <a:pt x="6400529" y="2872530"/>
+                  <a:pt x="6362294" y="2877832"/>
+                </a:cubicBezTo>
+                <a:lnTo>
+                  <a:pt x="6057129" y="2877832"/>
+                </a:lnTo>
+                <a:lnTo>
+                  <a:pt x="5977784" y="2873238"/>
+                </a:lnTo>
+                <a:cubicBezTo>
+                  <a:pt x="5740261" y="2860825"/>
+                  <a:pt x="5502739" y="2847046"/>
+                  <a:pt x="5265087" y="2836989"/>
+                </a:cubicBezTo>
+                <a:cubicBezTo>
+                  <a:pt x="4958267" y="2824573"/>
+                  <a:pt x="4651826" y="2804093"/>
+                  <a:pt x="4346277" y="2774919"/>
+                </a:cubicBezTo>
+                <a:cubicBezTo>
+                  <a:pt x="4021654" y="2744007"/>
+                  <a:pt x="3697795" y="2709372"/>
+                  <a:pt x="3373045" y="2676350"/>
+                </a:cubicBezTo>
+                <a:cubicBezTo>
+                  <a:pt x="3035412" y="2642088"/>
+                  <a:pt x="2698456" y="2602449"/>
+                  <a:pt x="2362173" y="2557423"/>
+                </a:cubicBezTo>
+                <a:cubicBezTo>
+                  <a:pt x="1984692" y="2507270"/>
+                  <a:pt x="1608364" y="2449544"/>
+                  <a:pt x="1233178" y="2384247"/>
+                </a:cubicBezTo>
+                <a:cubicBezTo>
+                  <a:pt x="842181" y="2315534"/>
+                  <a:pt x="453758" y="2237046"/>
+                  <a:pt x="68500" y="2144540"/>
+                </a:cubicBezTo>
+                <a:lnTo>
+                  <a:pt x="0" y="2127185"/>
+                </a:lnTo>
+                <a:lnTo>
+                  <a:pt x="0" y="2070696"/>
+                </a:lnTo>
+                <a:lnTo>
+                  <a:pt x="72441" y="2089473"/>
+                </a:lnTo>
+                <a:cubicBezTo>
+                  <a:pt x="247961" y="2131651"/>
+                  <a:pt x="424164" y="2170911"/>
+                  <a:pt x="600716" y="2207843"/>
+                </a:cubicBezTo>
+                <a:cubicBezTo>
+                  <a:pt x="988279" y="2288657"/>
+                  <a:pt x="1378133" y="2357555"/>
+                  <a:pt x="1769512" y="2418011"/>
+                </a:cubicBezTo>
+                <a:cubicBezTo>
+                  <a:pt x="2052426" y="2461587"/>
+                  <a:pt x="2335725" y="2501684"/>
+                  <a:pt x="2613554" y="2534953"/>
+                </a:cubicBezTo>
+                <a:cubicBezTo>
+                  <a:pt x="2605544" y="2537560"/>
+                  <a:pt x="2594611" y="2527504"/>
+                  <a:pt x="2581134" y="2525022"/>
+                </a:cubicBezTo>
+                <a:cubicBezTo>
+                  <a:pt x="2087178" y="2433070"/>
+                  <a:pt x="1597684" y="2322177"/>
+                  <a:pt x="1112635" y="2192325"/>
+                </a:cubicBezTo>
+                <a:cubicBezTo>
+                  <a:pt x="880453" y="2130254"/>
+                  <a:pt x="649713" y="2063776"/>
+                  <a:pt x="420412" y="1992892"/>
+                </a:cubicBezTo>
+                <a:lnTo>
+                  <a:pt x="0" y="1853975"/>
+                </a:lnTo>
                 <a:close/>
               </a:path>
             </a:pathLst>
@@ -22068,9 +22330,379 @@
           <a:solidFill>
             <a:srgbClr val="7DE5FF"/>
           </a:solidFill>
+          <a:ln>
+            <a:noFill/>
+          </a:ln>
+        </p:spPr>
+        <p:style>
+          <a:lnRef idx="2">
+            <a:schemeClr val="accent1">
+              <a:shade val="50000"/>
+            </a:schemeClr>
+          </a:lnRef>
+          <a:fillRef idx="1">
+            <a:schemeClr val="accent1"/>
+          </a:fillRef>
+          <a:effectRef idx="0">
+            <a:schemeClr val="accent1"/>
+          </a:effectRef>
+          <a:fontRef idx="minor">
+            <a:schemeClr val="lt1"/>
+          </a:fontRef>
+        </p:style>
+        <p:txBody>
+          <a:bodyPr wrap="square" rtlCol="0" anchor="ctr">
+            <a:noAutofit/>
+          </a:bodyPr>
+          <a:lstStyle/>
+          <a:p>
+            <a:pPr algn="ctr"/>
+            <a:endParaRPr lang="en-US"/>
+          </a:p>
+        </p:txBody>
+      </p:sp>
+      <p:sp>
+        <p:nvSpPr>
+          <p:cNvPr id="2" name="Title 1">
+            <a:extLst>
+              <a:ext uri="{FF2B5EF4-FFF2-40B4-BE49-F238E27FC236}">
+                <a16:creationId xmlns:a16="http://schemas.microsoft.com/office/drawing/2014/main" id="{5BA76DEE-EF56-484F-9175-B664516E0F19}"/>
+              </a:ext>
+            </a:extLst>
+          </p:cNvPr>
+          <p:cNvSpPr>
+            <a:spLocks noGrp="1"/>
+          </p:cNvSpPr>
+          <p:nvPr>
+            <p:ph type="title"/>
+          </p:nvPr>
+        </p:nvSpPr>
+        <p:spPr>
+          <a:xfrm>
+            <a:off x="638881" y="390525"/>
+            <a:ext cx="10909640" cy="1510301"/>
+          </a:xfrm>
+        </p:spPr>
+        <p:txBody>
+          <a:bodyPr vert="horz" lIns="91440" tIns="45720" rIns="91440" bIns="45720" rtlCol="0" anchor="ctr">
+            <a:normAutofit/>
+          </a:bodyPr>
+          <a:lstStyle/>
+          <a:p>
+            <a:pPr algn="ctr"/>
+            <a:r>
+              <a:rPr lang="en-US" sz="6600">
+                <a:solidFill>
+                  <a:srgbClr val="FFFFFF"/>
+                </a:solidFill>
+              </a:rPr>
+              <a:t>Ridge Regression </a:t>
+            </a:r>
+          </a:p>
+        </p:txBody>
+      </p:sp>
+      <p:sp>
+        <p:nvSpPr>
+          <p:cNvPr id="25" name="Rectangle 7">
+            <a:extLst>
+              <a:ext uri="{FF2B5EF4-FFF2-40B4-BE49-F238E27FC236}">
+                <a16:creationId xmlns:a16="http://schemas.microsoft.com/office/drawing/2014/main" id="{56037404-66BD-46B5-9323-1B531319671A}"/>
+              </a:ext>
+              <a:ext uri="{C183D7F6-B498-43B3-948B-1728B52AA6E4}">
+                <adec:decorative xmlns:adec="http://schemas.microsoft.com/office/drawing/2017/decorative" val="1"/>
+              </a:ext>
+            </a:extLst>
+          </p:cNvPr>
+          <p:cNvSpPr>
+            <a:spLocks noGrp="1" noRot="1" noChangeAspect="1" noMove="1" noResize="1" noEditPoints="1" noAdjustHandles="1" noChangeArrowheads="1" noChangeShapeType="1" noTextEdit="1"/>
+          </p:cNvSpPr>
+          <p:nvPr>
+            <p:extLst>
+              <p:ext uri="{386F3935-93C4-4BCD-93E2-E3B085C9AB24}">
+                <p16:designElem xmlns:p16="http://schemas.microsoft.com/office/powerpoint/2015/main" val="1"/>
+              </p:ext>
+            </p:extLst>
+          </p:nvPr>
+        </p:nvSpPr>
+        <p:spPr>
+          <a:xfrm>
+            <a:off x="3974206" y="1753266"/>
+            <a:ext cx="4243589" cy="18288"/>
+          </a:xfrm>
+          <a:custGeom>
+            <a:avLst/>
+            <a:gdLst>
+              <a:gd name="connsiteX0" fmla="*/ 0 w 4243589"/>
+              <a:gd name="connsiteY0" fmla="*/ 0 h 18288"/>
+              <a:gd name="connsiteX1" fmla="*/ 563791 w 4243589"/>
+              <a:gd name="connsiteY1" fmla="*/ 0 h 18288"/>
+              <a:gd name="connsiteX2" fmla="*/ 1042710 w 4243589"/>
+              <a:gd name="connsiteY2" fmla="*/ 0 h 18288"/>
+              <a:gd name="connsiteX3" fmla="*/ 1564066 w 4243589"/>
+              <a:gd name="connsiteY3" fmla="*/ 0 h 18288"/>
+              <a:gd name="connsiteX4" fmla="*/ 2212729 w 4243589"/>
+              <a:gd name="connsiteY4" fmla="*/ 0 h 18288"/>
+              <a:gd name="connsiteX5" fmla="*/ 2776520 w 4243589"/>
+              <a:gd name="connsiteY5" fmla="*/ 0 h 18288"/>
+              <a:gd name="connsiteX6" fmla="*/ 3297875 w 4243589"/>
+              <a:gd name="connsiteY6" fmla="*/ 0 h 18288"/>
+              <a:gd name="connsiteX7" fmla="*/ 4243589 w 4243589"/>
+              <a:gd name="connsiteY7" fmla="*/ 0 h 18288"/>
+              <a:gd name="connsiteX8" fmla="*/ 4243589 w 4243589"/>
+              <a:gd name="connsiteY8" fmla="*/ 18288 h 18288"/>
+              <a:gd name="connsiteX9" fmla="*/ 3637362 w 4243589"/>
+              <a:gd name="connsiteY9" fmla="*/ 18288 h 18288"/>
+              <a:gd name="connsiteX10" fmla="*/ 3116007 w 4243589"/>
+              <a:gd name="connsiteY10" fmla="*/ 18288 h 18288"/>
+              <a:gd name="connsiteX11" fmla="*/ 2424908 w 4243589"/>
+              <a:gd name="connsiteY11" fmla="*/ 18288 h 18288"/>
+              <a:gd name="connsiteX12" fmla="*/ 1861117 w 4243589"/>
+              <a:gd name="connsiteY12" fmla="*/ 18288 h 18288"/>
+              <a:gd name="connsiteX13" fmla="*/ 1382198 w 4243589"/>
+              <a:gd name="connsiteY13" fmla="*/ 18288 h 18288"/>
+              <a:gd name="connsiteX14" fmla="*/ 733535 w 4243589"/>
+              <a:gd name="connsiteY14" fmla="*/ 18288 h 18288"/>
+              <a:gd name="connsiteX15" fmla="*/ 0 w 4243589"/>
+              <a:gd name="connsiteY15" fmla="*/ 18288 h 18288"/>
+              <a:gd name="connsiteX16" fmla="*/ 0 w 4243589"/>
+              <a:gd name="connsiteY16" fmla="*/ 0 h 18288"/>
+            </a:gdLst>
+            <a:ahLst/>
+            <a:cxnLst>
+              <a:cxn ang="0">
+                <a:pos x="connsiteX0" y="connsiteY0"/>
+              </a:cxn>
+              <a:cxn ang="0">
+                <a:pos x="connsiteX1" y="connsiteY1"/>
+              </a:cxn>
+              <a:cxn ang="0">
+                <a:pos x="connsiteX2" y="connsiteY2"/>
+              </a:cxn>
+              <a:cxn ang="0">
+                <a:pos x="connsiteX3" y="connsiteY3"/>
+              </a:cxn>
+              <a:cxn ang="0">
+                <a:pos x="connsiteX4" y="connsiteY4"/>
+              </a:cxn>
+              <a:cxn ang="0">
+                <a:pos x="connsiteX5" y="connsiteY5"/>
+              </a:cxn>
+              <a:cxn ang="0">
+                <a:pos x="connsiteX6" y="connsiteY6"/>
+              </a:cxn>
+              <a:cxn ang="0">
+                <a:pos x="connsiteX7" y="connsiteY7"/>
+              </a:cxn>
+              <a:cxn ang="0">
+                <a:pos x="connsiteX8" y="connsiteY8"/>
+              </a:cxn>
+              <a:cxn ang="0">
+                <a:pos x="connsiteX9" y="connsiteY9"/>
+              </a:cxn>
+              <a:cxn ang="0">
+                <a:pos x="connsiteX10" y="connsiteY10"/>
+              </a:cxn>
+              <a:cxn ang="0">
+                <a:pos x="connsiteX11" y="connsiteY11"/>
+              </a:cxn>
+              <a:cxn ang="0">
+                <a:pos x="connsiteX12" y="connsiteY12"/>
+              </a:cxn>
+              <a:cxn ang="0">
+                <a:pos x="connsiteX13" y="connsiteY13"/>
+              </a:cxn>
+              <a:cxn ang="0">
+                <a:pos x="connsiteX14" y="connsiteY14"/>
+              </a:cxn>
+              <a:cxn ang="0">
+                <a:pos x="connsiteX15" y="connsiteY15"/>
+              </a:cxn>
+              <a:cxn ang="0">
+                <a:pos x="connsiteX16" y="connsiteY16"/>
+              </a:cxn>
+            </a:cxnLst>
+            <a:rect l="l" t="t" r="r" b="b"/>
+            <a:pathLst>
+              <a:path w="4243589" h="18288" fill="none" extrusionOk="0">
+                <a:moveTo>
+                  <a:pt x="0" y="0"/>
+                </a:moveTo>
+                <a:cubicBezTo>
+                  <a:pt x="157351" y="-15653"/>
+                  <a:pt x="378877" y="-5828"/>
+                  <a:pt x="563791" y="0"/>
+                </a:cubicBezTo>
+                <a:cubicBezTo>
+                  <a:pt x="748705" y="5828"/>
+                  <a:pt x="905659" y="-5525"/>
+                  <a:pt x="1042710" y="0"/>
+                </a:cubicBezTo>
+                <a:cubicBezTo>
+                  <a:pt x="1179761" y="5525"/>
+                  <a:pt x="1356845" y="-21288"/>
+                  <a:pt x="1564066" y="0"/>
+                </a:cubicBezTo>
+                <a:cubicBezTo>
+                  <a:pt x="1771287" y="21288"/>
+                  <a:pt x="1912099" y="25135"/>
+                  <a:pt x="2212729" y="0"/>
+                </a:cubicBezTo>
+                <a:cubicBezTo>
+                  <a:pt x="2513359" y="-25135"/>
+                  <a:pt x="2514918" y="-27119"/>
+                  <a:pt x="2776520" y="0"/>
+                </a:cubicBezTo>
+                <a:cubicBezTo>
+                  <a:pt x="3038122" y="27119"/>
+                  <a:pt x="3178771" y="18116"/>
+                  <a:pt x="3297875" y="0"/>
+                </a:cubicBezTo>
+                <a:cubicBezTo>
+                  <a:pt x="3416980" y="-18116"/>
+                  <a:pt x="4012240" y="-40869"/>
+                  <a:pt x="4243589" y="0"/>
+                </a:cubicBezTo>
+                <a:cubicBezTo>
+                  <a:pt x="4243987" y="7429"/>
+                  <a:pt x="4243569" y="10822"/>
+                  <a:pt x="4243589" y="18288"/>
+                </a:cubicBezTo>
+                <a:cubicBezTo>
+                  <a:pt x="4112949" y="-2855"/>
+                  <a:pt x="3928037" y="1831"/>
+                  <a:pt x="3637362" y="18288"/>
+                </a:cubicBezTo>
+                <a:cubicBezTo>
+                  <a:pt x="3346687" y="34745"/>
+                  <a:pt x="3254446" y="26669"/>
+                  <a:pt x="3116007" y="18288"/>
+                </a:cubicBezTo>
+                <a:cubicBezTo>
+                  <a:pt x="2977569" y="9907"/>
+                  <a:pt x="2620228" y="28873"/>
+                  <a:pt x="2424908" y="18288"/>
+                </a:cubicBezTo>
+                <a:cubicBezTo>
+                  <a:pt x="2229588" y="7703"/>
+                  <a:pt x="2088287" y="-3854"/>
+                  <a:pt x="1861117" y="18288"/>
+                </a:cubicBezTo>
+                <a:cubicBezTo>
+                  <a:pt x="1633947" y="40430"/>
+                  <a:pt x="1502447" y="-871"/>
+                  <a:pt x="1382198" y="18288"/>
+                </a:cubicBezTo>
+                <a:cubicBezTo>
+                  <a:pt x="1261949" y="37447"/>
+                  <a:pt x="1045440" y="28353"/>
+                  <a:pt x="733535" y="18288"/>
+                </a:cubicBezTo>
+                <a:cubicBezTo>
+                  <a:pt x="421630" y="8223"/>
+                  <a:pt x="341257" y="-18359"/>
+                  <a:pt x="0" y="18288"/>
+                </a:cubicBezTo>
+                <a:cubicBezTo>
+                  <a:pt x="-591" y="13205"/>
+                  <a:pt x="-663" y="6329"/>
+                  <a:pt x="0" y="0"/>
+                </a:cubicBezTo>
+                <a:close/>
+              </a:path>
+              <a:path w="4243589" h="18288" stroke="0" extrusionOk="0">
+                <a:moveTo>
+                  <a:pt x="0" y="0"/>
+                </a:moveTo>
+                <a:cubicBezTo>
+                  <a:pt x="128164" y="17204"/>
+                  <a:pt x="312653" y="1129"/>
+                  <a:pt x="563791" y="0"/>
+                </a:cubicBezTo>
+                <a:cubicBezTo>
+                  <a:pt x="814929" y="-1129"/>
+                  <a:pt x="837271" y="8503"/>
+                  <a:pt x="1042710" y="0"/>
+                </a:cubicBezTo>
+                <a:cubicBezTo>
+                  <a:pt x="1248149" y="-8503"/>
+                  <a:pt x="1588432" y="-28862"/>
+                  <a:pt x="1733809" y="0"/>
+                </a:cubicBezTo>
+                <a:cubicBezTo>
+                  <a:pt x="1879186" y="28862"/>
+                  <a:pt x="2052815" y="5974"/>
+                  <a:pt x="2297600" y="0"/>
+                </a:cubicBezTo>
+                <a:cubicBezTo>
+                  <a:pt x="2542385" y="-5974"/>
+                  <a:pt x="2699960" y="-23550"/>
+                  <a:pt x="2861391" y="0"/>
+                </a:cubicBezTo>
+                <a:cubicBezTo>
+                  <a:pt x="3022822" y="23550"/>
+                  <a:pt x="3390411" y="25272"/>
+                  <a:pt x="3552490" y="0"/>
+                </a:cubicBezTo>
+                <a:cubicBezTo>
+                  <a:pt x="3714569" y="-25272"/>
+                  <a:pt x="3950585" y="-31327"/>
+                  <a:pt x="4243589" y="0"/>
+                </a:cubicBezTo>
+                <a:cubicBezTo>
+                  <a:pt x="4242703" y="5429"/>
+                  <a:pt x="4244410" y="14046"/>
+                  <a:pt x="4243589" y="18288"/>
+                </a:cubicBezTo>
+                <a:cubicBezTo>
+                  <a:pt x="4130424" y="-1240"/>
+                  <a:pt x="3932803" y="42249"/>
+                  <a:pt x="3722234" y="18288"/>
+                </a:cubicBezTo>
+                <a:cubicBezTo>
+                  <a:pt x="3511665" y="-5673"/>
+                  <a:pt x="3269903" y="45994"/>
+                  <a:pt x="3116007" y="18288"/>
+                </a:cubicBezTo>
+                <a:cubicBezTo>
+                  <a:pt x="2962111" y="-9418"/>
+                  <a:pt x="2744280" y="23224"/>
+                  <a:pt x="2509780" y="18288"/>
+                </a:cubicBezTo>
+                <a:cubicBezTo>
+                  <a:pt x="2275280" y="13352"/>
+                  <a:pt x="2066059" y="43664"/>
+                  <a:pt x="1945989" y="18288"/>
+                </a:cubicBezTo>
+                <a:cubicBezTo>
+                  <a:pt x="1825919" y="-7088"/>
+                  <a:pt x="1407329" y="12616"/>
+                  <a:pt x="1254890" y="18288"/>
+                </a:cubicBezTo>
+                <a:cubicBezTo>
+                  <a:pt x="1102451" y="23960"/>
+                  <a:pt x="837950" y="31673"/>
+                  <a:pt x="563791" y="18288"/>
+                </a:cubicBezTo>
+                <a:cubicBezTo>
+                  <a:pt x="289632" y="4903"/>
+                  <a:pt x="132768" y="7105"/>
+                  <a:pt x="0" y="18288"/>
+                </a:cubicBezTo>
+                <a:cubicBezTo>
+                  <a:pt x="668" y="13665"/>
+                  <a:pt x="578" y="5675"/>
+                  <a:pt x="0" y="0"/>
+                </a:cubicBezTo>
+                <a:close/>
+              </a:path>
+            </a:pathLst>
+          </a:custGeom>
+          <a:solidFill>
+            <a:srgbClr val="FFFFFF"/>
+          </a:solidFill>
           <a:ln w="38100" cap="rnd">
             <a:solidFill>
-              <a:srgbClr val="7DE5FF"/>
+              <a:srgbClr val="FFFFFF"/>
             </a:solidFill>
             <a:round/>
             <a:extLst>
@@ -22136,8 +22768,8 @@
         </p:blipFill>
         <p:spPr>
           <a:xfrm>
-            <a:off x="4654296" y="1909233"/>
-            <a:ext cx="7214616" cy="3012102"/>
+            <a:off x="2478264" y="3067050"/>
+            <a:ext cx="7232423" cy="3019537"/>
           </a:xfrm>
           <a:prstGeom prst="rect">
             <a:avLst/>
@@ -22184,7 +22816,7 @@
       </p:grpSpPr>
       <p:sp>
         <p:nvSpPr>
-          <p:cNvPr id="10" name="Rectangle 6">
+          <p:cNvPr id="28" name="Rectangle 6">
             <a:extLst>
               <a:ext uri="{FF2B5EF4-FFF2-40B4-BE49-F238E27FC236}">
                 <a16:creationId xmlns:a16="http://schemas.microsoft.com/office/drawing/2014/main" id="{DA381740-063A-41A4-836D-85D14980EEF0}"/>
@@ -22531,10 +23163,10 @@
       </p:sp>
       <p:sp useBgFill="1">
         <p:nvSpPr>
-          <p:cNvPr id="12" name="Rectangle 11">
+          <p:cNvPr id="30" name="Rectangle 29">
             <a:extLst>
               <a:ext uri="{FF2B5EF4-FFF2-40B4-BE49-F238E27FC236}">
-                <a16:creationId xmlns:a16="http://schemas.microsoft.com/office/drawing/2014/main" id="{665DBBEF-238B-476B-96AB-8AAC3224ECEA}"/>
+                <a16:creationId xmlns:a16="http://schemas.microsoft.com/office/drawing/2014/main" id="{76906711-0AFB-47DD-A4B6-4E94B38B8C91}"/>
               </a:ext>
               <a:ext uri="{C183D7F6-B498-43B3-948B-1728B52AA6E4}">
                 <adec:decorative xmlns:adec="http://schemas.microsoft.com/office/drawing/2017/decorative" val="1"/>
@@ -22591,50 +23223,10 @@
       </p:sp>
       <p:sp>
         <p:nvSpPr>
-          <p:cNvPr id="2" name="Title 1">
+          <p:cNvPr id="32" name="Freeform: Shape 31">
             <a:extLst>
               <a:ext uri="{FF2B5EF4-FFF2-40B4-BE49-F238E27FC236}">
-                <a16:creationId xmlns:a16="http://schemas.microsoft.com/office/drawing/2014/main" id="{BC33A49A-16A8-4B45-89BB-6D6B6CD077BE}"/>
-              </a:ext>
-            </a:extLst>
-          </p:cNvPr>
-          <p:cNvSpPr>
-            <a:spLocks noGrp="1"/>
-          </p:cNvSpPr>
-          <p:nvPr>
-            <p:ph type="title"/>
-          </p:nvPr>
-        </p:nvSpPr>
-        <p:spPr>
-          <a:xfrm>
-            <a:off x="638882" y="639193"/>
-            <a:ext cx="3571810" cy="3573516"/>
-          </a:xfrm>
-        </p:spPr>
-        <p:txBody>
-          <a:bodyPr vert="horz" lIns="91440" tIns="45720" rIns="91440" bIns="45720" rtlCol="0" anchor="b">
-            <a:normAutofit/>
-          </a:bodyPr>
-          <a:lstStyle/>
-          <a:p>
-            <a:pPr>
-              <a:lnSpc>
-                <a:spcPct val="90000"/>
-              </a:lnSpc>
-            </a:pPr>
-            <a:r>
-              <a:rPr lang="en-US" sz="4900"/>
-              <a:t>Decision Tree Regression</a:t>
-            </a:r>
-          </a:p>
-        </p:txBody>
-      </p:sp>
-      <p:sp>
-        <p:nvSpPr>
-          <p:cNvPr id="14" name="Rectangle 6">
-            <a:extLst>
-              <a:ext uri="{FF2B5EF4-FFF2-40B4-BE49-F238E27FC236}">
-                <a16:creationId xmlns:a16="http://schemas.microsoft.com/office/drawing/2014/main" id="{3FCFB1DE-0B7E-48CC-BA90-B2AB0889F9D6}"/>
+                <a16:creationId xmlns:a16="http://schemas.microsoft.com/office/drawing/2014/main" id="{AA91F649-894C-41F6-A21D-3D1AC558E934}"/>
               </a:ext>
               <a:ext uri="{C183D7F6-B498-43B3-948B-1728B52AA6E4}">
                 <adec:decorative xmlns:adec="http://schemas.microsoft.com/office/drawing/2017/decorative" val="1"/>
@@ -22654,36 +23246,116 @@
         </p:nvSpPr>
         <p:spPr>
           <a:xfrm>
-            <a:off x="643278" y="4409267"/>
-            <a:ext cx="3255095" cy="27432"/>
+            <a:off x="0" y="0"/>
+            <a:ext cx="12192000" cy="2877832"/>
           </a:xfrm>
           <a:custGeom>
             <a:avLst/>
             <a:gdLst>
-              <a:gd name="connsiteX0" fmla="*/ 0 w 3255095"/>
-              <a:gd name="connsiteY0" fmla="*/ 0 h 27432"/>
-              <a:gd name="connsiteX1" fmla="*/ 618468 w 3255095"/>
-              <a:gd name="connsiteY1" fmla="*/ 0 h 27432"/>
-              <a:gd name="connsiteX2" fmla="*/ 1269487 w 3255095"/>
-              <a:gd name="connsiteY2" fmla="*/ 0 h 27432"/>
-              <a:gd name="connsiteX3" fmla="*/ 1953057 w 3255095"/>
-              <a:gd name="connsiteY3" fmla="*/ 0 h 27432"/>
-              <a:gd name="connsiteX4" fmla="*/ 2636627 w 3255095"/>
-              <a:gd name="connsiteY4" fmla="*/ 0 h 27432"/>
-              <a:gd name="connsiteX5" fmla="*/ 3255095 w 3255095"/>
-              <a:gd name="connsiteY5" fmla="*/ 0 h 27432"/>
-              <a:gd name="connsiteX6" fmla="*/ 3255095 w 3255095"/>
-              <a:gd name="connsiteY6" fmla="*/ 27432 h 27432"/>
-              <a:gd name="connsiteX7" fmla="*/ 2538974 w 3255095"/>
-              <a:gd name="connsiteY7" fmla="*/ 27432 h 27432"/>
-              <a:gd name="connsiteX8" fmla="*/ 1822853 w 3255095"/>
-              <a:gd name="connsiteY8" fmla="*/ 27432 h 27432"/>
-              <a:gd name="connsiteX9" fmla="*/ 1171834 w 3255095"/>
-              <a:gd name="connsiteY9" fmla="*/ 27432 h 27432"/>
-              <a:gd name="connsiteX10" fmla="*/ 0 w 3255095"/>
-              <a:gd name="connsiteY10" fmla="*/ 27432 h 27432"/>
-              <a:gd name="connsiteX11" fmla="*/ 0 w 3255095"/>
-              <a:gd name="connsiteY11" fmla="*/ 0 h 27432"/>
+              <a:gd name="connsiteX0" fmla="*/ 6789701 w 12192000"/>
+              <a:gd name="connsiteY0" fmla="*/ 2809623 h 2877832"/>
+              <a:gd name="connsiteX1" fmla="*/ 6788702 w 12192000"/>
+              <a:gd name="connsiteY1" fmla="*/ 2809701 h 2877832"/>
+              <a:gd name="connsiteX2" fmla="*/ 6788476 w 12192000"/>
+              <a:gd name="connsiteY2" fmla="*/ 2810235 h 2877832"/>
+              <a:gd name="connsiteX3" fmla="*/ 0 w 12192000"/>
+              <a:gd name="connsiteY3" fmla="*/ 0 h 2877832"/>
+              <a:gd name="connsiteX4" fmla="*/ 12192000 w 12192000"/>
+              <a:gd name="connsiteY4" fmla="*/ 0 h 2877832"/>
+              <a:gd name="connsiteX5" fmla="*/ 12192000 w 12192000"/>
+              <a:gd name="connsiteY5" fmla="*/ 1915388 h 2877832"/>
+              <a:gd name="connsiteX6" fmla="*/ 12061096 w 12192000"/>
+              <a:gd name="connsiteY6" fmla="*/ 1954428 h 2877832"/>
+              <a:gd name="connsiteX7" fmla="*/ 11676800 w 12192000"/>
+              <a:gd name="connsiteY7" fmla="*/ 2058003 h 2877832"/>
+              <a:gd name="connsiteX8" fmla="*/ 10425355 w 12192000"/>
+              <a:gd name="connsiteY8" fmla="*/ 2341542 h 2877832"/>
+              <a:gd name="connsiteX9" fmla="*/ 9424022 w 12192000"/>
+              <a:gd name="connsiteY9" fmla="*/ 2516704 h 2877832"/>
+              <a:gd name="connsiteX10" fmla="*/ 8458419 w 12192000"/>
+              <a:gd name="connsiteY10" fmla="*/ 2650405 h 2877832"/>
+              <a:gd name="connsiteX11" fmla="*/ 7715970 w 12192000"/>
+              <a:gd name="connsiteY11" fmla="*/ 2730352 h 2877832"/>
+              <a:gd name="connsiteX12" fmla="*/ 6951716 w 12192000"/>
+              <a:gd name="connsiteY12" fmla="*/ 2796132 h 2877832"/>
+              <a:gd name="connsiteX13" fmla="*/ 6936303 w 12192000"/>
+              <a:gd name="connsiteY13" fmla="*/ 2798203 h 2877832"/>
+              <a:gd name="connsiteX14" fmla="*/ 6790448 w 12192000"/>
+              <a:gd name="connsiteY14" fmla="*/ 2809564 h 2877832"/>
+              <a:gd name="connsiteX15" fmla="*/ 6799941 w 12192000"/>
+              <a:gd name="connsiteY15" fmla="*/ 2811384 h 2877832"/>
+              <a:gd name="connsiteX16" fmla="*/ 6835432 w 12192000"/>
+              <a:gd name="connsiteY16" fmla="*/ 2809677 h 2877832"/>
+              <a:gd name="connsiteX17" fmla="*/ 6884003 w 12192000"/>
+              <a:gd name="connsiteY17" fmla="*/ 2806699 h 2877832"/>
+              <a:gd name="connsiteX18" fmla="*/ 7578771 w 12192000"/>
+              <a:gd name="connsiteY18" fmla="*/ 2774172 h 2877832"/>
+              <a:gd name="connsiteX19" fmla="*/ 8623845 w 12192000"/>
+              <a:gd name="connsiteY19" fmla="*/ 2687275 h 2877832"/>
+              <a:gd name="connsiteX20" fmla="*/ 9479970 w 12192000"/>
+              <a:gd name="connsiteY20" fmla="*/ 2583369 h 2877832"/>
+              <a:gd name="connsiteX21" fmla="*/ 10629308 w 12192000"/>
+              <a:gd name="connsiteY21" fmla="*/ 2389212 h 2877832"/>
+              <a:gd name="connsiteX22" fmla="*/ 11998498 w 12192000"/>
+              <a:gd name="connsiteY22" fmla="*/ 2063218 h 2877832"/>
+              <a:gd name="connsiteX23" fmla="*/ 12192000 w 12192000"/>
+              <a:gd name="connsiteY23" fmla="*/ 2006219 h 2877832"/>
+              <a:gd name="connsiteX24" fmla="*/ 12192000 w 12192000"/>
+              <a:gd name="connsiteY24" fmla="*/ 2060956 h 2877832"/>
+              <a:gd name="connsiteX25" fmla="*/ 11829257 w 12192000"/>
+              <a:gd name="connsiteY25" fmla="*/ 2166255 h 2877832"/>
+              <a:gd name="connsiteX26" fmla="*/ 10939183 w 12192000"/>
+              <a:gd name="connsiteY26" fmla="*/ 2380770 h 2877832"/>
+              <a:gd name="connsiteX27" fmla="*/ 9985530 w 12192000"/>
+              <a:gd name="connsiteY27" fmla="*/ 2560775 h 2877832"/>
+              <a:gd name="connsiteX28" fmla="*/ 9186882 w 12192000"/>
+              <a:gd name="connsiteY28" fmla="*/ 2676722 h 2877832"/>
+              <a:gd name="connsiteX29" fmla="*/ 8578198 w 12192000"/>
+              <a:gd name="connsiteY29" fmla="*/ 2746241 h 2877832"/>
+              <a:gd name="connsiteX30" fmla="*/ 7864358 w 12192000"/>
+              <a:gd name="connsiteY30" fmla="*/ 2807692 h 2877832"/>
+              <a:gd name="connsiteX31" fmla="*/ 6935502 w 12192000"/>
+              <a:gd name="connsiteY31" fmla="*/ 2859086 h 2877832"/>
+              <a:gd name="connsiteX32" fmla="*/ 6477750 w 12192000"/>
+              <a:gd name="connsiteY32" fmla="*/ 2872989 h 2877832"/>
+              <a:gd name="connsiteX33" fmla="*/ 6362294 w 12192000"/>
+              <a:gd name="connsiteY33" fmla="*/ 2877832 h 2877832"/>
+              <a:gd name="connsiteX34" fmla="*/ 6057129 w 12192000"/>
+              <a:gd name="connsiteY34" fmla="*/ 2877832 h 2877832"/>
+              <a:gd name="connsiteX35" fmla="*/ 5977784 w 12192000"/>
+              <a:gd name="connsiteY35" fmla="*/ 2873238 h 2877832"/>
+              <a:gd name="connsiteX36" fmla="*/ 5265087 w 12192000"/>
+              <a:gd name="connsiteY36" fmla="*/ 2836989 h 2877832"/>
+              <a:gd name="connsiteX37" fmla="*/ 4346277 w 12192000"/>
+              <a:gd name="connsiteY37" fmla="*/ 2774919 h 2877832"/>
+              <a:gd name="connsiteX38" fmla="*/ 3373045 w 12192000"/>
+              <a:gd name="connsiteY38" fmla="*/ 2676350 h 2877832"/>
+              <a:gd name="connsiteX39" fmla="*/ 2362173 w 12192000"/>
+              <a:gd name="connsiteY39" fmla="*/ 2557423 h 2877832"/>
+              <a:gd name="connsiteX40" fmla="*/ 1233178 w 12192000"/>
+              <a:gd name="connsiteY40" fmla="*/ 2384247 h 2877832"/>
+              <a:gd name="connsiteX41" fmla="*/ 68500 w 12192000"/>
+              <a:gd name="connsiteY41" fmla="*/ 2144540 h 2877832"/>
+              <a:gd name="connsiteX42" fmla="*/ 0 w 12192000"/>
+              <a:gd name="connsiteY42" fmla="*/ 2127185 h 2877832"/>
+              <a:gd name="connsiteX43" fmla="*/ 0 w 12192000"/>
+              <a:gd name="connsiteY43" fmla="*/ 2070696 h 2877832"/>
+              <a:gd name="connsiteX44" fmla="*/ 72441 w 12192000"/>
+              <a:gd name="connsiteY44" fmla="*/ 2089473 h 2877832"/>
+              <a:gd name="connsiteX45" fmla="*/ 600716 w 12192000"/>
+              <a:gd name="connsiteY45" fmla="*/ 2207843 h 2877832"/>
+              <a:gd name="connsiteX46" fmla="*/ 1769512 w 12192000"/>
+              <a:gd name="connsiteY46" fmla="*/ 2418011 h 2877832"/>
+              <a:gd name="connsiteX47" fmla="*/ 2613554 w 12192000"/>
+              <a:gd name="connsiteY47" fmla="*/ 2534953 h 2877832"/>
+              <a:gd name="connsiteX48" fmla="*/ 2581134 w 12192000"/>
+              <a:gd name="connsiteY48" fmla="*/ 2525022 h 2877832"/>
+              <a:gd name="connsiteX49" fmla="*/ 1112635 w 12192000"/>
+              <a:gd name="connsiteY49" fmla="*/ 2192325 h 2877832"/>
+              <a:gd name="connsiteX50" fmla="*/ 420412 w 12192000"/>
+              <a:gd name="connsiteY50" fmla="*/ 1992892 h 2877832"/>
+              <a:gd name="connsiteX51" fmla="*/ 0 w 12192000"/>
+              <a:gd name="connsiteY51" fmla="*/ 1853975 h 2877832"/>
             </a:gdLst>
             <a:ahLst/>
             <a:cxnLst>
@@ -22723,144 +23395,731 @@
               <a:cxn ang="0">
                 <a:pos x="connsiteX11" y="connsiteY11"/>
               </a:cxn>
+              <a:cxn ang="0">
+                <a:pos x="connsiteX12" y="connsiteY12"/>
+              </a:cxn>
+              <a:cxn ang="0">
+                <a:pos x="connsiteX13" y="connsiteY13"/>
+              </a:cxn>
+              <a:cxn ang="0">
+                <a:pos x="connsiteX14" y="connsiteY14"/>
+              </a:cxn>
+              <a:cxn ang="0">
+                <a:pos x="connsiteX15" y="connsiteY15"/>
+              </a:cxn>
+              <a:cxn ang="0">
+                <a:pos x="connsiteX16" y="connsiteY16"/>
+              </a:cxn>
+              <a:cxn ang="0">
+                <a:pos x="connsiteX17" y="connsiteY17"/>
+              </a:cxn>
+              <a:cxn ang="0">
+                <a:pos x="connsiteX18" y="connsiteY18"/>
+              </a:cxn>
+              <a:cxn ang="0">
+                <a:pos x="connsiteX19" y="connsiteY19"/>
+              </a:cxn>
+              <a:cxn ang="0">
+                <a:pos x="connsiteX20" y="connsiteY20"/>
+              </a:cxn>
+              <a:cxn ang="0">
+                <a:pos x="connsiteX21" y="connsiteY21"/>
+              </a:cxn>
+              <a:cxn ang="0">
+                <a:pos x="connsiteX22" y="connsiteY22"/>
+              </a:cxn>
+              <a:cxn ang="0">
+                <a:pos x="connsiteX23" y="connsiteY23"/>
+              </a:cxn>
+              <a:cxn ang="0">
+                <a:pos x="connsiteX24" y="connsiteY24"/>
+              </a:cxn>
+              <a:cxn ang="0">
+                <a:pos x="connsiteX25" y="connsiteY25"/>
+              </a:cxn>
+              <a:cxn ang="0">
+                <a:pos x="connsiteX26" y="connsiteY26"/>
+              </a:cxn>
+              <a:cxn ang="0">
+                <a:pos x="connsiteX27" y="connsiteY27"/>
+              </a:cxn>
+              <a:cxn ang="0">
+                <a:pos x="connsiteX28" y="connsiteY28"/>
+              </a:cxn>
+              <a:cxn ang="0">
+                <a:pos x="connsiteX29" y="connsiteY29"/>
+              </a:cxn>
+              <a:cxn ang="0">
+                <a:pos x="connsiteX30" y="connsiteY30"/>
+              </a:cxn>
+              <a:cxn ang="0">
+                <a:pos x="connsiteX31" y="connsiteY31"/>
+              </a:cxn>
+              <a:cxn ang="0">
+                <a:pos x="connsiteX32" y="connsiteY32"/>
+              </a:cxn>
+              <a:cxn ang="0">
+                <a:pos x="connsiteX33" y="connsiteY33"/>
+              </a:cxn>
+              <a:cxn ang="0">
+                <a:pos x="connsiteX34" y="connsiteY34"/>
+              </a:cxn>
+              <a:cxn ang="0">
+                <a:pos x="connsiteX35" y="connsiteY35"/>
+              </a:cxn>
+              <a:cxn ang="0">
+                <a:pos x="connsiteX36" y="connsiteY36"/>
+              </a:cxn>
+              <a:cxn ang="0">
+                <a:pos x="connsiteX37" y="connsiteY37"/>
+              </a:cxn>
+              <a:cxn ang="0">
+                <a:pos x="connsiteX38" y="connsiteY38"/>
+              </a:cxn>
+              <a:cxn ang="0">
+                <a:pos x="connsiteX39" y="connsiteY39"/>
+              </a:cxn>
+              <a:cxn ang="0">
+                <a:pos x="connsiteX40" y="connsiteY40"/>
+              </a:cxn>
+              <a:cxn ang="0">
+                <a:pos x="connsiteX41" y="connsiteY41"/>
+              </a:cxn>
+              <a:cxn ang="0">
+                <a:pos x="connsiteX42" y="connsiteY42"/>
+              </a:cxn>
+              <a:cxn ang="0">
+                <a:pos x="connsiteX43" y="connsiteY43"/>
+              </a:cxn>
+              <a:cxn ang="0">
+                <a:pos x="connsiteX44" y="connsiteY44"/>
+              </a:cxn>
+              <a:cxn ang="0">
+                <a:pos x="connsiteX45" y="connsiteY45"/>
+              </a:cxn>
+              <a:cxn ang="0">
+                <a:pos x="connsiteX46" y="connsiteY46"/>
+              </a:cxn>
+              <a:cxn ang="0">
+                <a:pos x="connsiteX47" y="connsiteY47"/>
+              </a:cxn>
+              <a:cxn ang="0">
+                <a:pos x="connsiteX48" y="connsiteY48"/>
+              </a:cxn>
+              <a:cxn ang="0">
+                <a:pos x="connsiteX49" y="connsiteY49"/>
+              </a:cxn>
+              <a:cxn ang="0">
+                <a:pos x="connsiteX50" y="connsiteY50"/>
+              </a:cxn>
+              <a:cxn ang="0">
+                <a:pos x="connsiteX51" y="connsiteY51"/>
+              </a:cxn>
             </a:cxnLst>
             <a:rect l="l" t="t" r="r" b="b"/>
             <a:pathLst>
-              <a:path w="3255095" h="27432" fill="none" extrusionOk="0">
+              <a:path w="12192000" h="2877832">
+                <a:moveTo>
+                  <a:pt x="6789701" y="2809623"/>
+                </a:moveTo>
+                <a:lnTo>
+                  <a:pt x="6788702" y="2809701"/>
+                </a:lnTo>
+                <a:lnTo>
+                  <a:pt x="6788476" y="2810235"/>
+                </a:lnTo>
+                <a:close/>
                 <a:moveTo>
                   <a:pt x="0" y="0"/>
                 </a:moveTo>
-                <a:cubicBezTo>
-                  <a:pt x="240201" y="-22123"/>
-                  <a:pt x="462021" y="-19623"/>
-                  <a:pt x="618468" y="0"/>
-                </a:cubicBezTo>
-                <a:cubicBezTo>
-                  <a:pt x="774915" y="19623"/>
-                  <a:pt x="974734" y="2035"/>
-                  <a:pt x="1269487" y="0"/>
-                </a:cubicBezTo>
-                <a:cubicBezTo>
-                  <a:pt x="1564240" y="-2035"/>
-                  <a:pt x="1733579" y="10639"/>
-                  <a:pt x="1953057" y="0"/>
-                </a:cubicBezTo>
-                <a:cubicBezTo>
-                  <a:pt x="2172535" y="-10639"/>
-                  <a:pt x="2453962" y="14018"/>
-                  <a:pt x="2636627" y="0"/>
-                </a:cubicBezTo>
-                <a:cubicBezTo>
-                  <a:pt x="2819292" y="-14018"/>
-                  <a:pt x="3121375" y="5399"/>
-                  <a:pt x="3255095" y="0"/>
-                </a:cubicBezTo>
-                <a:cubicBezTo>
-                  <a:pt x="3253929" y="7395"/>
-                  <a:pt x="3255140" y="21864"/>
-                  <a:pt x="3255095" y="27432"/>
-                </a:cubicBezTo>
-                <a:cubicBezTo>
-                  <a:pt x="3088545" y="32347"/>
-                  <a:pt x="2687475" y="16563"/>
-                  <a:pt x="2538974" y="27432"/>
-                </a:cubicBezTo>
-                <a:cubicBezTo>
-                  <a:pt x="2390473" y="38301"/>
-                  <a:pt x="2137381" y="185"/>
-                  <a:pt x="1822853" y="27432"/>
-                </a:cubicBezTo>
-                <a:cubicBezTo>
-                  <a:pt x="1508325" y="54679"/>
-                  <a:pt x="1466437" y="29529"/>
-                  <a:pt x="1171834" y="27432"/>
-                </a:cubicBezTo>
-                <a:cubicBezTo>
-                  <a:pt x="877231" y="25335"/>
-                  <a:pt x="561097" y="46787"/>
-                  <a:pt x="0" y="27432"/>
-                </a:cubicBezTo>
-                <a:cubicBezTo>
-                  <a:pt x="-503" y="20663"/>
-                  <a:pt x="1168" y="5855"/>
-                  <a:pt x="0" y="0"/>
-                </a:cubicBezTo>
-                <a:close/>
-              </a:path>
-              <a:path w="3255095" h="27432" stroke="0" extrusionOk="0">
-                <a:moveTo>
-                  <a:pt x="0" y="0"/>
-                </a:moveTo>
-                <a:cubicBezTo>
-                  <a:pt x="291965" y="19429"/>
-                  <a:pt x="363155" y="8568"/>
-                  <a:pt x="618468" y="0"/>
-                </a:cubicBezTo>
-                <a:cubicBezTo>
-                  <a:pt x="873781" y="-8568"/>
-                  <a:pt x="904459" y="-19505"/>
-                  <a:pt x="1171834" y="0"/>
-                </a:cubicBezTo>
-                <a:cubicBezTo>
-                  <a:pt x="1439209" y="19505"/>
-                  <a:pt x="1744369" y="9790"/>
-                  <a:pt x="1887955" y="0"/>
-                </a:cubicBezTo>
-                <a:cubicBezTo>
-                  <a:pt x="2031541" y="-9790"/>
-                  <a:pt x="2346378" y="21240"/>
-                  <a:pt x="2506423" y="0"/>
-                </a:cubicBezTo>
-                <a:cubicBezTo>
-                  <a:pt x="2666468" y="-21240"/>
-                  <a:pt x="2990257" y="30414"/>
-                  <a:pt x="3255095" y="0"/>
-                </a:cubicBezTo>
-                <a:cubicBezTo>
-                  <a:pt x="3255288" y="12649"/>
-                  <a:pt x="3254107" y="17989"/>
-                  <a:pt x="3255095" y="27432"/>
-                </a:cubicBezTo>
-                <a:cubicBezTo>
-                  <a:pt x="3120743" y="25834"/>
-                  <a:pt x="2759628" y="51606"/>
-                  <a:pt x="2604076" y="27432"/>
-                </a:cubicBezTo>
-                <a:cubicBezTo>
-                  <a:pt x="2448524" y="3258"/>
-                  <a:pt x="2184336" y="28743"/>
-                  <a:pt x="1887955" y="27432"/>
-                </a:cubicBezTo>
-                <a:cubicBezTo>
-                  <a:pt x="1591574" y="26121"/>
-                  <a:pt x="1548845" y="16014"/>
-                  <a:pt x="1334589" y="27432"/>
-                </a:cubicBezTo>
-                <a:cubicBezTo>
-                  <a:pt x="1120333" y="38850"/>
-                  <a:pt x="996014" y="18806"/>
-                  <a:pt x="683570" y="27432"/>
-                </a:cubicBezTo>
-                <a:cubicBezTo>
-                  <a:pt x="371126" y="36058"/>
-                  <a:pt x="198687" y="25311"/>
-                  <a:pt x="0" y="27432"/>
-                </a:cubicBezTo>
-                <a:cubicBezTo>
-                  <a:pt x="1300" y="19678"/>
-                  <a:pt x="-86" y="12044"/>
-                  <a:pt x="0" y="0"/>
-                </a:cubicBezTo>
+                <a:lnTo>
+                  <a:pt x="12192000" y="0"/>
+                </a:lnTo>
+                <a:lnTo>
+                  <a:pt x="12192000" y="1915388"/>
+                </a:lnTo>
+                <a:lnTo>
+                  <a:pt x="12061096" y="1954428"/>
+                </a:lnTo>
+                <a:cubicBezTo>
+                  <a:pt x="11933500" y="1990642"/>
+                  <a:pt x="11805390" y="2025171"/>
+                  <a:pt x="11676800" y="2058003"/>
+                </a:cubicBezTo>
+                <a:cubicBezTo>
+                  <a:pt x="11262789" y="2165510"/>
+                  <a:pt x="10845343" y="2259112"/>
+                  <a:pt x="10425355" y="2341542"/>
+                </a:cubicBezTo>
+                <a:cubicBezTo>
+                  <a:pt x="10092810" y="2406753"/>
+                  <a:pt x="9759033" y="2465150"/>
+                  <a:pt x="9424022" y="2516704"/>
+                </a:cubicBezTo>
+                <a:cubicBezTo>
+                  <a:pt x="9102997" y="2566361"/>
+                  <a:pt x="8781133" y="2610928"/>
+                  <a:pt x="8458419" y="2650405"/>
+                </a:cubicBezTo>
+                <a:cubicBezTo>
+                  <a:pt x="8211360" y="2680571"/>
+                  <a:pt x="7963792" y="2706144"/>
+                  <a:pt x="7715970" y="2730352"/>
+                </a:cubicBezTo>
+                <a:lnTo>
+                  <a:pt x="6951716" y="2796132"/>
+                </a:lnTo>
+                <a:lnTo>
+                  <a:pt x="6936303" y="2798203"/>
+                </a:lnTo>
+                <a:lnTo>
+                  <a:pt x="6790448" y="2809564"/>
+                </a:lnTo>
+                <a:lnTo>
+                  <a:pt x="6799941" y="2811384"/>
+                </a:lnTo>
+                <a:cubicBezTo>
+                  <a:pt x="6811623" y="2811850"/>
+                  <a:pt x="6823734" y="2809677"/>
+                  <a:pt x="6835432" y="2809677"/>
+                </a:cubicBezTo>
+                <a:cubicBezTo>
+                  <a:pt x="6851580" y="2809677"/>
+                  <a:pt x="6867729" y="2807070"/>
+                  <a:pt x="6884003" y="2806699"/>
+                </a:cubicBezTo>
+                <a:cubicBezTo>
+                  <a:pt x="7115805" y="2801237"/>
+                  <a:pt x="7347351" y="2789070"/>
+                  <a:pt x="7578771" y="2774172"/>
+                </a:cubicBezTo>
+                <a:cubicBezTo>
+                  <a:pt x="7927552" y="2751704"/>
+                  <a:pt x="8276080" y="2723525"/>
+                  <a:pt x="8623845" y="2687275"/>
+                </a:cubicBezTo>
+                <a:cubicBezTo>
+                  <a:pt x="8909939" y="2657977"/>
+                  <a:pt x="9195310" y="2623342"/>
+                  <a:pt x="9479970" y="2583369"/>
+                </a:cubicBezTo>
+                <a:cubicBezTo>
+                  <a:pt x="9864901" y="2528995"/>
+                  <a:pt x="10248014" y="2464281"/>
+                  <a:pt x="10629308" y="2389212"/>
+                </a:cubicBezTo>
+                <a:cubicBezTo>
+                  <a:pt x="11090114" y="2298092"/>
+                  <a:pt x="11546975" y="2190586"/>
+                  <a:pt x="11998498" y="2063218"/>
+                </a:cubicBezTo>
+                <a:lnTo>
+                  <a:pt x="12192000" y="2006219"/>
+                </a:lnTo>
+                <a:lnTo>
+                  <a:pt x="12192000" y="2060956"/>
+                </a:lnTo>
+                <a:lnTo>
+                  <a:pt x="11829257" y="2166255"/>
+                </a:lnTo>
+                <a:cubicBezTo>
+                  <a:pt x="11534769" y="2245952"/>
+                  <a:pt x="11238120" y="2316838"/>
+                  <a:pt x="10939183" y="2380770"/>
+                </a:cubicBezTo>
+                <a:cubicBezTo>
+                  <a:pt x="10622824" y="2448552"/>
+                  <a:pt x="10304941" y="2508549"/>
+                  <a:pt x="9985530" y="2560775"/>
+                </a:cubicBezTo>
+                <a:cubicBezTo>
+                  <a:pt x="9720036" y="2604224"/>
+                  <a:pt x="9453814" y="2642869"/>
+                  <a:pt x="9186882" y="2676722"/>
+                </a:cubicBezTo>
+                <a:cubicBezTo>
+                  <a:pt x="8984197" y="2702296"/>
+                  <a:pt x="8781514" y="2726379"/>
+                  <a:pt x="8578198" y="2746241"/>
+                </a:cubicBezTo>
+                <a:cubicBezTo>
+                  <a:pt x="8340547" y="2768961"/>
+                  <a:pt x="8102644" y="2790436"/>
+                  <a:pt x="7864358" y="2807692"/>
+                </a:cubicBezTo>
+                <a:cubicBezTo>
+                  <a:pt x="7554994" y="2830036"/>
+                  <a:pt x="7245502" y="2847914"/>
+                  <a:pt x="6935502" y="2859086"/>
+                </a:cubicBezTo>
+                <a:cubicBezTo>
+                  <a:pt x="6782917" y="2864549"/>
+                  <a:pt x="6630334" y="2868397"/>
+                  <a:pt x="6477750" y="2872989"/>
+                </a:cubicBezTo>
+                <a:cubicBezTo>
+                  <a:pt x="6439195" y="2870905"/>
+                  <a:pt x="6400529" y="2872530"/>
+                  <a:pt x="6362294" y="2877832"/>
+                </a:cubicBezTo>
+                <a:lnTo>
+                  <a:pt x="6057129" y="2877832"/>
+                </a:lnTo>
+                <a:lnTo>
+                  <a:pt x="5977784" y="2873238"/>
+                </a:lnTo>
+                <a:cubicBezTo>
+                  <a:pt x="5740261" y="2860825"/>
+                  <a:pt x="5502739" y="2847046"/>
+                  <a:pt x="5265087" y="2836989"/>
+                </a:cubicBezTo>
+                <a:cubicBezTo>
+                  <a:pt x="4958267" y="2824573"/>
+                  <a:pt x="4651826" y="2804093"/>
+                  <a:pt x="4346277" y="2774919"/>
+                </a:cubicBezTo>
+                <a:cubicBezTo>
+                  <a:pt x="4021654" y="2744007"/>
+                  <a:pt x="3697795" y="2709372"/>
+                  <a:pt x="3373045" y="2676350"/>
+                </a:cubicBezTo>
+                <a:cubicBezTo>
+                  <a:pt x="3035412" y="2642088"/>
+                  <a:pt x="2698456" y="2602449"/>
+                  <a:pt x="2362173" y="2557423"/>
+                </a:cubicBezTo>
+                <a:cubicBezTo>
+                  <a:pt x="1984692" y="2507270"/>
+                  <a:pt x="1608364" y="2449544"/>
+                  <a:pt x="1233178" y="2384247"/>
+                </a:cubicBezTo>
+                <a:cubicBezTo>
+                  <a:pt x="842181" y="2315534"/>
+                  <a:pt x="453758" y="2237046"/>
+                  <a:pt x="68500" y="2144540"/>
+                </a:cubicBezTo>
+                <a:lnTo>
+                  <a:pt x="0" y="2127185"/>
+                </a:lnTo>
+                <a:lnTo>
+                  <a:pt x="0" y="2070696"/>
+                </a:lnTo>
+                <a:lnTo>
+                  <a:pt x="72441" y="2089473"/>
+                </a:lnTo>
+                <a:cubicBezTo>
+                  <a:pt x="247961" y="2131651"/>
+                  <a:pt x="424164" y="2170911"/>
+                  <a:pt x="600716" y="2207843"/>
+                </a:cubicBezTo>
+                <a:cubicBezTo>
+                  <a:pt x="988279" y="2288657"/>
+                  <a:pt x="1378133" y="2357555"/>
+                  <a:pt x="1769512" y="2418011"/>
+                </a:cubicBezTo>
+                <a:cubicBezTo>
+                  <a:pt x="2052426" y="2461587"/>
+                  <a:pt x="2335725" y="2501684"/>
+                  <a:pt x="2613554" y="2534953"/>
+                </a:cubicBezTo>
+                <a:cubicBezTo>
+                  <a:pt x="2605544" y="2537560"/>
+                  <a:pt x="2594611" y="2527504"/>
+                  <a:pt x="2581134" y="2525022"/>
+                </a:cubicBezTo>
+                <a:cubicBezTo>
+                  <a:pt x="2087178" y="2433070"/>
+                  <a:pt x="1597684" y="2322177"/>
+                  <a:pt x="1112635" y="2192325"/>
+                </a:cubicBezTo>
+                <a:cubicBezTo>
+                  <a:pt x="880453" y="2130254"/>
+                  <a:pt x="649713" y="2063776"/>
+                  <a:pt x="420412" y="1992892"/>
+                </a:cubicBezTo>
+                <a:lnTo>
+                  <a:pt x="0" y="1853975"/>
+                </a:lnTo>
                 <a:close/>
               </a:path>
             </a:pathLst>
           </a:custGeom>
           <a:solidFill>
-            <a:srgbClr val="F29400"/>
+            <a:srgbClr val="6898D7"/>
+          </a:solidFill>
+          <a:ln>
+            <a:noFill/>
+          </a:ln>
+        </p:spPr>
+        <p:style>
+          <a:lnRef idx="2">
+            <a:schemeClr val="accent1">
+              <a:shade val="50000"/>
+            </a:schemeClr>
+          </a:lnRef>
+          <a:fillRef idx="1">
+            <a:schemeClr val="accent1"/>
+          </a:fillRef>
+          <a:effectRef idx="0">
+            <a:schemeClr val="accent1"/>
+          </a:effectRef>
+          <a:fontRef idx="minor">
+            <a:schemeClr val="lt1"/>
+          </a:fontRef>
+        </p:style>
+        <p:txBody>
+          <a:bodyPr wrap="square" rtlCol="0" anchor="ctr">
+            <a:noAutofit/>
+          </a:bodyPr>
+          <a:lstStyle/>
+          <a:p>
+            <a:pPr algn="ctr"/>
+            <a:endParaRPr lang="en-US"/>
+          </a:p>
+        </p:txBody>
+      </p:sp>
+      <p:sp>
+        <p:nvSpPr>
+          <p:cNvPr id="2" name="Title 1">
+            <a:extLst>
+              <a:ext uri="{FF2B5EF4-FFF2-40B4-BE49-F238E27FC236}">
+                <a16:creationId xmlns:a16="http://schemas.microsoft.com/office/drawing/2014/main" id="{BC33A49A-16A8-4B45-89BB-6D6B6CD077BE}"/>
+              </a:ext>
+            </a:extLst>
+          </p:cNvPr>
+          <p:cNvSpPr>
+            <a:spLocks noGrp="1"/>
+          </p:cNvSpPr>
+          <p:nvPr>
+            <p:ph type="title"/>
+          </p:nvPr>
+        </p:nvSpPr>
+        <p:spPr>
+          <a:xfrm>
+            <a:off x="638881" y="390525"/>
+            <a:ext cx="10909640" cy="1510301"/>
+          </a:xfrm>
+        </p:spPr>
+        <p:txBody>
+          <a:bodyPr vert="horz" lIns="91440" tIns="45720" rIns="91440" bIns="45720" rtlCol="0" anchor="ctr">
+            <a:normAutofit/>
+          </a:bodyPr>
+          <a:lstStyle/>
+          <a:p>
+            <a:pPr algn="ctr"/>
+            <a:r>
+              <a:rPr lang="en-US" sz="6600">
+                <a:solidFill>
+                  <a:srgbClr val="FFFFFF"/>
+                </a:solidFill>
+              </a:rPr>
+              <a:t>Decision Tree Regression</a:t>
+            </a:r>
+          </a:p>
+        </p:txBody>
+      </p:sp>
+      <p:sp>
+        <p:nvSpPr>
+          <p:cNvPr id="34" name="Rectangle 7">
+            <a:extLst>
+              <a:ext uri="{FF2B5EF4-FFF2-40B4-BE49-F238E27FC236}">
+                <a16:creationId xmlns:a16="http://schemas.microsoft.com/office/drawing/2014/main" id="{56037404-66BD-46B5-9323-1B531319671A}"/>
+              </a:ext>
+              <a:ext uri="{C183D7F6-B498-43B3-948B-1728B52AA6E4}">
+                <adec:decorative xmlns:adec="http://schemas.microsoft.com/office/drawing/2017/decorative" val="1"/>
+              </a:ext>
+            </a:extLst>
+          </p:cNvPr>
+          <p:cNvSpPr>
+            <a:spLocks noGrp="1" noRot="1" noChangeAspect="1" noMove="1" noResize="1" noEditPoints="1" noAdjustHandles="1" noChangeArrowheads="1" noChangeShapeType="1" noTextEdit="1"/>
+          </p:cNvSpPr>
+          <p:nvPr>
+            <p:extLst>
+              <p:ext uri="{386F3935-93C4-4BCD-93E2-E3B085C9AB24}">
+                <p16:designElem xmlns:p16="http://schemas.microsoft.com/office/powerpoint/2015/main" val="1"/>
+              </p:ext>
+            </p:extLst>
+          </p:nvPr>
+        </p:nvSpPr>
+        <p:spPr>
+          <a:xfrm>
+            <a:off x="3974206" y="1753266"/>
+            <a:ext cx="4243589" cy="18288"/>
+          </a:xfrm>
+          <a:custGeom>
+            <a:avLst/>
+            <a:gdLst>
+              <a:gd name="connsiteX0" fmla="*/ 0 w 4243589"/>
+              <a:gd name="connsiteY0" fmla="*/ 0 h 18288"/>
+              <a:gd name="connsiteX1" fmla="*/ 563791 w 4243589"/>
+              <a:gd name="connsiteY1" fmla="*/ 0 h 18288"/>
+              <a:gd name="connsiteX2" fmla="*/ 1042710 w 4243589"/>
+              <a:gd name="connsiteY2" fmla="*/ 0 h 18288"/>
+              <a:gd name="connsiteX3" fmla="*/ 1564066 w 4243589"/>
+              <a:gd name="connsiteY3" fmla="*/ 0 h 18288"/>
+              <a:gd name="connsiteX4" fmla="*/ 2212729 w 4243589"/>
+              <a:gd name="connsiteY4" fmla="*/ 0 h 18288"/>
+              <a:gd name="connsiteX5" fmla="*/ 2776520 w 4243589"/>
+              <a:gd name="connsiteY5" fmla="*/ 0 h 18288"/>
+              <a:gd name="connsiteX6" fmla="*/ 3297875 w 4243589"/>
+              <a:gd name="connsiteY6" fmla="*/ 0 h 18288"/>
+              <a:gd name="connsiteX7" fmla="*/ 4243589 w 4243589"/>
+              <a:gd name="connsiteY7" fmla="*/ 0 h 18288"/>
+              <a:gd name="connsiteX8" fmla="*/ 4243589 w 4243589"/>
+              <a:gd name="connsiteY8" fmla="*/ 18288 h 18288"/>
+              <a:gd name="connsiteX9" fmla="*/ 3637362 w 4243589"/>
+              <a:gd name="connsiteY9" fmla="*/ 18288 h 18288"/>
+              <a:gd name="connsiteX10" fmla="*/ 3116007 w 4243589"/>
+              <a:gd name="connsiteY10" fmla="*/ 18288 h 18288"/>
+              <a:gd name="connsiteX11" fmla="*/ 2424908 w 4243589"/>
+              <a:gd name="connsiteY11" fmla="*/ 18288 h 18288"/>
+              <a:gd name="connsiteX12" fmla="*/ 1861117 w 4243589"/>
+              <a:gd name="connsiteY12" fmla="*/ 18288 h 18288"/>
+              <a:gd name="connsiteX13" fmla="*/ 1382198 w 4243589"/>
+              <a:gd name="connsiteY13" fmla="*/ 18288 h 18288"/>
+              <a:gd name="connsiteX14" fmla="*/ 733535 w 4243589"/>
+              <a:gd name="connsiteY14" fmla="*/ 18288 h 18288"/>
+              <a:gd name="connsiteX15" fmla="*/ 0 w 4243589"/>
+              <a:gd name="connsiteY15" fmla="*/ 18288 h 18288"/>
+              <a:gd name="connsiteX16" fmla="*/ 0 w 4243589"/>
+              <a:gd name="connsiteY16" fmla="*/ 0 h 18288"/>
+            </a:gdLst>
+            <a:ahLst/>
+            <a:cxnLst>
+              <a:cxn ang="0">
+                <a:pos x="connsiteX0" y="connsiteY0"/>
+              </a:cxn>
+              <a:cxn ang="0">
+                <a:pos x="connsiteX1" y="connsiteY1"/>
+              </a:cxn>
+              <a:cxn ang="0">
+                <a:pos x="connsiteX2" y="connsiteY2"/>
+              </a:cxn>
+              <a:cxn ang="0">
+                <a:pos x="connsiteX3" y="connsiteY3"/>
+              </a:cxn>
+              <a:cxn ang="0">
+                <a:pos x="connsiteX4" y="connsiteY4"/>
+              </a:cxn>
+              <a:cxn ang="0">
+                <a:pos x="connsiteX5" y="connsiteY5"/>
+              </a:cxn>
+              <a:cxn ang="0">
+                <a:pos x="connsiteX6" y="connsiteY6"/>
+              </a:cxn>
+              <a:cxn ang="0">
+                <a:pos x="connsiteX7" y="connsiteY7"/>
+              </a:cxn>
+              <a:cxn ang="0">
+                <a:pos x="connsiteX8" y="connsiteY8"/>
+              </a:cxn>
+              <a:cxn ang="0">
+                <a:pos x="connsiteX9" y="connsiteY9"/>
+              </a:cxn>
+              <a:cxn ang="0">
+                <a:pos x="connsiteX10" y="connsiteY10"/>
+              </a:cxn>
+              <a:cxn ang="0">
+                <a:pos x="connsiteX11" y="connsiteY11"/>
+              </a:cxn>
+              <a:cxn ang="0">
+                <a:pos x="connsiteX12" y="connsiteY12"/>
+              </a:cxn>
+              <a:cxn ang="0">
+                <a:pos x="connsiteX13" y="connsiteY13"/>
+              </a:cxn>
+              <a:cxn ang="0">
+                <a:pos x="connsiteX14" y="connsiteY14"/>
+              </a:cxn>
+              <a:cxn ang="0">
+                <a:pos x="connsiteX15" y="connsiteY15"/>
+              </a:cxn>
+              <a:cxn ang="0">
+                <a:pos x="connsiteX16" y="connsiteY16"/>
+              </a:cxn>
+            </a:cxnLst>
+            <a:rect l="l" t="t" r="r" b="b"/>
+            <a:pathLst>
+              <a:path w="4243589" h="18288" fill="none" extrusionOk="0">
+                <a:moveTo>
+                  <a:pt x="0" y="0"/>
+                </a:moveTo>
+                <a:cubicBezTo>
+                  <a:pt x="157351" y="-15653"/>
+                  <a:pt x="378877" y="-5828"/>
+                  <a:pt x="563791" y="0"/>
+                </a:cubicBezTo>
+                <a:cubicBezTo>
+                  <a:pt x="748705" y="5828"/>
+                  <a:pt x="905659" y="-5525"/>
+                  <a:pt x="1042710" y="0"/>
+                </a:cubicBezTo>
+                <a:cubicBezTo>
+                  <a:pt x="1179761" y="5525"/>
+                  <a:pt x="1356845" y="-21288"/>
+                  <a:pt x="1564066" y="0"/>
+                </a:cubicBezTo>
+                <a:cubicBezTo>
+                  <a:pt x="1771287" y="21288"/>
+                  <a:pt x="1912099" y="25135"/>
+                  <a:pt x="2212729" y="0"/>
+                </a:cubicBezTo>
+                <a:cubicBezTo>
+                  <a:pt x="2513359" y="-25135"/>
+                  <a:pt x="2514918" y="-27119"/>
+                  <a:pt x="2776520" y="0"/>
+                </a:cubicBezTo>
+                <a:cubicBezTo>
+                  <a:pt x="3038122" y="27119"/>
+                  <a:pt x="3178771" y="18116"/>
+                  <a:pt x="3297875" y="0"/>
+                </a:cubicBezTo>
+                <a:cubicBezTo>
+                  <a:pt x="3416980" y="-18116"/>
+                  <a:pt x="4012240" y="-40869"/>
+                  <a:pt x="4243589" y="0"/>
+                </a:cubicBezTo>
+                <a:cubicBezTo>
+                  <a:pt x="4243987" y="7429"/>
+                  <a:pt x="4243569" y="10822"/>
+                  <a:pt x="4243589" y="18288"/>
+                </a:cubicBezTo>
+                <a:cubicBezTo>
+                  <a:pt x="4112949" y="-2855"/>
+                  <a:pt x="3928037" y="1831"/>
+                  <a:pt x="3637362" y="18288"/>
+                </a:cubicBezTo>
+                <a:cubicBezTo>
+                  <a:pt x="3346687" y="34745"/>
+                  <a:pt x="3254446" y="26669"/>
+                  <a:pt x="3116007" y="18288"/>
+                </a:cubicBezTo>
+                <a:cubicBezTo>
+                  <a:pt x="2977569" y="9907"/>
+                  <a:pt x="2620228" y="28873"/>
+                  <a:pt x="2424908" y="18288"/>
+                </a:cubicBezTo>
+                <a:cubicBezTo>
+                  <a:pt x="2229588" y="7703"/>
+                  <a:pt x="2088287" y="-3854"/>
+                  <a:pt x="1861117" y="18288"/>
+                </a:cubicBezTo>
+                <a:cubicBezTo>
+                  <a:pt x="1633947" y="40430"/>
+                  <a:pt x="1502447" y="-871"/>
+                  <a:pt x="1382198" y="18288"/>
+                </a:cubicBezTo>
+                <a:cubicBezTo>
+                  <a:pt x="1261949" y="37447"/>
+                  <a:pt x="1045440" y="28353"/>
+                  <a:pt x="733535" y="18288"/>
+                </a:cubicBezTo>
+                <a:cubicBezTo>
+                  <a:pt x="421630" y="8223"/>
+                  <a:pt x="341257" y="-18359"/>
+                  <a:pt x="0" y="18288"/>
+                </a:cubicBezTo>
+                <a:cubicBezTo>
+                  <a:pt x="-591" y="13205"/>
+                  <a:pt x="-663" y="6329"/>
+                  <a:pt x="0" y="0"/>
+                </a:cubicBezTo>
+                <a:close/>
+              </a:path>
+              <a:path w="4243589" h="18288" stroke="0" extrusionOk="0">
+                <a:moveTo>
+                  <a:pt x="0" y="0"/>
+                </a:moveTo>
+                <a:cubicBezTo>
+                  <a:pt x="128164" y="17204"/>
+                  <a:pt x="312653" y="1129"/>
+                  <a:pt x="563791" y="0"/>
+                </a:cubicBezTo>
+                <a:cubicBezTo>
+                  <a:pt x="814929" y="-1129"/>
+                  <a:pt x="837271" y="8503"/>
+                  <a:pt x="1042710" y="0"/>
+                </a:cubicBezTo>
+                <a:cubicBezTo>
+                  <a:pt x="1248149" y="-8503"/>
+                  <a:pt x="1588432" y="-28862"/>
+                  <a:pt x="1733809" y="0"/>
+                </a:cubicBezTo>
+                <a:cubicBezTo>
+                  <a:pt x="1879186" y="28862"/>
+                  <a:pt x="2052815" y="5974"/>
+                  <a:pt x="2297600" y="0"/>
+                </a:cubicBezTo>
+                <a:cubicBezTo>
+                  <a:pt x="2542385" y="-5974"/>
+                  <a:pt x="2699960" y="-23550"/>
+                  <a:pt x="2861391" y="0"/>
+                </a:cubicBezTo>
+                <a:cubicBezTo>
+                  <a:pt x="3022822" y="23550"/>
+                  <a:pt x="3390411" y="25272"/>
+                  <a:pt x="3552490" y="0"/>
+                </a:cubicBezTo>
+                <a:cubicBezTo>
+                  <a:pt x="3714569" y="-25272"/>
+                  <a:pt x="3950585" y="-31327"/>
+                  <a:pt x="4243589" y="0"/>
+                </a:cubicBezTo>
+                <a:cubicBezTo>
+                  <a:pt x="4242703" y="5429"/>
+                  <a:pt x="4244410" y="14046"/>
+                  <a:pt x="4243589" y="18288"/>
+                </a:cubicBezTo>
+                <a:cubicBezTo>
+                  <a:pt x="4130424" y="-1240"/>
+                  <a:pt x="3932803" y="42249"/>
+                  <a:pt x="3722234" y="18288"/>
+                </a:cubicBezTo>
+                <a:cubicBezTo>
+                  <a:pt x="3511665" y="-5673"/>
+                  <a:pt x="3269903" y="45994"/>
+                  <a:pt x="3116007" y="18288"/>
+                </a:cubicBezTo>
+                <a:cubicBezTo>
+                  <a:pt x="2962111" y="-9418"/>
+                  <a:pt x="2744280" y="23224"/>
+                  <a:pt x="2509780" y="18288"/>
+                </a:cubicBezTo>
+                <a:cubicBezTo>
+                  <a:pt x="2275280" y="13352"/>
+                  <a:pt x="2066059" y="43664"/>
+                  <a:pt x="1945989" y="18288"/>
+                </a:cubicBezTo>
+                <a:cubicBezTo>
+                  <a:pt x="1825919" y="-7088"/>
+                  <a:pt x="1407329" y="12616"/>
+                  <a:pt x="1254890" y="18288"/>
+                </a:cubicBezTo>
+                <a:cubicBezTo>
+                  <a:pt x="1102451" y="23960"/>
+                  <a:pt x="837950" y="31673"/>
+                  <a:pt x="563791" y="18288"/>
+                </a:cubicBezTo>
+                <a:cubicBezTo>
+                  <a:pt x="289632" y="4903"/>
+                  <a:pt x="132768" y="7105"/>
+                  <a:pt x="0" y="18288"/>
+                </a:cubicBezTo>
+                <a:cubicBezTo>
+                  <a:pt x="668" y="13665"/>
+                  <a:pt x="578" y="5675"/>
+                  <a:pt x="0" y="0"/>
+                </a:cubicBezTo>
+                <a:close/>
+              </a:path>
+            </a:pathLst>
+          </a:custGeom>
+          <a:solidFill>
+            <a:srgbClr val="FFFFFF"/>
           </a:solidFill>
           <a:ln w="38100" cap="rnd">
             <a:solidFill>
-              <a:srgbClr val="F29400"/>
+              <a:srgbClr val="FFFFFF"/>
             </a:solidFill>
             <a:round/>
             <a:extLst>
@@ -22904,10 +24163,10 @@
       </p:sp>
       <p:pic>
         <p:nvPicPr>
-          <p:cNvPr id="5" name="Content Placeholder 4" descr="Chart&#10;&#10;Description automatically generated">
+          <p:cNvPr id="4" name="Content Placeholder 3" descr="Timeline&#10;&#10;Description automatically generated">
             <a:extLst>
               <a:ext uri="{FF2B5EF4-FFF2-40B4-BE49-F238E27FC236}">
-                <a16:creationId xmlns:a16="http://schemas.microsoft.com/office/drawing/2014/main" id="{51C1A51C-F89A-9E45-BFC3-5CCCA756725A}"/>
+                <a16:creationId xmlns:a16="http://schemas.microsoft.com/office/drawing/2014/main" id="{0527E27E-8016-3145-8CB7-1038C40AA037}"/>
               </a:ext>
             </a:extLst>
           </p:cNvPr>
@@ -22926,8 +24185,8 @@
         </p:blipFill>
         <p:spPr>
           <a:xfrm>
-            <a:off x="4654296" y="709803"/>
-            <a:ext cx="7214616" cy="5410961"/>
+            <a:off x="3410443" y="3067050"/>
+            <a:ext cx="5368065" cy="3019537"/>
           </a:xfrm>
           <a:prstGeom prst="rect">
             <a:avLst/>
@@ -22974,7 +24233,7 @@
       </p:grpSpPr>
       <p:sp>
         <p:nvSpPr>
-          <p:cNvPr id="10" name="Rectangle 6">
+          <p:cNvPr id="30" name="Rectangle 6">
             <a:extLst>
               <a:ext uri="{FF2B5EF4-FFF2-40B4-BE49-F238E27FC236}">
                 <a16:creationId xmlns:a16="http://schemas.microsoft.com/office/drawing/2014/main" id="{DA381740-063A-41A4-836D-85D14980EEF0}"/>
@@ -23321,10 +24580,10 @@
       </p:sp>
       <p:sp useBgFill="1">
         <p:nvSpPr>
-          <p:cNvPr id="12" name="Rectangle 11">
+          <p:cNvPr id="38" name="Rectangle 31">
             <a:extLst>
               <a:ext uri="{FF2B5EF4-FFF2-40B4-BE49-F238E27FC236}">
-                <a16:creationId xmlns:a16="http://schemas.microsoft.com/office/drawing/2014/main" id="{665DBBEF-238B-476B-96AB-8AAC3224ECEA}"/>
+                <a16:creationId xmlns:a16="http://schemas.microsoft.com/office/drawing/2014/main" id="{76906711-0AFB-47DD-A4B6-4E94B38B8C91}"/>
               </a:ext>
               <a:ext uri="{C183D7F6-B498-43B3-948B-1728B52AA6E4}">
                 <adec:decorative xmlns:adec="http://schemas.microsoft.com/office/drawing/2017/decorative" val="1"/>
@@ -23381,50 +24640,10 @@
       </p:sp>
       <p:sp>
         <p:nvSpPr>
-          <p:cNvPr id="2" name="Title 1">
+          <p:cNvPr id="39" name="Freeform: Shape 33">
             <a:extLst>
               <a:ext uri="{FF2B5EF4-FFF2-40B4-BE49-F238E27FC236}">
-                <a16:creationId xmlns:a16="http://schemas.microsoft.com/office/drawing/2014/main" id="{8438152D-C91B-5B4B-B80F-B1639F513083}"/>
-              </a:ext>
-            </a:extLst>
-          </p:cNvPr>
-          <p:cNvSpPr>
-            <a:spLocks noGrp="1"/>
-          </p:cNvSpPr>
-          <p:nvPr>
-            <p:ph type="title"/>
-          </p:nvPr>
-        </p:nvSpPr>
-        <p:spPr>
-          <a:xfrm>
-            <a:off x="638882" y="639193"/>
-            <a:ext cx="3571810" cy="3573516"/>
-          </a:xfrm>
-        </p:spPr>
-        <p:txBody>
-          <a:bodyPr vert="horz" lIns="91440" tIns="45720" rIns="91440" bIns="45720" rtlCol="0" anchor="b">
-            <a:normAutofit/>
-          </a:bodyPr>
-          <a:lstStyle/>
-          <a:p>
-            <a:pPr>
-              <a:lnSpc>
-                <a:spcPct val="90000"/>
-              </a:lnSpc>
-            </a:pPr>
-            <a:r>
-              <a:rPr lang="en-US" sz="4900"/>
-              <a:t>Random Forest Regression </a:t>
-            </a:r>
-          </a:p>
-        </p:txBody>
-      </p:sp>
-      <p:sp>
-        <p:nvSpPr>
-          <p:cNvPr id="14" name="Rectangle 6">
-            <a:extLst>
-              <a:ext uri="{FF2B5EF4-FFF2-40B4-BE49-F238E27FC236}">
-                <a16:creationId xmlns:a16="http://schemas.microsoft.com/office/drawing/2014/main" id="{3FCFB1DE-0B7E-48CC-BA90-B2AB0889F9D6}"/>
+                <a16:creationId xmlns:a16="http://schemas.microsoft.com/office/drawing/2014/main" id="{AA91F649-894C-41F6-A21D-3D1AC558E934}"/>
               </a:ext>
               <a:ext uri="{C183D7F6-B498-43B3-948B-1728B52AA6E4}">
                 <adec:decorative xmlns:adec="http://schemas.microsoft.com/office/drawing/2017/decorative" val="1"/>
@@ -23444,36 +24663,116 @@
         </p:nvSpPr>
         <p:spPr>
           <a:xfrm>
-            <a:off x="643278" y="4409267"/>
-            <a:ext cx="3255095" cy="27432"/>
+            <a:off x="0" y="0"/>
+            <a:ext cx="12192000" cy="2877832"/>
           </a:xfrm>
           <a:custGeom>
             <a:avLst/>
             <a:gdLst>
-              <a:gd name="connsiteX0" fmla="*/ 0 w 3255095"/>
-              <a:gd name="connsiteY0" fmla="*/ 0 h 27432"/>
-              <a:gd name="connsiteX1" fmla="*/ 618468 w 3255095"/>
-              <a:gd name="connsiteY1" fmla="*/ 0 h 27432"/>
-              <a:gd name="connsiteX2" fmla="*/ 1269487 w 3255095"/>
-              <a:gd name="connsiteY2" fmla="*/ 0 h 27432"/>
-              <a:gd name="connsiteX3" fmla="*/ 1953057 w 3255095"/>
-              <a:gd name="connsiteY3" fmla="*/ 0 h 27432"/>
-              <a:gd name="connsiteX4" fmla="*/ 2636627 w 3255095"/>
-              <a:gd name="connsiteY4" fmla="*/ 0 h 27432"/>
-              <a:gd name="connsiteX5" fmla="*/ 3255095 w 3255095"/>
-              <a:gd name="connsiteY5" fmla="*/ 0 h 27432"/>
-              <a:gd name="connsiteX6" fmla="*/ 3255095 w 3255095"/>
-              <a:gd name="connsiteY6" fmla="*/ 27432 h 27432"/>
-              <a:gd name="connsiteX7" fmla="*/ 2538974 w 3255095"/>
-              <a:gd name="connsiteY7" fmla="*/ 27432 h 27432"/>
-              <a:gd name="connsiteX8" fmla="*/ 1822853 w 3255095"/>
-              <a:gd name="connsiteY8" fmla="*/ 27432 h 27432"/>
-              <a:gd name="connsiteX9" fmla="*/ 1171834 w 3255095"/>
-              <a:gd name="connsiteY9" fmla="*/ 27432 h 27432"/>
-              <a:gd name="connsiteX10" fmla="*/ 0 w 3255095"/>
-              <a:gd name="connsiteY10" fmla="*/ 27432 h 27432"/>
-              <a:gd name="connsiteX11" fmla="*/ 0 w 3255095"/>
-              <a:gd name="connsiteY11" fmla="*/ 0 h 27432"/>
+              <a:gd name="connsiteX0" fmla="*/ 6789701 w 12192000"/>
+              <a:gd name="connsiteY0" fmla="*/ 2809623 h 2877832"/>
+              <a:gd name="connsiteX1" fmla="*/ 6788702 w 12192000"/>
+              <a:gd name="connsiteY1" fmla="*/ 2809701 h 2877832"/>
+              <a:gd name="connsiteX2" fmla="*/ 6788476 w 12192000"/>
+              <a:gd name="connsiteY2" fmla="*/ 2810235 h 2877832"/>
+              <a:gd name="connsiteX3" fmla="*/ 0 w 12192000"/>
+              <a:gd name="connsiteY3" fmla="*/ 0 h 2877832"/>
+              <a:gd name="connsiteX4" fmla="*/ 12192000 w 12192000"/>
+              <a:gd name="connsiteY4" fmla="*/ 0 h 2877832"/>
+              <a:gd name="connsiteX5" fmla="*/ 12192000 w 12192000"/>
+              <a:gd name="connsiteY5" fmla="*/ 1915388 h 2877832"/>
+              <a:gd name="connsiteX6" fmla="*/ 12061096 w 12192000"/>
+              <a:gd name="connsiteY6" fmla="*/ 1954428 h 2877832"/>
+              <a:gd name="connsiteX7" fmla="*/ 11676800 w 12192000"/>
+              <a:gd name="connsiteY7" fmla="*/ 2058003 h 2877832"/>
+              <a:gd name="connsiteX8" fmla="*/ 10425355 w 12192000"/>
+              <a:gd name="connsiteY8" fmla="*/ 2341542 h 2877832"/>
+              <a:gd name="connsiteX9" fmla="*/ 9424022 w 12192000"/>
+              <a:gd name="connsiteY9" fmla="*/ 2516704 h 2877832"/>
+              <a:gd name="connsiteX10" fmla="*/ 8458419 w 12192000"/>
+              <a:gd name="connsiteY10" fmla="*/ 2650405 h 2877832"/>
+              <a:gd name="connsiteX11" fmla="*/ 7715970 w 12192000"/>
+              <a:gd name="connsiteY11" fmla="*/ 2730352 h 2877832"/>
+              <a:gd name="connsiteX12" fmla="*/ 6951716 w 12192000"/>
+              <a:gd name="connsiteY12" fmla="*/ 2796132 h 2877832"/>
+              <a:gd name="connsiteX13" fmla="*/ 6936303 w 12192000"/>
+              <a:gd name="connsiteY13" fmla="*/ 2798203 h 2877832"/>
+              <a:gd name="connsiteX14" fmla="*/ 6790448 w 12192000"/>
+              <a:gd name="connsiteY14" fmla="*/ 2809564 h 2877832"/>
+              <a:gd name="connsiteX15" fmla="*/ 6799941 w 12192000"/>
+              <a:gd name="connsiteY15" fmla="*/ 2811384 h 2877832"/>
+              <a:gd name="connsiteX16" fmla="*/ 6835432 w 12192000"/>
+              <a:gd name="connsiteY16" fmla="*/ 2809677 h 2877832"/>
+              <a:gd name="connsiteX17" fmla="*/ 6884003 w 12192000"/>
+              <a:gd name="connsiteY17" fmla="*/ 2806699 h 2877832"/>
+              <a:gd name="connsiteX18" fmla="*/ 7578771 w 12192000"/>
+              <a:gd name="connsiteY18" fmla="*/ 2774172 h 2877832"/>
+              <a:gd name="connsiteX19" fmla="*/ 8623845 w 12192000"/>
+              <a:gd name="connsiteY19" fmla="*/ 2687275 h 2877832"/>
+              <a:gd name="connsiteX20" fmla="*/ 9479970 w 12192000"/>
+              <a:gd name="connsiteY20" fmla="*/ 2583369 h 2877832"/>
+              <a:gd name="connsiteX21" fmla="*/ 10629308 w 12192000"/>
+              <a:gd name="connsiteY21" fmla="*/ 2389212 h 2877832"/>
+              <a:gd name="connsiteX22" fmla="*/ 11998498 w 12192000"/>
+              <a:gd name="connsiteY22" fmla="*/ 2063218 h 2877832"/>
+              <a:gd name="connsiteX23" fmla="*/ 12192000 w 12192000"/>
+              <a:gd name="connsiteY23" fmla="*/ 2006219 h 2877832"/>
+              <a:gd name="connsiteX24" fmla="*/ 12192000 w 12192000"/>
+              <a:gd name="connsiteY24" fmla="*/ 2060956 h 2877832"/>
+              <a:gd name="connsiteX25" fmla="*/ 11829257 w 12192000"/>
+              <a:gd name="connsiteY25" fmla="*/ 2166255 h 2877832"/>
+              <a:gd name="connsiteX26" fmla="*/ 10939183 w 12192000"/>
+              <a:gd name="connsiteY26" fmla="*/ 2380770 h 2877832"/>
+              <a:gd name="connsiteX27" fmla="*/ 9985530 w 12192000"/>
+              <a:gd name="connsiteY27" fmla="*/ 2560775 h 2877832"/>
+              <a:gd name="connsiteX28" fmla="*/ 9186882 w 12192000"/>
+              <a:gd name="connsiteY28" fmla="*/ 2676722 h 2877832"/>
+              <a:gd name="connsiteX29" fmla="*/ 8578198 w 12192000"/>
+              <a:gd name="connsiteY29" fmla="*/ 2746241 h 2877832"/>
+              <a:gd name="connsiteX30" fmla="*/ 7864358 w 12192000"/>
+              <a:gd name="connsiteY30" fmla="*/ 2807692 h 2877832"/>
+              <a:gd name="connsiteX31" fmla="*/ 6935502 w 12192000"/>
+              <a:gd name="connsiteY31" fmla="*/ 2859086 h 2877832"/>
+              <a:gd name="connsiteX32" fmla="*/ 6477750 w 12192000"/>
+              <a:gd name="connsiteY32" fmla="*/ 2872989 h 2877832"/>
+              <a:gd name="connsiteX33" fmla="*/ 6362294 w 12192000"/>
+              <a:gd name="connsiteY33" fmla="*/ 2877832 h 2877832"/>
+              <a:gd name="connsiteX34" fmla="*/ 6057129 w 12192000"/>
+              <a:gd name="connsiteY34" fmla="*/ 2877832 h 2877832"/>
+              <a:gd name="connsiteX35" fmla="*/ 5977784 w 12192000"/>
+              <a:gd name="connsiteY35" fmla="*/ 2873238 h 2877832"/>
+              <a:gd name="connsiteX36" fmla="*/ 5265087 w 12192000"/>
+              <a:gd name="connsiteY36" fmla="*/ 2836989 h 2877832"/>
+              <a:gd name="connsiteX37" fmla="*/ 4346277 w 12192000"/>
+              <a:gd name="connsiteY37" fmla="*/ 2774919 h 2877832"/>
+              <a:gd name="connsiteX38" fmla="*/ 3373045 w 12192000"/>
+              <a:gd name="connsiteY38" fmla="*/ 2676350 h 2877832"/>
+              <a:gd name="connsiteX39" fmla="*/ 2362173 w 12192000"/>
+              <a:gd name="connsiteY39" fmla="*/ 2557423 h 2877832"/>
+              <a:gd name="connsiteX40" fmla="*/ 1233178 w 12192000"/>
+              <a:gd name="connsiteY40" fmla="*/ 2384247 h 2877832"/>
+              <a:gd name="connsiteX41" fmla="*/ 68500 w 12192000"/>
+              <a:gd name="connsiteY41" fmla="*/ 2144540 h 2877832"/>
+              <a:gd name="connsiteX42" fmla="*/ 0 w 12192000"/>
+              <a:gd name="connsiteY42" fmla="*/ 2127185 h 2877832"/>
+              <a:gd name="connsiteX43" fmla="*/ 0 w 12192000"/>
+              <a:gd name="connsiteY43" fmla="*/ 2070696 h 2877832"/>
+              <a:gd name="connsiteX44" fmla="*/ 72441 w 12192000"/>
+              <a:gd name="connsiteY44" fmla="*/ 2089473 h 2877832"/>
+              <a:gd name="connsiteX45" fmla="*/ 600716 w 12192000"/>
+              <a:gd name="connsiteY45" fmla="*/ 2207843 h 2877832"/>
+              <a:gd name="connsiteX46" fmla="*/ 1769512 w 12192000"/>
+              <a:gd name="connsiteY46" fmla="*/ 2418011 h 2877832"/>
+              <a:gd name="connsiteX47" fmla="*/ 2613554 w 12192000"/>
+              <a:gd name="connsiteY47" fmla="*/ 2534953 h 2877832"/>
+              <a:gd name="connsiteX48" fmla="*/ 2581134 w 12192000"/>
+              <a:gd name="connsiteY48" fmla="*/ 2525022 h 2877832"/>
+              <a:gd name="connsiteX49" fmla="*/ 1112635 w 12192000"/>
+              <a:gd name="connsiteY49" fmla="*/ 2192325 h 2877832"/>
+              <a:gd name="connsiteX50" fmla="*/ 420412 w 12192000"/>
+              <a:gd name="connsiteY50" fmla="*/ 1992892 h 2877832"/>
+              <a:gd name="connsiteX51" fmla="*/ 0 w 12192000"/>
+              <a:gd name="connsiteY51" fmla="*/ 1853975 h 2877832"/>
             </a:gdLst>
             <a:ahLst/>
             <a:cxnLst>
@@ -23513,134 +24812,351 @@
               <a:cxn ang="0">
                 <a:pos x="connsiteX11" y="connsiteY11"/>
               </a:cxn>
+              <a:cxn ang="0">
+                <a:pos x="connsiteX12" y="connsiteY12"/>
+              </a:cxn>
+              <a:cxn ang="0">
+                <a:pos x="connsiteX13" y="connsiteY13"/>
+              </a:cxn>
+              <a:cxn ang="0">
+                <a:pos x="connsiteX14" y="connsiteY14"/>
+              </a:cxn>
+              <a:cxn ang="0">
+                <a:pos x="connsiteX15" y="connsiteY15"/>
+              </a:cxn>
+              <a:cxn ang="0">
+                <a:pos x="connsiteX16" y="connsiteY16"/>
+              </a:cxn>
+              <a:cxn ang="0">
+                <a:pos x="connsiteX17" y="connsiteY17"/>
+              </a:cxn>
+              <a:cxn ang="0">
+                <a:pos x="connsiteX18" y="connsiteY18"/>
+              </a:cxn>
+              <a:cxn ang="0">
+                <a:pos x="connsiteX19" y="connsiteY19"/>
+              </a:cxn>
+              <a:cxn ang="0">
+                <a:pos x="connsiteX20" y="connsiteY20"/>
+              </a:cxn>
+              <a:cxn ang="0">
+                <a:pos x="connsiteX21" y="connsiteY21"/>
+              </a:cxn>
+              <a:cxn ang="0">
+                <a:pos x="connsiteX22" y="connsiteY22"/>
+              </a:cxn>
+              <a:cxn ang="0">
+                <a:pos x="connsiteX23" y="connsiteY23"/>
+              </a:cxn>
+              <a:cxn ang="0">
+                <a:pos x="connsiteX24" y="connsiteY24"/>
+              </a:cxn>
+              <a:cxn ang="0">
+                <a:pos x="connsiteX25" y="connsiteY25"/>
+              </a:cxn>
+              <a:cxn ang="0">
+                <a:pos x="connsiteX26" y="connsiteY26"/>
+              </a:cxn>
+              <a:cxn ang="0">
+                <a:pos x="connsiteX27" y="connsiteY27"/>
+              </a:cxn>
+              <a:cxn ang="0">
+                <a:pos x="connsiteX28" y="connsiteY28"/>
+              </a:cxn>
+              <a:cxn ang="0">
+                <a:pos x="connsiteX29" y="connsiteY29"/>
+              </a:cxn>
+              <a:cxn ang="0">
+                <a:pos x="connsiteX30" y="connsiteY30"/>
+              </a:cxn>
+              <a:cxn ang="0">
+                <a:pos x="connsiteX31" y="connsiteY31"/>
+              </a:cxn>
+              <a:cxn ang="0">
+                <a:pos x="connsiteX32" y="connsiteY32"/>
+              </a:cxn>
+              <a:cxn ang="0">
+                <a:pos x="connsiteX33" y="connsiteY33"/>
+              </a:cxn>
+              <a:cxn ang="0">
+                <a:pos x="connsiteX34" y="connsiteY34"/>
+              </a:cxn>
+              <a:cxn ang="0">
+                <a:pos x="connsiteX35" y="connsiteY35"/>
+              </a:cxn>
+              <a:cxn ang="0">
+                <a:pos x="connsiteX36" y="connsiteY36"/>
+              </a:cxn>
+              <a:cxn ang="0">
+                <a:pos x="connsiteX37" y="connsiteY37"/>
+              </a:cxn>
+              <a:cxn ang="0">
+                <a:pos x="connsiteX38" y="connsiteY38"/>
+              </a:cxn>
+              <a:cxn ang="0">
+                <a:pos x="connsiteX39" y="connsiteY39"/>
+              </a:cxn>
+              <a:cxn ang="0">
+                <a:pos x="connsiteX40" y="connsiteY40"/>
+              </a:cxn>
+              <a:cxn ang="0">
+                <a:pos x="connsiteX41" y="connsiteY41"/>
+              </a:cxn>
+              <a:cxn ang="0">
+                <a:pos x="connsiteX42" y="connsiteY42"/>
+              </a:cxn>
+              <a:cxn ang="0">
+                <a:pos x="connsiteX43" y="connsiteY43"/>
+              </a:cxn>
+              <a:cxn ang="0">
+                <a:pos x="connsiteX44" y="connsiteY44"/>
+              </a:cxn>
+              <a:cxn ang="0">
+                <a:pos x="connsiteX45" y="connsiteY45"/>
+              </a:cxn>
+              <a:cxn ang="0">
+                <a:pos x="connsiteX46" y="connsiteY46"/>
+              </a:cxn>
+              <a:cxn ang="0">
+                <a:pos x="connsiteX47" y="connsiteY47"/>
+              </a:cxn>
+              <a:cxn ang="0">
+                <a:pos x="connsiteX48" y="connsiteY48"/>
+              </a:cxn>
+              <a:cxn ang="0">
+                <a:pos x="connsiteX49" y="connsiteY49"/>
+              </a:cxn>
+              <a:cxn ang="0">
+                <a:pos x="connsiteX50" y="connsiteY50"/>
+              </a:cxn>
+              <a:cxn ang="0">
+                <a:pos x="connsiteX51" y="connsiteY51"/>
+              </a:cxn>
             </a:cxnLst>
             <a:rect l="l" t="t" r="r" b="b"/>
             <a:pathLst>
-              <a:path w="3255095" h="27432" fill="none" extrusionOk="0">
+              <a:path w="12192000" h="2877832">
+                <a:moveTo>
+                  <a:pt x="6789701" y="2809623"/>
+                </a:moveTo>
+                <a:lnTo>
+                  <a:pt x="6788702" y="2809701"/>
+                </a:lnTo>
+                <a:lnTo>
+                  <a:pt x="6788476" y="2810235"/>
+                </a:lnTo>
+                <a:close/>
                 <a:moveTo>
                   <a:pt x="0" y="0"/>
                 </a:moveTo>
-                <a:cubicBezTo>
-                  <a:pt x="240201" y="-22123"/>
-                  <a:pt x="462021" y="-19623"/>
-                  <a:pt x="618468" y="0"/>
-                </a:cubicBezTo>
-                <a:cubicBezTo>
-                  <a:pt x="774915" y="19623"/>
-                  <a:pt x="974734" y="2035"/>
-                  <a:pt x="1269487" y="0"/>
-                </a:cubicBezTo>
-                <a:cubicBezTo>
-                  <a:pt x="1564240" y="-2035"/>
-                  <a:pt x="1733579" y="10639"/>
-                  <a:pt x="1953057" y="0"/>
-                </a:cubicBezTo>
-                <a:cubicBezTo>
-                  <a:pt x="2172535" y="-10639"/>
-                  <a:pt x="2453962" y="14018"/>
-                  <a:pt x="2636627" y="0"/>
-                </a:cubicBezTo>
-                <a:cubicBezTo>
-                  <a:pt x="2819292" y="-14018"/>
-                  <a:pt x="3121375" y="5399"/>
-                  <a:pt x="3255095" y="0"/>
-                </a:cubicBezTo>
-                <a:cubicBezTo>
-                  <a:pt x="3253929" y="7395"/>
-                  <a:pt x="3255140" y="21864"/>
-                  <a:pt x="3255095" y="27432"/>
-                </a:cubicBezTo>
-                <a:cubicBezTo>
-                  <a:pt x="3088545" y="32347"/>
-                  <a:pt x="2687475" y="16563"/>
-                  <a:pt x="2538974" y="27432"/>
-                </a:cubicBezTo>
-                <a:cubicBezTo>
-                  <a:pt x="2390473" y="38301"/>
-                  <a:pt x="2137381" y="185"/>
-                  <a:pt x="1822853" y="27432"/>
-                </a:cubicBezTo>
-                <a:cubicBezTo>
-                  <a:pt x="1508325" y="54679"/>
-                  <a:pt x="1466437" y="29529"/>
-                  <a:pt x="1171834" y="27432"/>
-                </a:cubicBezTo>
-                <a:cubicBezTo>
-                  <a:pt x="877231" y="25335"/>
-                  <a:pt x="561097" y="46787"/>
-                  <a:pt x="0" y="27432"/>
-                </a:cubicBezTo>
-                <a:cubicBezTo>
-                  <a:pt x="-503" y="20663"/>
-                  <a:pt x="1168" y="5855"/>
-                  <a:pt x="0" y="0"/>
-                </a:cubicBezTo>
-                <a:close/>
-              </a:path>
-              <a:path w="3255095" h="27432" stroke="0" extrusionOk="0">
-                <a:moveTo>
-                  <a:pt x="0" y="0"/>
-                </a:moveTo>
-                <a:cubicBezTo>
-                  <a:pt x="291965" y="19429"/>
-                  <a:pt x="363155" y="8568"/>
-                  <a:pt x="618468" y="0"/>
-                </a:cubicBezTo>
-                <a:cubicBezTo>
-                  <a:pt x="873781" y="-8568"/>
-                  <a:pt x="904459" y="-19505"/>
-                  <a:pt x="1171834" y="0"/>
-                </a:cubicBezTo>
-                <a:cubicBezTo>
-                  <a:pt x="1439209" y="19505"/>
-                  <a:pt x="1744369" y="9790"/>
-                  <a:pt x="1887955" y="0"/>
-                </a:cubicBezTo>
-                <a:cubicBezTo>
-                  <a:pt x="2031541" y="-9790"/>
-                  <a:pt x="2346378" y="21240"/>
-                  <a:pt x="2506423" y="0"/>
-                </a:cubicBezTo>
-                <a:cubicBezTo>
-                  <a:pt x="2666468" y="-21240"/>
-                  <a:pt x="2990257" y="30414"/>
-                  <a:pt x="3255095" y="0"/>
-                </a:cubicBezTo>
-                <a:cubicBezTo>
-                  <a:pt x="3255288" y="12649"/>
-                  <a:pt x="3254107" y="17989"/>
-                  <a:pt x="3255095" y="27432"/>
-                </a:cubicBezTo>
-                <a:cubicBezTo>
-                  <a:pt x="3120743" y="25834"/>
-                  <a:pt x="2759628" y="51606"/>
-                  <a:pt x="2604076" y="27432"/>
-                </a:cubicBezTo>
-                <a:cubicBezTo>
-                  <a:pt x="2448524" y="3258"/>
-                  <a:pt x="2184336" y="28743"/>
-                  <a:pt x="1887955" y="27432"/>
-                </a:cubicBezTo>
-                <a:cubicBezTo>
-                  <a:pt x="1591574" y="26121"/>
-                  <a:pt x="1548845" y="16014"/>
-                  <a:pt x="1334589" y="27432"/>
-                </a:cubicBezTo>
-                <a:cubicBezTo>
-                  <a:pt x="1120333" y="38850"/>
-                  <a:pt x="996014" y="18806"/>
-                  <a:pt x="683570" y="27432"/>
-                </a:cubicBezTo>
-                <a:cubicBezTo>
-                  <a:pt x="371126" y="36058"/>
-                  <a:pt x="198687" y="25311"/>
-                  <a:pt x="0" y="27432"/>
-                </a:cubicBezTo>
-                <a:cubicBezTo>
-                  <a:pt x="1300" y="19678"/>
-                  <a:pt x="-86" y="12044"/>
-                  <a:pt x="0" y="0"/>
-                </a:cubicBezTo>
+                <a:lnTo>
+                  <a:pt x="12192000" y="0"/>
+                </a:lnTo>
+                <a:lnTo>
+                  <a:pt x="12192000" y="1915388"/>
+                </a:lnTo>
+                <a:lnTo>
+                  <a:pt x="12061096" y="1954428"/>
+                </a:lnTo>
+                <a:cubicBezTo>
+                  <a:pt x="11933500" y="1990642"/>
+                  <a:pt x="11805390" y="2025171"/>
+                  <a:pt x="11676800" y="2058003"/>
+                </a:cubicBezTo>
+                <a:cubicBezTo>
+                  <a:pt x="11262789" y="2165510"/>
+                  <a:pt x="10845343" y="2259112"/>
+                  <a:pt x="10425355" y="2341542"/>
+                </a:cubicBezTo>
+                <a:cubicBezTo>
+                  <a:pt x="10092810" y="2406753"/>
+                  <a:pt x="9759033" y="2465150"/>
+                  <a:pt x="9424022" y="2516704"/>
+                </a:cubicBezTo>
+                <a:cubicBezTo>
+                  <a:pt x="9102997" y="2566361"/>
+                  <a:pt x="8781133" y="2610928"/>
+                  <a:pt x="8458419" y="2650405"/>
+                </a:cubicBezTo>
+                <a:cubicBezTo>
+                  <a:pt x="8211360" y="2680571"/>
+                  <a:pt x="7963792" y="2706144"/>
+                  <a:pt x="7715970" y="2730352"/>
+                </a:cubicBezTo>
+                <a:lnTo>
+                  <a:pt x="6951716" y="2796132"/>
+                </a:lnTo>
+                <a:lnTo>
+                  <a:pt x="6936303" y="2798203"/>
+                </a:lnTo>
+                <a:lnTo>
+                  <a:pt x="6790448" y="2809564"/>
+                </a:lnTo>
+                <a:lnTo>
+                  <a:pt x="6799941" y="2811384"/>
+                </a:lnTo>
+                <a:cubicBezTo>
+                  <a:pt x="6811623" y="2811850"/>
+                  <a:pt x="6823734" y="2809677"/>
+                  <a:pt x="6835432" y="2809677"/>
+                </a:cubicBezTo>
+                <a:cubicBezTo>
+                  <a:pt x="6851580" y="2809677"/>
+                  <a:pt x="6867729" y="2807070"/>
+                  <a:pt x="6884003" y="2806699"/>
+                </a:cubicBezTo>
+                <a:cubicBezTo>
+                  <a:pt x="7115805" y="2801237"/>
+                  <a:pt x="7347351" y="2789070"/>
+                  <a:pt x="7578771" y="2774172"/>
+                </a:cubicBezTo>
+                <a:cubicBezTo>
+                  <a:pt x="7927552" y="2751704"/>
+                  <a:pt x="8276080" y="2723525"/>
+                  <a:pt x="8623845" y="2687275"/>
+                </a:cubicBezTo>
+                <a:cubicBezTo>
+                  <a:pt x="8909939" y="2657977"/>
+                  <a:pt x="9195310" y="2623342"/>
+                  <a:pt x="9479970" y="2583369"/>
+                </a:cubicBezTo>
+                <a:cubicBezTo>
+                  <a:pt x="9864901" y="2528995"/>
+                  <a:pt x="10248014" y="2464281"/>
+                  <a:pt x="10629308" y="2389212"/>
+                </a:cubicBezTo>
+                <a:cubicBezTo>
+                  <a:pt x="11090114" y="2298092"/>
+                  <a:pt x="11546975" y="2190586"/>
+                  <a:pt x="11998498" y="2063218"/>
+                </a:cubicBezTo>
+                <a:lnTo>
+                  <a:pt x="12192000" y="2006219"/>
+                </a:lnTo>
+                <a:lnTo>
+                  <a:pt x="12192000" y="2060956"/>
+                </a:lnTo>
+                <a:lnTo>
+                  <a:pt x="11829257" y="2166255"/>
+                </a:lnTo>
+                <a:cubicBezTo>
+                  <a:pt x="11534769" y="2245952"/>
+                  <a:pt x="11238120" y="2316838"/>
+                  <a:pt x="10939183" y="2380770"/>
+                </a:cubicBezTo>
+                <a:cubicBezTo>
+                  <a:pt x="10622824" y="2448552"/>
+                  <a:pt x="10304941" y="2508549"/>
+                  <a:pt x="9985530" y="2560775"/>
+                </a:cubicBezTo>
+                <a:cubicBezTo>
+                  <a:pt x="9720036" y="2604224"/>
+                  <a:pt x="9453814" y="2642869"/>
+                  <a:pt x="9186882" y="2676722"/>
+                </a:cubicBezTo>
+                <a:cubicBezTo>
+                  <a:pt x="8984197" y="2702296"/>
+                  <a:pt x="8781514" y="2726379"/>
+                  <a:pt x="8578198" y="2746241"/>
+                </a:cubicBezTo>
+                <a:cubicBezTo>
+                  <a:pt x="8340547" y="2768961"/>
+                  <a:pt x="8102644" y="2790436"/>
+                  <a:pt x="7864358" y="2807692"/>
+                </a:cubicBezTo>
+                <a:cubicBezTo>
+                  <a:pt x="7554994" y="2830036"/>
+                  <a:pt x="7245502" y="2847914"/>
+                  <a:pt x="6935502" y="2859086"/>
+                </a:cubicBezTo>
+                <a:cubicBezTo>
+                  <a:pt x="6782917" y="2864549"/>
+                  <a:pt x="6630334" y="2868397"/>
+                  <a:pt x="6477750" y="2872989"/>
+                </a:cubicBezTo>
+                <a:cubicBezTo>
+                  <a:pt x="6439195" y="2870905"/>
+                  <a:pt x="6400529" y="2872530"/>
+                  <a:pt x="6362294" y="2877832"/>
+                </a:cubicBezTo>
+                <a:lnTo>
+                  <a:pt x="6057129" y="2877832"/>
+                </a:lnTo>
+                <a:lnTo>
+                  <a:pt x="5977784" y="2873238"/>
+                </a:lnTo>
+                <a:cubicBezTo>
+                  <a:pt x="5740261" y="2860825"/>
+                  <a:pt x="5502739" y="2847046"/>
+                  <a:pt x="5265087" y="2836989"/>
+                </a:cubicBezTo>
+                <a:cubicBezTo>
+                  <a:pt x="4958267" y="2824573"/>
+                  <a:pt x="4651826" y="2804093"/>
+                  <a:pt x="4346277" y="2774919"/>
+                </a:cubicBezTo>
+                <a:cubicBezTo>
+                  <a:pt x="4021654" y="2744007"/>
+                  <a:pt x="3697795" y="2709372"/>
+                  <a:pt x="3373045" y="2676350"/>
+                </a:cubicBezTo>
+                <a:cubicBezTo>
+                  <a:pt x="3035412" y="2642088"/>
+                  <a:pt x="2698456" y="2602449"/>
+                  <a:pt x="2362173" y="2557423"/>
+                </a:cubicBezTo>
+                <a:cubicBezTo>
+                  <a:pt x="1984692" y="2507270"/>
+                  <a:pt x="1608364" y="2449544"/>
+                  <a:pt x="1233178" y="2384247"/>
+                </a:cubicBezTo>
+                <a:cubicBezTo>
+                  <a:pt x="842181" y="2315534"/>
+                  <a:pt x="453758" y="2237046"/>
+                  <a:pt x="68500" y="2144540"/>
+                </a:cubicBezTo>
+                <a:lnTo>
+                  <a:pt x="0" y="2127185"/>
+                </a:lnTo>
+                <a:lnTo>
+                  <a:pt x="0" y="2070696"/>
+                </a:lnTo>
+                <a:lnTo>
+                  <a:pt x="72441" y="2089473"/>
+                </a:lnTo>
+                <a:cubicBezTo>
+                  <a:pt x="247961" y="2131651"/>
+                  <a:pt x="424164" y="2170911"/>
+                  <a:pt x="600716" y="2207843"/>
+                </a:cubicBezTo>
+                <a:cubicBezTo>
+                  <a:pt x="988279" y="2288657"/>
+                  <a:pt x="1378133" y="2357555"/>
+                  <a:pt x="1769512" y="2418011"/>
+                </a:cubicBezTo>
+                <a:cubicBezTo>
+                  <a:pt x="2052426" y="2461587"/>
+                  <a:pt x="2335725" y="2501684"/>
+                  <a:pt x="2613554" y="2534953"/>
+                </a:cubicBezTo>
+                <a:cubicBezTo>
+                  <a:pt x="2605544" y="2537560"/>
+                  <a:pt x="2594611" y="2527504"/>
+                  <a:pt x="2581134" y="2525022"/>
+                </a:cubicBezTo>
+                <a:cubicBezTo>
+                  <a:pt x="2087178" y="2433070"/>
+                  <a:pt x="1597684" y="2322177"/>
+                  <a:pt x="1112635" y="2192325"/>
+                </a:cubicBezTo>
+                <a:cubicBezTo>
+                  <a:pt x="880453" y="2130254"/>
+                  <a:pt x="649713" y="2063776"/>
+                  <a:pt x="420412" y="1992892"/>
+                </a:cubicBezTo>
+                <a:lnTo>
+                  <a:pt x="0" y="1853975"/>
+                </a:lnTo>
                 <a:close/>
               </a:path>
             </a:pathLst>
@@ -23648,9 +25164,379 @@
           <a:solidFill>
             <a:schemeClr val="accent1"/>
           </a:solidFill>
+          <a:ln>
+            <a:noFill/>
+          </a:ln>
+        </p:spPr>
+        <p:style>
+          <a:lnRef idx="2">
+            <a:schemeClr val="accent1">
+              <a:shade val="50000"/>
+            </a:schemeClr>
+          </a:lnRef>
+          <a:fillRef idx="1">
+            <a:schemeClr val="accent1"/>
+          </a:fillRef>
+          <a:effectRef idx="0">
+            <a:schemeClr val="accent1"/>
+          </a:effectRef>
+          <a:fontRef idx="minor">
+            <a:schemeClr val="lt1"/>
+          </a:fontRef>
+        </p:style>
+        <p:txBody>
+          <a:bodyPr wrap="square" rtlCol="0" anchor="ctr">
+            <a:noAutofit/>
+          </a:bodyPr>
+          <a:lstStyle/>
+          <a:p>
+            <a:pPr algn="ctr"/>
+            <a:endParaRPr lang="en-US"/>
+          </a:p>
+        </p:txBody>
+      </p:sp>
+      <p:sp>
+        <p:nvSpPr>
+          <p:cNvPr id="2" name="Title 1">
+            <a:extLst>
+              <a:ext uri="{FF2B5EF4-FFF2-40B4-BE49-F238E27FC236}">
+                <a16:creationId xmlns:a16="http://schemas.microsoft.com/office/drawing/2014/main" id="{8438152D-C91B-5B4B-B80F-B1639F513083}"/>
+              </a:ext>
+            </a:extLst>
+          </p:cNvPr>
+          <p:cNvSpPr>
+            <a:spLocks noGrp="1"/>
+          </p:cNvSpPr>
+          <p:nvPr>
+            <p:ph type="title"/>
+          </p:nvPr>
+        </p:nvSpPr>
+        <p:spPr>
+          <a:xfrm>
+            <a:off x="638881" y="390525"/>
+            <a:ext cx="10909640" cy="1510301"/>
+          </a:xfrm>
+        </p:spPr>
+        <p:txBody>
+          <a:bodyPr vert="horz" lIns="91440" tIns="45720" rIns="91440" bIns="45720" rtlCol="0" anchor="ctr">
+            <a:normAutofit/>
+          </a:bodyPr>
+          <a:lstStyle/>
+          <a:p>
+            <a:pPr algn="ctr"/>
+            <a:r>
+              <a:rPr lang="en-US" sz="6600">
+                <a:solidFill>
+                  <a:srgbClr val="FFFFFF"/>
+                </a:solidFill>
+              </a:rPr>
+              <a:t>Random Forest Regression </a:t>
+            </a:r>
+          </a:p>
+        </p:txBody>
+      </p:sp>
+      <p:sp>
+        <p:nvSpPr>
+          <p:cNvPr id="40" name="Rectangle 7">
+            <a:extLst>
+              <a:ext uri="{FF2B5EF4-FFF2-40B4-BE49-F238E27FC236}">
+                <a16:creationId xmlns:a16="http://schemas.microsoft.com/office/drawing/2014/main" id="{56037404-66BD-46B5-9323-1B531319671A}"/>
+              </a:ext>
+              <a:ext uri="{C183D7F6-B498-43B3-948B-1728B52AA6E4}">
+                <adec:decorative xmlns:adec="http://schemas.microsoft.com/office/drawing/2017/decorative" val="1"/>
+              </a:ext>
+            </a:extLst>
+          </p:cNvPr>
+          <p:cNvSpPr>
+            <a:spLocks noGrp="1" noRot="1" noChangeAspect="1" noMove="1" noResize="1" noEditPoints="1" noAdjustHandles="1" noChangeArrowheads="1" noChangeShapeType="1" noTextEdit="1"/>
+          </p:cNvSpPr>
+          <p:nvPr>
+            <p:extLst>
+              <p:ext uri="{386F3935-93C4-4BCD-93E2-E3B085C9AB24}">
+                <p16:designElem xmlns:p16="http://schemas.microsoft.com/office/powerpoint/2015/main" val="1"/>
+              </p:ext>
+            </p:extLst>
+          </p:nvPr>
+        </p:nvSpPr>
+        <p:spPr>
+          <a:xfrm>
+            <a:off x="3974206" y="1753266"/>
+            <a:ext cx="4243589" cy="18288"/>
+          </a:xfrm>
+          <a:custGeom>
+            <a:avLst/>
+            <a:gdLst>
+              <a:gd name="connsiteX0" fmla="*/ 0 w 4243589"/>
+              <a:gd name="connsiteY0" fmla="*/ 0 h 18288"/>
+              <a:gd name="connsiteX1" fmla="*/ 563791 w 4243589"/>
+              <a:gd name="connsiteY1" fmla="*/ 0 h 18288"/>
+              <a:gd name="connsiteX2" fmla="*/ 1042710 w 4243589"/>
+              <a:gd name="connsiteY2" fmla="*/ 0 h 18288"/>
+              <a:gd name="connsiteX3" fmla="*/ 1564066 w 4243589"/>
+              <a:gd name="connsiteY3" fmla="*/ 0 h 18288"/>
+              <a:gd name="connsiteX4" fmla="*/ 2212729 w 4243589"/>
+              <a:gd name="connsiteY4" fmla="*/ 0 h 18288"/>
+              <a:gd name="connsiteX5" fmla="*/ 2776520 w 4243589"/>
+              <a:gd name="connsiteY5" fmla="*/ 0 h 18288"/>
+              <a:gd name="connsiteX6" fmla="*/ 3297875 w 4243589"/>
+              <a:gd name="connsiteY6" fmla="*/ 0 h 18288"/>
+              <a:gd name="connsiteX7" fmla="*/ 4243589 w 4243589"/>
+              <a:gd name="connsiteY7" fmla="*/ 0 h 18288"/>
+              <a:gd name="connsiteX8" fmla="*/ 4243589 w 4243589"/>
+              <a:gd name="connsiteY8" fmla="*/ 18288 h 18288"/>
+              <a:gd name="connsiteX9" fmla="*/ 3637362 w 4243589"/>
+              <a:gd name="connsiteY9" fmla="*/ 18288 h 18288"/>
+              <a:gd name="connsiteX10" fmla="*/ 3116007 w 4243589"/>
+              <a:gd name="connsiteY10" fmla="*/ 18288 h 18288"/>
+              <a:gd name="connsiteX11" fmla="*/ 2424908 w 4243589"/>
+              <a:gd name="connsiteY11" fmla="*/ 18288 h 18288"/>
+              <a:gd name="connsiteX12" fmla="*/ 1861117 w 4243589"/>
+              <a:gd name="connsiteY12" fmla="*/ 18288 h 18288"/>
+              <a:gd name="connsiteX13" fmla="*/ 1382198 w 4243589"/>
+              <a:gd name="connsiteY13" fmla="*/ 18288 h 18288"/>
+              <a:gd name="connsiteX14" fmla="*/ 733535 w 4243589"/>
+              <a:gd name="connsiteY14" fmla="*/ 18288 h 18288"/>
+              <a:gd name="connsiteX15" fmla="*/ 0 w 4243589"/>
+              <a:gd name="connsiteY15" fmla="*/ 18288 h 18288"/>
+              <a:gd name="connsiteX16" fmla="*/ 0 w 4243589"/>
+              <a:gd name="connsiteY16" fmla="*/ 0 h 18288"/>
+            </a:gdLst>
+            <a:ahLst/>
+            <a:cxnLst>
+              <a:cxn ang="0">
+                <a:pos x="connsiteX0" y="connsiteY0"/>
+              </a:cxn>
+              <a:cxn ang="0">
+                <a:pos x="connsiteX1" y="connsiteY1"/>
+              </a:cxn>
+              <a:cxn ang="0">
+                <a:pos x="connsiteX2" y="connsiteY2"/>
+              </a:cxn>
+              <a:cxn ang="0">
+                <a:pos x="connsiteX3" y="connsiteY3"/>
+              </a:cxn>
+              <a:cxn ang="0">
+                <a:pos x="connsiteX4" y="connsiteY4"/>
+              </a:cxn>
+              <a:cxn ang="0">
+                <a:pos x="connsiteX5" y="connsiteY5"/>
+              </a:cxn>
+              <a:cxn ang="0">
+                <a:pos x="connsiteX6" y="connsiteY6"/>
+              </a:cxn>
+              <a:cxn ang="0">
+                <a:pos x="connsiteX7" y="connsiteY7"/>
+              </a:cxn>
+              <a:cxn ang="0">
+                <a:pos x="connsiteX8" y="connsiteY8"/>
+              </a:cxn>
+              <a:cxn ang="0">
+                <a:pos x="connsiteX9" y="connsiteY9"/>
+              </a:cxn>
+              <a:cxn ang="0">
+                <a:pos x="connsiteX10" y="connsiteY10"/>
+              </a:cxn>
+              <a:cxn ang="0">
+                <a:pos x="connsiteX11" y="connsiteY11"/>
+              </a:cxn>
+              <a:cxn ang="0">
+                <a:pos x="connsiteX12" y="connsiteY12"/>
+              </a:cxn>
+              <a:cxn ang="0">
+                <a:pos x="connsiteX13" y="connsiteY13"/>
+              </a:cxn>
+              <a:cxn ang="0">
+                <a:pos x="connsiteX14" y="connsiteY14"/>
+              </a:cxn>
+              <a:cxn ang="0">
+                <a:pos x="connsiteX15" y="connsiteY15"/>
+              </a:cxn>
+              <a:cxn ang="0">
+                <a:pos x="connsiteX16" y="connsiteY16"/>
+              </a:cxn>
+            </a:cxnLst>
+            <a:rect l="l" t="t" r="r" b="b"/>
+            <a:pathLst>
+              <a:path w="4243589" h="18288" fill="none" extrusionOk="0">
+                <a:moveTo>
+                  <a:pt x="0" y="0"/>
+                </a:moveTo>
+                <a:cubicBezTo>
+                  <a:pt x="157351" y="-15653"/>
+                  <a:pt x="378877" y="-5828"/>
+                  <a:pt x="563791" y="0"/>
+                </a:cubicBezTo>
+                <a:cubicBezTo>
+                  <a:pt x="748705" y="5828"/>
+                  <a:pt x="905659" y="-5525"/>
+                  <a:pt x="1042710" y="0"/>
+                </a:cubicBezTo>
+                <a:cubicBezTo>
+                  <a:pt x="1179761" y="5525"/>
+                  <a:pt x="1356845" y="-21288"/>
+                  <a:pt x="1564066" y="0"/>
+                </a:cubicBezTo>
+                <a:cubicBezTo>
+                  <a:pt x="1771287" y="21288"/>
+                  <a:pt x="1912099" y="25135"/>
+                  <a:pt x="2212729" y="0"/>
+                </a:cubicBezTo>
+                <a:cubicBezTo>
+                  <a:pt x="2513359" y="-25135"/>
+                  <a:pt x="2514918" y="-27119"/>
+                  <a:pt x="2776520" y="0"/>
+                </a:cubicBezTo>
+                <a:cubicBezTo>
+                  <a:pt x="3038122" y="27119"/>
+                  <a:pt x="3178771" y="18116"/>
+                  <a:pt x="3297875" y="0"/>
+                </a:cubicBezTo>
+                <a:cubicBezTo>
+                  <a:pt x="3416980" y="-18116"/>
+                  <a:pt x="4012240" y="-40869"/>
+                  <a:pt x="4243589" y="0"/>
+                </a:cubicBezTo>
+                <a:cubicBezTo>
+                  <a:pt x="4243987" y="7429"/>
+                  <a:pt x="4243569" y="10822"/>
+                  <a:pt x="4243589" y="18288"/>
+                </a:cubicBezTo>
+                <a:cubicBezTo>
+                  <a:pt x="4112949" y="-2855"/>
+                  <a:pt x="3928037" y="1831"/>
+                  <a:pt x="3637362" y="18288"/>
+                </a:cubicBezTo>
+                <a:cubicBezTo>
+                  <a:pt x="3346687" y="34745"/>
+                  <a:pt x="3254446" y="26669"/>
+                  <a:pt x="3116007" y="18288"/>
+                </a:cubicBezTo>
+                <a:cubicBezTo>
+                  <a:pt x="2977569" y="9907"/>
+                  <a:pt x="2620228" y="28873"/>
+                  <a:pt x="2424908" y="18288"/>
+                </a:cubicBezTo>
+                <a:cubicBezTo>
+                  <a:pt x="2229588" y="7703"/>
+                  <a:pt x="2088287" y="-3854"/>
+                  <a:pt x="1861117" y="18288"/>
+                </a:cubicBezTo>
+                <a:cubicBezTo>
+                  <a:pt x="1633947" y="40430"/>
+                  <a:pt x="1502447" y="-871"/>
+                  <a:pt x="1382198" y="18288"/>
+                </a:cubicBezTo>
+                <a:cubicBezTo>
+                  <a:pt x="1261949" y="37447"/>
+                  <a:pt x="1045440" y="28353"/>
+                  <a:pt x="733535" y="18288"/>
+                </a:cubicBezTo>
+                <a:cubicBezTo>
+                  <a:pt x="421630" y="8223"/>
+                  <a:pt x="341257" y="-18359"/>
+                  <a:pt x="0" y="18288"/>
+                </a:cubicBezTo>
+                <a:cubicBezTo>
+                  <a:pt x="-591" y="13205"/>
+                  <a:pt x="-663" y="6329"/>
+                  <a:pt x="0" y="0"/>
+                </a:cubicBezTo>
+                <a:close/>
+              </a:path>
+              <a:path w="4243589" h="18288" stroke="0" extrusionOk="0">
+                <a:moveTo>
+                  <a:pt x="0" y="0"/>
+                </a:moveTo>
+                <a:cubicBezTo>
+                  <a:pt x="128164" y="17204"/>
+                  <a:pt x="312653" y="1129"/>
+                  <a:pt x="563791" y="0"/>
+                </a:cubicBezTo>
+                <a:cubicBezTo>
+                  <a:pt x="814929" y="-1129"/>
+                  <a:pt x="837271" y="8503"/>
+                  <a:pt x="1042710" y="0"/>
+                </a:cubicBezTo>
+                <a:cubicBezTo>
+                  <a:pt x="1248149" y="-8503"/>
+                  <a:pt x="1588432" y="-28862"/>
+                  <a:pt x="1733809" y="0"/>
+                </a:cubicBezTo>
+                <a:cubicBezTo>
+                  <a:pt x="1879186" y="28862"/>
+                  <a:pt x="2052815" y="5974"/>
+                  <a:pt x="2297600" y="0"/>
+                </a:cubicBezTo>
+                <a:cubicBezTo>
+                  <a:pt x="2542385" y="-5974"/>
+                  <a:pt x="2699960" y="-23550"/>
+                  <a:pt x="2861391" y="0"/>
+                </a:cubicBezTo>
+                <a:cubicBezTo>
+                  <a:pt x="3022822" y="23550"/>
+                  <a:pt x="3390411" y="25272"/>
+                  <a:pt x="3552490" y="0"/>
+                </a:cubicBezTo>
+                <a:cubicBezTo>
+                  <a:pt x="3714569" y="-25272"/>
+                  <a:pt x="3950585" y="-31327"/>
+                  <a:pt x="4243589" y="0"/>
+                </a:cubicBezTo>
+                <a:cubicBezTo>
+                  <a:pt x="4242703" y="5429"/>
+                  <a:pt x="4244410" y="14046"/>
+                  <a:pt x="4243589" y="18288"/>
+                </a:cubicBezTo>
+                <a:cubicBezTo>
+                  <a:pt x="4130424" y="-1240"/>
+                  <a:pt x="3932803" y="42249"/>
+                  <a:pt x="3722234" y="18288"/>
+                </a:cubicBezTo>
+                <a:cubicBezTo>
+                  <a:pt x="3511665" y="-5673"/>
+                  <a:pt x="3269903" y="45994"/>
+                  <a:pt x="3116007" y="18288"/>
+                </a:cubicBezTo>
+                <a:cubicBezTo>
+                  <a:pt x="2962111" y="-9418"/>
+                  <a:pt x="2744280" y="23224"/>
+                  <a:pt x="2509780" y="18288"/>
+                </a:cubicBezTo>
+                <a:cubicBezTo>
+                  <a:pt x="2275280" y="13352"/>
+                  <a:pt x="2066059" y="43664"/>
+                  <a:pt x="1945989" y="18288"/>
+                </a:cubicBezTo>
+                <a:cubicBezTo>
+                  <a:pt x="1825919" y="-7088"/>
+                  <a:pt x="1407329" y="12616"/>
+                  <a:pt x="1254890" y="18288"/>
+                </a:cubicBezTo>
+                <a:cubicBezTo>
+                  <a:pt x="1102451" y="23960"/>
+                  <a:pt x="837950" y="31673"/>
+                  <a:pt x="563791" y="18288"/>
+                </a:cubicBezTo>
+                <a:cubicBezTo>
+                  <a:pt x="289632" y="4903"/>
+                  <a:pt x="132768" y="7105"/>
+                  <a:pt x="0" y="18288"/>
+                </a:cubicBezTo>
+                <a:cubicBezTo>
+                  <a:pt x="668" y="13665"/>
+                  <a:pt x="578" y="5675"/>
+                  <a:pt x="0" y="0"/>
+                </a:cubicBezTo>
+                <a:close/>
+              </a:path>
+            </a:pathLst>
+          </a:custGeom>
+          <a:solidFill>
+            <a:srgbClr val="FFFFFF"/>
+          </a:solidFill>
           <a:ln w="38100" cap="rnd">
             <a:solidFill>
-              <a:schemeClr val="accent1"/>
+              <a:srgbClr val="FFFFFF"/>
             </a:solidFill>
             <a:round/>
             <a:extLst>
@@ -23716,8 +25602,8 @@
         </p:blipFill>
         <p:spPr>
           <a:xfrm>
-            <a:off x="4310971" y="1016424"/>
-            <a:ext cx="7557941" cy="5026030"/>
+            <a:off x="2969809" y="3067050"/>
+            <a:ext cx="5394995" cy="3587672"/>
           </a:xfrm>
           <a:prstGeom prst="rect">
             <a:avLst/>
@@ -23740,6 +25626,14 @@
 <file path=ppt/slides/slide15.xml><?xml version="1.0" encoding="utf-8"?>
 <p:sld xmlns:a="http://schemas.openxmlformats.org/drawingml/2006/main" xmlns:r="http://schemas.openxmlformats.org/officeDocument/2006/relationships" xmlns:p="http://schemas.openxmlformats.org/presentationml/2006/main">
   <p:cSld>
+    <p:bg>
+      <p:bgPr>
+        <a:solidFill>
+          <a:schemeClr val="bg1"/>
+        </a:solidFill>
+        <a:effectLst/>
+      </p:bgPr>
+    </p:bg>
     <p:spTree>
       <p:nvGrpSpPr>
         <p:cNvPr id="1" name=""/>
@@ -23756,6 +25650,413 @@
       </p:grpSpPr>
       <p:sp>
         <p:nvSpPr>
+          <p:cNvPr id="8" name="Rectangle 6">
+            <a:extLst>
+              <a:ext uri="{FF2B5EF4-FFF2-40B4-BE49-F238E27FC236}">
+                <a16:creationId xmlns:a16="http://schemas.microsoft.com/office/drawing/2014/main" id="{DA381740-063A-41A4-836D-85D14980EEF0}"/>
+              </a:ext>
+              <a:ext uri="{C183D7F6-B498-43B3-948B-1728B52AA6E4}">
+                <adec:decorative xmlns:adec="http://schemas.microsoft.com/office/drawing/2017/decorative" val="1"/>
+              </a:ext>
+            </a:extLst>
+          </p:cNvPr>
+          <p:cNvSpPr>
+            <a:spLocks noGrp="1" noRot="1" noChangeAspect="1" noMove="1" noResize="1" noEditPoints="1" noAdjustHandles="1" noChangeArrowheads="1" noChangeShapeType="1" noTextEdit="1"/>
+          </p:cNvSpPr>
+          <p:nvPr>
+            <p:extLst>
+              <p:ext uri="{386F3935-93C4-4BCD-93E2-E3B085C9AB24}">
+                <p16:designElem xmlns:p16="http://schemas.microsoft.com/office/powerpoint/2015/main" val="1"/>
+              </p:ext>
+            </p:extLst>
+          </p:nvPr>
+        </p:nvSpPr>
+        <p:spPr>
+          <a:xfrm>
+            <a:off x="838200" y="4736883"/>
+            <a:ext cx="4243589" cy="27432"/>
+          </a:xfrm>
+          <a:custGeom>
+            <a:avLst/>
+            <a:gdLst>
+              <a:gd name="connsiteX0" fmla="*/ 0 w 4243589"/>
+              <a:gd name="connsiteY0" fmla="*/ 0 h 27432"/>
+              <a:gd name="connsiteX1" fmla="*/ 563791 w 4243589"/>
+              <a:gd name="connsiteY1" fmla="*/ 0 h 27432"/>
+              <a:gd name="connsiteX2" fmla="*/ 1042710 w 4243589"/>
+              <a:gd name="connsiteY2" fmla="*/ 0 h 27432"/>
+              <a:gd name="connsiteX3" fmla="*/ 1564066 w 4243589"/>
+              <a:gd name="connsiteY3" fmla="*/ 0 h 27432"/>
+              <a:gd name="connsiteX4" fmla="*/ 2212729 w 4243589"/>
+              <a:gd name="connsiteY4" fmla="*/ 0 h 27432"/>
+              <a:gd name="connsiteX5" fmla="*/ 2776520 w 4243589"/>
+              <a:gd name="connsiteY5" fmla="*/ 0 h 27432"/>
+              <a:gd name="connsiteX6" fmla="*/ 3297875 w 4243589"/>
+              <a:gd name="connsiteY6" fmla="*/ 0 h 27432"/>
+              <a:gd name="connsiteX7" fmla="*/ 4243589 w 4243589"/>
+              <a:gd name="connsiteY7" fmla="*/ 0 h 27432"/>
+              <a:gd name="connsiteX8" fmla="*/ 4243589 w 4243589"/>
+              <a:gd name="connsiteY8" fmla="*/ 27432 h 27432"/>
+              <a:gd name="connsiteX9" fmla="*/ 3637362 w 4243589"/>
+              <a:gd name="connsiteY9" fmla="*/ 27432 h 27432"/>
+              <a:gd name="connsiteX10" fmla="*/ 3116007 w 4243589"/>
+              <a:gd name="connsiteY10" fmla="*/ 27432 h 27432"/>
+              <a:gd name="connsiteX11" fmla="*/ 2424908 w 4243589"/>
+              <a:gd name="connsiteY11" fmla="*/ 27432 h 27432"/>
+              <a:gd name="connsiteX12" fmla="*/ 1861117 w 4243589"/>
+              <a:gd name="connsiteY12" fmla="*/ 27432 h 27432"/>
+              <a:gd name="connsiteX13" fmla="*/ 1382198 w 4243589"/>
+              <a:gd name="connsiteY13" fmla="*/ 27432 h 27432"/>
+              <a:gd name="connsiteX14" fmla="*/ 733535 w 4243589"/>
+              <a:gd name="connsiteY14" fmla="*/ 27432 h 27432"/>
+              <a:gd name="connsiteX15" fmla="*/ 0 w 4243589"/>
+              <a:gd name="connsiteY15" fmla="*/ 27432 h 27432"/>
+              <a:gd name="connsiteX16" fmla="*/ 0 w 4243589"/>
+              <a:gd name="connsiteY16" fmla="*/ 0 h 27432"/>
+            </a:gdLst>
+            <a:ahLst/>
+            <a:cxnLst>
+              <a:cxn ang="0">
+                <a:pos x="connsiteX0" y="connsiteY0"/>
+              </a:cxn>
+              <a:cxn ang="0">
+                <a:pos x="connsiteX1" y="connsiteY1"/>
+              </a:cxn>
+              <a:cxn ang="0">
+                <a:pos x="connsiteX2" y="connsiteY2"/>
+              </a:cxn>
+              <a:cxn ang="0">
+                <a:pos x="connsiteX3" y="connsiteY3"/>
+              </a:cxn>
+              <a:cxn ang="0">
+                <a:pos x="connsiteX4" y="connsiteY4"/>
+              </a:cxn>
+              <a:cxn ang="0">
+                <a:pos x="connsiteX5" y="connsiteY5"/>
+              </a:cxn>
+              <a:cxn ang="0">
+                <a:pos x="connsiteX6" y="connsiteY6"/>
+              </a:cxn>
+              <a:cxn ang="0">
+                <a:pos x="connsiteX7" y="connsiteY7"/>
+              </a:cxn>
+              <a:cxn ang="0">
+                <a:pos x="connsiteX8" y="connsiteY8"/>
+              </a:cxn>
+              <a:cxn ang="0">
+                <a:pos x="connsiteX9" y="connsiteY9"/>
+              </a:cxn>
+              <a:cxn ang="0">
+                <a:pos x="connsiteX10" y="connsiteY10"/>
+              </a:cxn>
+              <a:cxn ang="0">
+                <a:pos x="connsiteX11" y="connsiteY11"/>
+              </a:cxn>
+              <a:cxn ang="0">
+                <a:pos x="connsiteX12" y="connsiteY12"/>
+              </a:cxn>
+              <a:cxn ang="0">
+                <a:pos x="connsiteX13" y="connsiteY13"/>
+              </a:cxn>
+              <a:cxn ang="0">
+                <a:pos x="connsiteX14" y="connsiteY14"/>
+              </a:cxn>
+              <a:cxn ang="0">
+                <a:pos x="connsiteX15" y="connsiteY15"/>
+              </a:cxn>
+              <a:cxn ang="0">
+                <a:pos x="connsiteX16" y="connsiteY16"/>
+              </a:cxn>
+            </a:cxnLst>
+            <a:rect l="l" t="t" r="r" b="b"/>
+            <a:pathLst>
+              <a:path w="4243589" h="27432" fill="none" extrusionOk="0">
+                <a:moveTo>
+                  <a:pt x="0" y="0"/>
+                </a:moveTo>
+                <a:cubicBezTo>
+                  <a:pt x="157351" y="-15653"/>
+                  <a:pt x="378877" y="-5828"/>
+                  <a:pt x="563791" y="0"/>
+                </a:cubicBezTo>
+                <a:cubicBezTo>
+                  <a:pt x="748705" y="5828"/>
+                  <a:pt x="905659" y="-5525"/>
+                  <a:pt x="1042710" y="0"/>
+                </a:cubicBezTo>
+                <a:cubicBezTo>
+                  <a:pt x="1179761" y="5525"/>
+                  <a:pt x="1356845" y="-21288"/>
+                  <a:pt x="1564066" y="0"/>
+                </a:cubicBezTo>
+                <a:cubicBezTo>
+                  <a:pt x="1771287" y="21288"/>
+                  <a:pt x="1912099" y="25135"/>
+                  <a:pt x="2212729" y="0"/>
+                </a:cubicBezTo>
+                <a:cubicBezTo>
+                  <a:pt x="2513359" y="-25135"/>
+                  <a:pt x="2514918" y="-27119"/>
+                  <a:pt x="2776520" y="0"/>
+                </a:cubicBezTo>
+                <a:cubicBezTo>
+                  <a:pt x="3038122" y="27119"/>
+                  <a:pt x="3178771" y="18116"/>
+                  <a:pt x="3297875" y="0"/>
+                </a:cubicBezTo>
+                <a:cubicBezTo>
+                  <a:pt x="3416980" y="-18116"/>
+                  <a:pt x="4012240" y="-40869"/>
+                  <a:pt x="4243589" y="0"/>
+                </a:cubicBezTo>
+                <a:cubicBezTo>
+                  <a:pt x="4242616" y="8304"/>
+                  <a:pt x="4243111" y="21512"/>
+                  <a:pt x="4243589" y="27432"/>
+                </a:cubicBezTo>
+                <a:cubicBezTo>
+                  <a:pt x="4112949" y="6289"/>
+                  <a:pt x="3928037" y="10975"/>
+                  <a:pt x="3637362" y="27432"/>
+                </a:cubicBezTo>
+                <a:cubicBezTo>
+                  <a:pt x="3346687" y="43889"/>
+                  <a:pt x="3254446" y="35813"/>
+                  <a:pt x="3116007" y="27432"/>
+                </a:cubicBezTo>
+                <a:cubicBezTo>
+                  <a:pt x="2977569" y="19051"/>
+                  <a:pt x="2620228" y="38017"/>
+                  <a:pt x="2424908" y="27432"/>
+                </a:cubicBezTo>
+                <a:cubicBezTo>
+                  <a:pt x="2229588" y="16847"/>
+                  <a:pt x="2088287" y="5290"/>
+                  <a:pt x="1861117" y="27432"/>
+                </a:cubicBezTo>
+                <a:cubicBezTo>
+                  <a:pt x="1633947" y="49574"/>
+                  <a:pt x="1502447" y="8273"/>
+                  <a:pt x="1382198" y="27432"/>
+                </a:cubicBezTo>
+                <a:cubicBezTo>
+                  <a:pt x="1261949" y="46591"/>
+                  <a:pt x="1045440" y="37497"/>
+                  <a:pt x="733535" y="27432"/>
+                </a:cubicBezTo>
+                <a:cubicBezTo>
+                  <a:pt x="421630" y="17367"/>
+                  <a:pt x="341257" y="-9215"/>
+                  <a:pt x="0" y="27432"/>
+                </a:cubicBezTo>
+                <a:cubicBezTo>
+                  <a:pt x="-1048" y="14992"/>
+                  <a:pt x="-1120" y="7447"/>
+                  <a:pt x="0" y="0"/>
+                </a:cubicBezTo>
+                <a:close/>
+              </a:path>
+              <a:path w="4243589" h="27432" stroke="0" extrusionOk="0">
+                <a:moveTo>
+                  <a:pt x="0" y="0"/>
+                </a:moveTo>
+                <a:cubicBezTo>
+                  <a:pt x="128164" y="17204"/>
+                  <a:pt x="312653" y="1129"/>
+                  <a:pt x="563791" y="0"/>
+                </a:cubicBezTo>
+                <a:cubicBezTo>
+                  <a:pt x="814929" y="-1129"/>
+                  <a:pt x="837271" y="8503"/>
+                  <a:pt x="1042710" y="0"/>
+                </a:cubicBezTo>
+                <a:cubicBezTo>
+                  <a:pt x="1248149" y="-8503"/>
+                  <a:pt x="1588432" y="-28862"/>
+                  <a:pt x="1733809" y="0"/>
+                </a:cubicBezTo>
+                <a:cubicBezTo>
+                  <a:pt x="1879186" y="28862"/>
+                  <a:pt x="2052815" y="5974"/>
+                  <a:pt x="2297600" y="0"/>
+                </a:cubicBezTo>
+                <a:cubicBezTo>
+                  <a:pt x="2542385" y="-5974"/>
+                  <a:pt x="2699960" y="-23550"/>
+                  <a:pt x="2861391" y="0"/>
+                </a:cubicBezTo>
+                <a:cubicBezTo>
+                  <a:pt x="3022822" y="23550"/>
+                  <a:pt x="3390411" y="25272"/>
+                  <a:pt x="3552490" y="0"/>
+                </a:cubicBezTo>
+                <a:cubicBezTo>
+                  <a:pt x="3714569" y="-25272"/>
+                  <a:pt x="3950585" y="-31327"/>
+                  <a:pt x="4243589" y="0"/>
+                </a:cubicBezTo>
+                <a:cubicBezTo>
+                  <a:pt x="4244074" y="9333"/>
+                  <a:pt x="4244867" y="19699"/>
+                  <a:pt x="4243589" y="27432"/>
+                </a:cubicBezTo>
+                <a:cubicBezTo>
+                  <a:pt x="4130424" y="7904"/>
+                  <a:pt x="3932803" y="51393"/>
+                  <a:pt x="3722234" y="27432"/>
+                </a:cubicBezTo>
+                <a:cubicBezTo>
+                  <a:pt x="3511665" y="3471"/>
+                  <a:pt x="3269903" y="55138"/>
+                  <a:pt x="3116007" y="27432"/>
+                </a:cubicBezTo>
+                <a:cubicBezTo>
+                  <a:pt x="2962111" y="-274"/>
+                  <a:pt x="2744280" y="32368"/>
+                  <a:pt x="2509780" y="27432"/>
+                </a:cubicBezTo>
+                <a:cubicBezTo>
+                  <a:pt x="2275280" y="22496"/>
+                  <a:pt x="2066059" y="52808"/>
+                  <a:pt x="1945989" y="27432"/>
+                </a:cubicBezTo>
+                <a:cubicBezTo>
+                  <a:pt x="1825919" y="2056"/>
+                  <a:pt x="1407329" y="21760"/>
+                  <a:pt x="1254890" y="27432"/>
+                </a:cubicBezTo>
+                <a:cubicBezTo>
+                  <a:pt x="1102451" y="33104"/>
+                  <a:pt x="837950" y="40817"/>
+                  <a:pt x="563791" y="27432"/>
+                </a:cubicBezTo>
+                <a:cubicBezTo>
+                  <a:pt x="289632" y="14047"/>
+                  <a:pt x="132768" y="16249"/>
+                  <a:pt x="0" y="27432"/>
+                </a:cubicBezTo>
+                <a:cubicBezTo>
+                  <a:pt x="211" y="18145"/>
+                  <a:pt x="120" y="6480"/>
+                  <a:pt x="0" y="0"/>
+                </a:cubicBezTo>
+                <a:close/>
+              </a:path>
+            </a:pathLst>
+          </a:custGeom>
+          <a:solidFill>
+            <a:schemeClr val="tx1"/>
+          </a:solidFill>
+          <a:ln w="38100" cap="rnd">
+            <a:solidFill>
+              <a:schemeClr val="tx1"/>
+            </a:solidFill>
+            <a:round/>
+            <a:extLst>
+              <a:ext uri="{C807C97D-BFC1-408E-A445-0C87EB9F89A2}">
+                <ask:lineSketchStyleProps xmlns:ask="http://schemas.microsoft.com/office/drawing/2018/sketchyshapes" sd="1219033472">
+                  <a:prstGeom prst="rect">
+                    <a:avLst/>
+                  </a:prstGeom>
+                  <ask:type>
+                    <ask:lineSketchFreehand/>
+                  </ask:type>
+                </ask:lineSketchStyleProps>
+              </a:ext>
+            </a:extLst>
+          </a:ln>
+        </p:spPr>
+        <p:style>
+          <a:lnRef idx="2">
+            <a:schemeClr val="accent1">
+              <a:shade val="50000"/>
+            </a:schemeClr>
+          </a:lnRef>
+          <a:fillRef idx="1">
+            <a:schemeClr val="accent1"/>
+          </a:fillRef>
+          <a:effectRef idx="0">
+            <a:schemeClr val="accent1"/>
+          </a:effectRef>
+          <a:fontRef idx="minor">
+            <a:schemeClr val="lt1"/>
+          </a:fontRef>
+        </p:style>
+        <p:txBody>
+          <a:bodyPr rtlCol="0" anchor="ctr"/>
+          <a:lstStyle/>
+          <a:p>
+            <a:pPr algn="ctr"/>
+            <a:endParaRPr lang="en-US">
+              <a:solidFill>
+                <a:schemeClr val="tx1"/>
+              </a:solidFill>
+            </a:endParaRPr>
+          </a:p>
+        </p:txBody>
+      </p:sp>
+      <p:sp useBgFill="1">
+        <p:nvSpPr>
+          <p:cNvPr id="10" name="Rectangle 9">
+            <a:extLst>
+              <a:ext uri="{FF2B5EF4-FFF2-40B4-BE49-F238E27FC236}">
+                <a16:creationId xmlns:a16="http://schemas.microsoft.com/office/drawing/2014/main" id="{4D24BFD5-D814-402B-B6C4-EEF6AE14B0F2}"/>
+              </a:ext>
+              <a:ext uri="{C183D7F6-B498-43B3-948B-1728B52AA6E4}">
+                <adec:decorative xmlns:adec="http://schemas.microsoft.com/office/drawing/2017/decorative" val="1"/>
+              </a:ext>
+            </a:extLst>
+          </p:cNvPr>
+          <p:cNvSpPr>
+            <a:spLocks noGrp="1" noRot="1" noChangeAspect="1" noMove="1" noResize="1" noEditPoints="1" noAdjustHandles="1" noChangeArrowheads="1" noChangeShapeType="1" noTextEdit="1"/>
+          </p:cNvSpPr>
+          <p:nvPr>
+            <p:extLst>
+              <p:ext uri="{386F3935-93C4-4BCD-93E2-E3B085C9AB24}">
+                <p16:designElem xmlns:p16="http://schemas.microsoft.com/office/powerpoint/2015/main" val="1"/>
+              </p:ext>
+            </p:extLst>
+          </p:nvPr>
+        </p:nvSpPr>
+        <p:spPr>
+          <a:xfrm>
+            <a:off x="0" y="0"/>
+            <a:ext cx="12188952" cy="6858000"/>
+          </a:xfrm>
+          <a:prstGeom prst="rect">
+            <a:avLst/>
+          </a:prstGeom>
+          <a:ln>
+            <a:noFill/>
+          </a:ln>
+        </p:spPr>
+        <p:style>
+          <a:lnRef idx="2">
+            <a:schemeClr val="accent1">
+              <a:shade val="50000"/>
+            </a:schemeClr>
+          </a:lnRef>
+          <a:fillRef idx="1">
+            <a:schemeClr val="accent1"/>
+          </a:fillRef>
+          <a:effectRef idx="0">
+            <a:schemeClr val="accent1"/>
+          </a:effectRef>
+          <a:fontRef idx="minor">
+            <a:schemeClr val="lt1"/>
+          </a:fontRef>
+        </p:style>
+        <p:txBody>
+          <a:bodyPr rtlCol="0" anchor="ctr"/>
+          <a:lstStyle/>
+          <a:p>
+            <a:pPr algn="ctr"/>
+            <a:endParaRPr lang="en-US"/>
+          </a:p>
+        </p:txBody>
+      </p:sp>
+      <p:sp>
+        <p:nvSpPr>
           <p:cNvPr id="2" name="Title 1">
             <a:extLst>
               <a:ext uri="{FF2B5EF4-FFF2-40B4-BE49-F238E27FC236}">
@@ -23770,15 +26071,511 @@
             <p:ph type="title"/>
           </p:nvPr>
         </p:nvSpPr>
-        <p:spPr/>
+        <p:spPr>
+          <a:xfrm>
+            <a:off x="838200" y="1122362"/>
+            <a:ext cx="6281928" cy="4135437"/>
+          </a:xfrm>
+        </p:spPr>
         <p:txBody>
-          <a:bodyPr/>
+          <a:bodyPr vert="horz" lIns="91440" tIns="45720" rIns="91440" bIns="45720" rtlCol="0" anchor="b">
+            <a:normAutofit/>
+          </a:bodyPr>
           <a:lstStyle/>
           <a:p>
             <a:r>
-              <a:rPr lang="en-US" dirty="0"/>
+              <a:rPr lang="en-US" sz="8800"/>
               <a:t>Goal </a:t>
             </a:r>
+          </a:p>
+        </p:txBody>
+      </p:sp>
+      <p:sp>
+        <p:nvSpPr>
+          <p:cNvPr id="16" name="Rectangle 10">
+            <a:extLst>
+              <a:ext uri="{FF2B5EF4-FFF2-40B4-BE49-F238E27FC236}">
+                <a16:creationId xmlns:a16="http://schemas.microsoft.com/office/drawing/2014/main" id="{36FED7E8-9A97-475F-9FA4-113410D4433B}"/>
+              </a:ext>
+              <a:ext uri="{C183D7F6-B498-43B3-948B-1728B52AA6E4}">
+                <adec:decorative xmlns:adec="http://schemas.microsoft.com/office/drawing/2017/decorative" val="1"/>
+              </a:ext>
+            </a:extLst>
+          </p:cNvPr>
+          <p:cNvSpPr>
+            <a:spLocks noGrp="1" noRot="1" noChangeAspect="1" noMove="1" noResize="1" noEditPoints="1" noAdjustHandles="1" noChangeArrowheads="1" noChangeShapeType="1" noTextEdit="1"/>
+          </p:cNvSpPr>
+          <p:nvPr>
+            <p:extLst>
+              <p:ext uri="{386F3935-93C4-4BCD-93E2-E3B085C9AB24}">
+                <p16:designElem xmlns:p16="http://schemas.microsoft.com/office/powerpoint/2015/main" val="1"/>
+              </p:ext>
+            </p:extLst>
+          </p:nvPr>
+        </p:nvSpPr>
+        <p:spPr>
+          <a:xfrm>
+            <a:off x="7706139" y="1031284"/>
+            <a:ext cx="3647661" cy="4436126"/>
+          </a:xfrm>
+          <a:custGeom>
+            <a:avLst/>
+            <a:gdLst>
+              <a:gd name="connsiteX0" fmla="*/ 0 w 3647661"/>
+              <a:gd name="connsiteY0" fmla="*/ 0 h 4436126"/>
+              <a:gd name="connsiteX1" fmla="*/ 498514 w 3647661"/>
+              <a:gd name="connsiteY1" fmla="*/ 0 h 4436126"/>
+              <a:gd name="connsiteX2" fmla="*/ 1069981 w 3647661"/>
+              <a:gd name="connsiteY2" fmla="*/ 0 h 4436126"/>
+              <a:gd name="connsiteX3" fmla="*/ 1714401 w 3647661"/>
+              <a:gd name="connsiteY3" fmla="*/ 0 h 4436126"/>
+              <a:gd name="connsiteX4" fmla="*/ 2285868 w 3647661"/>
+              <a:gd name="connsiteY4" fmla="*/ 0 h 4436126"/>
+              <a:gd name="connsiteX5" fmla="*/ 2784381 w 3647661"/>
+              <a:gd name="connsiteY5" fmla="*/ 0 h 4436126"/>
+              <a:gd name="connsiteX6" fmla="*/ 3647661 w 3647661"/>
+              <a:gd name="connsiteY6" fmla="*/ 0 h 4436126"/>
+              <a:gd name="connsiteX7" fmla="*/ 3647661 w 3647661"/>
+              <a:gd name="connsiteY7" fmla="*/ 633732 h 4436126"/>
+              <a:gd name="connsiteX8" fmla="*/ 3647661 w 3647661"/>
+              <a:gd name="connsiteY8" fmla="*/ 1267465 h 4436126"/>
+              <a:gd name="connsiteX9" fmla="*/ 3647661 w 3647661"/>
+              <a:gd name="connsiteY9" fmla="*/ 1768113 h 4436126"/>
+              <a:gd name="connsiteX10" fmla="*/ 3647661 w 3647661"/>
+              <a:gd name="connsiteY10" fmla="*/ 2446207 h 4436126"/>
+              <a:gd name="connsiteX11" fmla="*/ 3647661 w 3647661"/>
+              <a:gd name="connsiteY11" fmla="*/ 2946855 h 4436126"/>
+              <a:gd name="connsiteX12" fmla="*/ 3647661 w 3647661"/>
+              <a:gd name="connsiteY12" fmla="*/ 3580587 h 4436126"/>
+              <a:gd name="connsiteX13" fmla="*/ 3647661 w 3647661"/>
+              <a:gd name="connsiteY13" fmla="*/ 4436126 h 4436126"/>
+              <a:gd name="connsiteX14" fmla="*/ 3039718 w 3647661"/>
+              <a:gd name="connsiteY14" fmla="*/ 4436126 h 4436126"/>
+              <a:gd name="connsiteX15" fmla="*/ 2431774 w 3647661"/>
+              <a:gd name="connsiteY15" fmla="*/ 4436126 h 4436126"/>
+              <a:gd name="connsiteX16" fmla="*/ 1823831 w 3647661"/>
+              <a:gd name="connsiteY16" fmla="*/ 4436126 h 4436126"/>
+              <a:gd name="connsiteX17" fmla="*/ 1288840 w 3647661"/>
+              <a:gd name="connsiteY17" fmla="*/ 4436126 h 4436126"/>
+              <a:gd name="connsiteX18" fmla="*/ 607943 w 3647661"/>
+              <a:gd name="connsiteY18" fmla="*/ 4436126 h 4436126"/>
+              <a:gd name="connsiteX19" fmla="*/ 0 w 3647661"/>
+              <a:gd name="connsiteY19" fmla="*/ 4436126 h 4436126"/>
+              <a:gd name="connsiteX20" fmla="*/ 0 w 3647661"/>
+              <a:gd name="connsiteY20" fmla="*/ 3758032 h 4436126"/>
+              <a:gd name="connsiteX21" fmla="*/ 0 w 3647661"/>
+              <a:gd name="connsiteY21" fmla="*/ 3035578 h 4436126"/>
+              <a:gd name="connsiteX22" fmla="*/ 0 w 3647661"/>
+              <a:gd name="connsiteY22" fmla="*/ 2401845 h 4436126"/>
+              <a:gd name="connsiteX23" fmla="*/ 0 w 3647661"/>
+              <a:gd name="connsiteY23" fmla="*/ 1768113 h 4436126"/>
+              <a:gd name="connsiteX24" fmla="*/ 0 w 3647661"/>
+              <a:gd name="connsiteY24" fmla="*/ 1178742 h 4436126"/>
+              <a:gd name="connsiteX25" fmla="*/ 0 w 3647661"/>
+              <a:gd name="connsiteY25" fmla="*/ 589371 h 4436126"/>
+              <a:gd name="connsiteX26" fmla="*/ 0 w 3647661"/>
+              <a:gd name="connsiteY26" fmla="*/ 0 h 4436126"/>
+            </a:gdLst>
+            <a:ahLst/>
+            <a:cxnLst>
+              <a:cxn ang="0">
+                <a:pos x="connsiteX0" y="connsiteY0"/>
+              </a:cxn>
+              <a:cxn ang="0">
+                <a:pos x="connsiteX1" y="connsiteY1"/>
+              </a:cxn>
+              <a:cxn ang="0">
+                <a:pos x="connsiteX2" y="connsiteY2"/>
+              </a:cxn>
+              <a:cxn ang="0">
+                <a:pos x="connsiteX3" y="connsiteY3"/>
+              </a:cxn>
+              <a:cxn ang="0">
+                <a:pos x="connsiteX4" y="connsiteY4"/>
+              </a:cxn>
+              <a:cxn ang="0">
+                <a:pos x="connsiteX5" y="connsiteY5"/>
+              </a:cxn>
+              <a:cxn ang="0">
+                <a:pos x="connsiteX6" y="connsiteY6"/>
+              </a:cxn>
+              <a:cxn ang="0">
+                <a:pos x="connsiteX7" y="connsiteY7"/>
+              </a:cxn>
+              <a:cxn ang="0">
+                <a:pos x="connsiteX8" y="connsiteY8"/>
+              </a:cxn>
+              <a:cxn ang="0">
+                <a:pos x="connsiteX9" y="connsiteY9"/>
+              </a:cxn>
+              <a:cxn ang="0">
+                <a:pos x="connsiteX10" y="connsiteY10"/>
+              </a:cxn>
+              <a:cxn ang="0">
+                <a:pos x="connsiteX11" y="connsiteY11"/>
+              </a:cxn>
+              <a:cxn ang="0">
+                <a:pos x="connsiteX12" y="connsiteY12"/>
+              </a:cxn>
+              <a:cxn ang="0">
+                <a:pos x="connsiteX13" y="connsiteY13"/>
+              </a:cxn>
+              <a:cxn ang="0">
+                <a:pos x="connsiteX14" y="connsiteY14"/>
+              </a:cxn>
+              <a:cxn ang="0">
+                <a:pos x="connsiteX15" y="connsiteY15"/>
+              </a:cxn>
+              <a:cxn ang="0">
+                <a:pos x="connsiteX16" y="connsiteY16"/>
+              </a:cxn>
+              <a:cxn ang="0">
+                <a:pos x="connsiteX17" y="connsiteY17"/>
+              </a:cxn>
+              <a:cxn ang="0">
+                <a:pos x="connsiteX18" y="connsiteY18"/>
+              </a:cxn>
+              <a:cxn ang="0">
+                <a:pos x="connsiteX19" y="connsiteY19"/>
+              </a:cxn>
+              <a:cxn ang="0">
+                <a:pos x="connsiteX20" y="connsiteY20"/>
+              </a:cxn>
+              <a:cxn ang="0">
+                <a:pos x="connsiteX21" y="connsiteY21"/>
+              </a:cxn>
+              <a:cxn ang="0">
+                <a:pos x="connsiteX22" y="connsiteY22"/>
+              </a:cxn>
+              <a:cxn ang="0">
+                <a:pos x="connsiteX23" y="connsiteY23"/>
+              </a:cxn>
+              <a:cxn ang="0">
+                <a:pos x="connsiteX24" y="connsiteY24"/>
+              </a:cxn>
+              <a:cxn ang="0">
+                <a:pos x="connsiteX25" y="connsiteY25"/>
+              </a:cxn>
+              <a:cxn ang="0">
+                <a:pos x="connsiteX26" y="connsiteY26"/>
+              </a:cxn>
+            </a:cxnLst>
+            <a:rect l="l" t="t" r="r" b="b"/>
+            <a:pathLst>
+              <a:path w="3647661" h="4436126" fill="none" extrusionOk="0">
+                <a:moveTo>
+                  <a:pt x="0" y="0"/>
+                </a:moveTo>
+                <a:cubicBezTo>
+                  <a:pt x="116158" y="-16963"/>
+                  <a:pt x="364681" y="-4006"/>
+                  <a:pt x="498514" y="0"/>
+                </a:cubicBezTo>
+                <a:cubicBezTo>
+                  <a:pt x="632347" y="4006"/>
+                  <a:pt x="950865" y="15164"/>
+                  <a:pt x="1069981" y="0"/>
+                </a:cubicBezTo>
+                <a:cubicBezTo>
+                  <a:pt x="1189097" y="-15164"/>
+                  <a:pt x="1556518" y="-23132"/>
+                  <a:pt x="1714401" y="0"/>
+                </a:cubicBezTo>
+                <a:cubicBezTo>
+                  <a:pt x="1872284" y="23132"/>
+                  <a:pt x="2015985" y="9364"/>
+                  <a:pt x="2285868" y="0"/>
+                </a:cubicBezTo>
+                <a:cubicBezTo>
+                  <a:pt x="2555751" y="-9364"/>
+                  <a:pt x="2555148" y="14141"/>
+                  <a:pt x="2784381" y="0"/>
+                </a:cubicBezTo>
+                <a:cubicBezTo>
+                  <a:pt x="3013614" y="-14141"/>
+                  <a:pt x="3216105" y="-3763"/>
+                  <a:pt x="3647661" y="0"/>
+                </a:cubicBezTo>
+                <a:cubicBezTo>
+                  <a:pt x="3623206" y="221859"/>
+                  <a:pt x="3622213" y="458853"/>
+                  <a:pt x="3647661" y="633732"/>
+                </a:cubicBezTo>
+                <a:cubicBezTo>
+                  <a:pt x="3673109" y="808611"/>
+                  <a:pt x="3674779" y="1138417"/>
+                  <a:pt x="3647661" y="1267465"/>
+                </a:cubicBezTo>
+                <a:cubicBezTo>
+                  <a:pt x="3620543" y="1396513"/>
+                  <a:pt x="3664792" y="1625185"/>
+                  <a:pt x="3647661" y="1768113"/>
+                </a:cubicBezTo>
+                <a:cubicBezTo>
+                  <a:pt x="3630530" y="1911041"/>
+                  <a:pt x="3671056" y="2135008"/>
+                  <a:pt x="3647661" y="2446207"/>
+                </a:cubicBezTo>
+                <a:cubicBezTo>
+                  <a:pt x="3624266" y="2757406"/>
+                  <a:pt x="3642702" y="2713342"/>
+                  <a:pt x="3647661" y="2946855"/>
+                </a:cubicBezTo>
+                <a:cubicBezTo>
+                  <a:pt x="3652620" y="3180368"/>
+                  <a:pt x="3664319" y="3290221"/>
+                  <a:pt x="3647661" y="3580587"/>
+                </a:cubicBezTo>
+                <a:cubicBezTo>
+                  <a:pt x="3631003" y="3870953"/>
+                  <a:pt x="3617531" y="4259425"/>
+                  <a:pt x="3647661" y="4436126"/>
+                </a:cubicBezTo>
+                <a:cubicBezTo>
+                  <a:pt x="3523929" y="4410412"/>
+                  <a:pt x="3241413" y="4436068"/>
+                  <a:pt x="3039718" y="4436126"/>
+                </a:cubicBezTo>
+                <a:cubicBezTo>
+                  <a:pt x="2838023" y="4436184"/>
+                  <a:pt x="2630387" y="4431142"/>
+                  <a:pt x="2431774" y="4436126"/>
+                </a:cubicBezTo>
+                <a:cubicBezTo>
+                  <a:pt x="2233161" y="4441110"/>
+                  <a:pt x="2003296" y="4449826"/>
+                  <a:pt x="1823831" y="4436126"/>
+                </a:cubicBezTo>
+                <a:cubicBezTo>
+                  <a:pt x="1644366" y="4422426"/>
+                  <a:pt x="1399453" y="4442442"/>
+                  <a:pt x="1288840" y="4436126"/>
+                </a:cubicBezTo>
+                <a:cubicBezTo>
+                  <a:pt x="1178227" y="4429810"/>
+                  <a:pt x="793482" y="4411099"/>
+                  <a:pt x="607943" y="4436126"/>
+                </a:cubicBezTo>
+                <a:cubicBezTo>
+                  <a:pt x="422404" y="4461153"/>
+                  <a:pt x="158703" y="4453091"/>
+                  <a:pt x="0" y="4436126"/>
+                </a:cubicBezTo>
+                <a:cubicBezTo>
+                  <a:pt x="8129" y="4099466"/>
+                  <a:pt x="23502" y="4014012"/>
+                  <a:pt x="0" y="3758032"/>
+                </a:cubicBezTo>
+                <a:cubicBezTo>
+                  <a:pt x="-23502" y="3502052"/>
+                  <a:pt x="8018" y="3295661"/>
+                  <a:pt x="0" y="3035578"/>
+                </a:cubicBezTo>
+                <a:cubicBezTo>
+                  <a:pt x="-8018" y="2775495"/>
+                  <a:pt x="-8720" y="2595880"/>
+                  <a:pt x="0" y="2401845"/>
+                </a:cubicBezTo>
+                <a:cubicBezTo>
+                  <a:pt x="8720" y="2207810"/>
+                  <a:pt x="9279" y="1982551"/>
+                  <a:pt x="0" y="1768113"/>
+                </a:cubicBezTo>
+                <a:cubicBezTo>
+                  <a:pt x="-9279" y="1553675"/>
+                  <a:pt x="7090" y="1354447"/>
+                  <a:pt x="0" y="1178742"/>
+                </a:cubicBezTo>
+                <a:cubicBezTo>
+                  <a:pt x="-7090" y="1003037"/>
+                  <a:pt x="-23786" y="768334"/>
+                  <a:pt x="0" y="589371"/>
+                </a:cubicBezTo>
+                <a:cubicBezTo>
+                  <a:pt x="23786" y="410408"/>
+                  <a:pt x="-16955" y="242082"/>
+                  <a:pt x="0" y="0"/>
+                </a:cubicBezTo>
+                <a:close/>
+              </a:path>
+              <a:path w="3647661" h="4436126" stroke="0" extrusionOk="0">
+                <a:moveTo>
+                  <a:pt x="0" y="0"/>
+                </a:moveTo>
+                <a:cubicBezTo>
+                  <a:pt x="171149" y="-7244"/>
+                  <a:pt x="374684" y="2591"/>
+                  <a:pt x="534990" y="0"/>
+                </a:cubicBezTo>
+                <a:cubicBezTo>
+                  <a:pt x="695296" y="-2591"/>
+                  <a:pt x="907320" y="7483"/>
+                  <a:pt x="1069981" y="0"/>
+                </a:cubicBezTo>
+                <a:cubicBezTo>
+                  <a:pt x="1232642" y="-7483"/>
+                  <a:pt x="1543604" y="-26203"/>
+                  <a:pt x="1677924" y="0"/>
+                </a:cubicBezTo>
+                <a:cubicBezTo>
+                  <a:pt x="1812244" y="26203"/>
+                  <a:pt x="2140632" y="31361"/>
+                  <a:pt x="2322344" y="0"/>
+                </a:cubicBezTo>
+                <a:cubicBezTo>
+                  <a:pt x="2504056" y="-31361"/>
+                  <a:pt x="2658834" y="3381"/>
+                  <a:pt x="2893811" y="0"/>
+                </a:cubicBezTo>
+                <a:cubicBezTo>
+                  <a:pt x="3128788" y="-3381"/>
+                  <a:pt x="3338741" y="-10376"/>
+                  <a:pt x="3647661" y="0"/>
+                </a:cubicBezTo>
+                <a:cubicBezTo>
+                  <a:pt x="3628986" y="244498"/>
+                  <a:pt x="3624774" y="362520"/>
+                  <a:pt x="3647661" y="545010"/>
+                </a:cubicBezTo>
+                <a:cubicBezTo>
+                  <a:pt x="3670549" y="727500"/>
+                  <a:pt x="3619543" y="968439"/>
+                  <a:pt x="3647661" y="1134381"/>
+                </a:cubicBezTo>
+                <a:cubicBezTo>
+                  <a:pt x="3675779" y="1300323"/>
+                  <a:pt x="3670065" y="1646297"/>
+                  <a:pt x="3647661" y="1856836"/>
+                </a:cubicBezTo>
+                <a:cubicBezTo>
+                  <a:pt x="3625257" y="2067375"/>
+                  <a:pt x="3632904" y="2315399"/>
+                  <a:pt x="3647661" y="2490568"/>
+                </a:cubicBezTo>
+                <a:cubicBezTo>
+                  <a:pt x="3662418" y="2665737"/>
+                  <a:pt x="3616073" y="2880164"/>
+                  <a:pt x="3647661" y="3124300"/>
+                </a:cubicBezTo>
+                <a:cubicBezTo>
+                  <a:pt x="3679249" y="3368436"/>
+                  <a:pt x="3677361" y="3519722"/>
+                  <a:pt x="3647661" y="3758032"/>
+                </a:cubicBezTo>
+                <a:cubicBezTo>
+                  <a:pt x="3617961" y="3996342"/>
+                  <a:pt x="3615180" y="4147465"/>
+                  <a:pt x="3647661" y="4436126"/>
+                </a:cubicBezTo>
+                <a:cubicBezTo>
+                  <a:pt x="3506685" y="4421969"/>
+                  <a:pt x="3266652" y="4433618"/>
+                  <a:pt x="3149147" y="4436126"/>
+                </a:cubicBezTo>
+                <a:cubicBezTo>
+                  <a:pt x="3031642" y="4438634"/>
+                  <a:pt x="2832267" y="4432536"/>
+                  <a:pt x="2650634" y="4436126"/>
+                </a:cubicBezTo>
+                <a:cubicBezTo>
+                  <a:pt x="2469001" y="4439716"/>
+                  <a:pt x="2324677" y="4416284"/>
+                  <a:pt x="2042690" y="4436126"/>
+                </a:cubicBezTo>
+                <a:cubicBezTo>
+                  <a:pt x="1760703" y="4455968"/>
+                  <a:pt x="1686949" y="4416099"/>
+                  <a:pt x="1398270" y="4436126"/>
+                </a:cubicBezTo>
+                <a:cubicBezTo>
+                  <a:pt x="1109591" y="4456153"/>
+                  <a:pt x="1071585" y="4455485"/>
+                  <a:pt x="899756" y="4436126"/>
+                </a:cubicBezTo>
+                <a:cubicBezTo>
+                  <a:pt x="727927" y="4416767"/>
+                  <a:pt x="344407" y="4430463"/>
+                  <a:pt x="0" y="4436126"/>
+                </a:cubicBezTo>
+                <a:cubicBezTo>
+                  <a:pt x="5440" y="4303018"/>
+                  <a:pt x="91" y="4161914"/>
+                  <a:pt x="0" y="3891116"/>
+                </a:cubicBezTo>
+                <a:cubicBezTo>
+                  <a:pt x="-91" y="3620318"/>
+                  <a:pt x="-11601" y="3462294"/>
+                  <a:pt x="0" y="3301745"/>
+                </a:cubicBezTo>
+                <a:cubicBezTo>
+                  <a:pt x="11601" y="3141196"/>
+                  <a:pt x="22776" y="2916996"/>
+                  <a:pt x="0" y="2756735"/>
+                </a:cubicBezTo>
+                <a:cubicBezTo>
+                  <a:pt x="-22776" y="2596474"/>
+                  <a:pt x="5257" y="2440491"/>
+                  <a:pt x="0" y="2256087"/>
+                </a:cubicBezTo>
+                <a:cubicBezTo>
+                  <a:pt x="-5257" y="2071683"/>
+                  <a:pt x="20189" y="1902567"/>
+                  <a:pt x="0" y="1666716"/>
+                </a:cubicBezTo>
+                <a:cubicBezTo>
+                  <a:pt x="-20189" y="1430865"/>
+                  <a:pt x="-21241" y="1161108"/>
+                  <a:pt x="0" y="988622"/>
+                </a:cubicBezTo>
+                <a:cubicBezTo>
+                  <a:pt x="21241" y="816136"/>
+                  <a:pt x="17108" y="406740"/>
+                  <a:pt x="0" y="0"/>
+                </a:cubicBezTo>
+                <a:close/>
+              </a:path>
+            </a:pathLst>
+          </a:custGeom>
+          <a:ln w="57150">
+            <a:solidFill>
+              <a:schemeClr val="accent1"/>
+            </a:solidFill>
+            <a:extLst>
+              <a:ext uri="{C807C97D-BFC1-408E-A445-0C87EB9F89A2}">
+                <ask:lineSketchStyleProps xmlns:ask="http://schemas.microsoft.com/office/drawing/2018/sketchyshapes" sd="687283399">
+                  <a:prstGeom prst="rect">
+                    <a:avLst/>
+                  </a:prstGeom>
+                  <ask:type>
+                    <ask:lineSketchFreehand/>
+                  </ask:type>
+                </ask:lineSketchStyleProps>
+              </a:ext>
+            </a:extLst>
+          </a:ln>
+        </p:spPr>
+        <p:style>
+          <a:lnRef idx="2">
+            <a:schemeClr val="accent1">
+              <a:shade val="50000"/>
+            </a:schemeClr>
+          </a:lnRef>
+          <a:fillRef idx="1">
+            <a:schemeClr val="accent1"/>
+          </a:fillRef>
+          <a:effectRef idx="0">
+            <a:schemeClr val="accent1"/>
+          </a:effectRef>
+          <a:fontRef idx="minor">
+            <a:schemeClr val="lt1"/>
+          </a:fontRef>
+        </p:style>
+        <p:txBody>
+          <a:bodyPr rtlCol="0" anchor="ctr"/>
+          <a:lstStyle/>
+          <a:p>
+            <a:pPr algn="ctr"/>
+            <a:endParaRPr lang="en-US"/>
           </a:p>
         </p:txBody>
       </p:sp>
@@ -23798,15 +26595,427 @@
             <p:ph idx="1"/>
           </p:nvPr>
         </p:nvSpPr>
-        <p:spPr/>
+        <p:spPr>
+          <a:xfrm>
+            <a:off x="7928114" y="1232452"/>
+            <a:ext cx="3200400" cy="3850919"/>
+          </a:xfrm>
+        </p:spPr>
         <p:txBody>
-          <a:bodyPr/>
+          <a:bodyPr vert="horz" lIns="91440" tIns="45720" rIns="91440" bIns="45720" rtlCol="0" anchor="b">
+            <a:normAutofit/>
+          </a:bodyPr>
           <a:lstStyle/>
           <a:p>
+            <a:pPr marL="0" indent="0">
+              <a:buNone/>
+            </a:pPr>
             <a:r>
-              <a:rPr lang="en-US" dirty="0"/>
+              <a:rPr lang="en-US" sz="3200">
+                <a:solidFill>
+                  <a:schemeClr val="bg1"/>
+                </a:solidFill>
+              </a:rPr>
               <a:t>Compare models to find best price prediction model on our dataset </a:t>
             </a:r>
+          </a:p>
+        </p:txBody>
+      </p:sp>
+      <p:sp>
+        <p:nvSpPr>
+          <p:cNvPr id="17" name="Rectangle 6">
+            <a:extLst>
+              <a:ext uri="{FF2B5EF4-FFF2-40B4-BE49-F238E27FC236}">
+                <a16:creationId xmlns:a16="http://schemas.microsoft.com/office/drawing/2014/main" id="{2A39B854-4B6C-4F7F-A602-6F97770CED70}"/>
+              </a:ext>
+              <a:ext uri="{C183D7F6-B498-43B3-948B-1728B52AA6E4}">
+                <adec:decorative xmlns:adec="http://schemas.microsoft.com/office/drawing/2017/decorative" val="1"/>
+              </a:ext>
+            </a:extLst>
+          </p:cNvPr>
+          <p:cNvSpPr>
+            <a:spLocks noGrp="1" noRot="1" noChangeAspect="1" noMove="1" noResize="1" noEditPoints="1" noAdjustHandles="1" noChangeArrowheads="1" noChangeShapeType="1" noTextEdit="1"/>
+          </p:cNvSpPr>
+          <p:nvPr>
+            <p:extLst>
+              <p:ext uri="{386F3935-93C4-4BCD-93E2-E3B085C9AB24}">
+                <p16:designElem xmlns:p16="http://schemas.microsoft.com/office/powerpoint/2015/main" val="1"/>
+              </p:ext>
+            </p:extLst>
+          </p:nvPr>
+        </p:nvSpPr>
+        <p:spPr>
+          <a:xfrm>
+            <a:off x="838199" y="5439978"/>
+            <a:ext cx="6281928" cy="27432"/>
+          </a:xfrm>
+          <a:custGeom>
+            <a:avLst/>
+            <a:gdLst>
+              <a:gd name="connsiteX0" fmla="*/ 0 w 6281928"/>
+              <a:gd name="connsiteY0" fmla="*/ 0 h 27432"/>
+              <a:gd name="connsiteX1" fmla="*/ 572353 w 6281928"/>
+              <a:gd name="connsiteY1" fmla="*/ 0 h 27432"/>
+              <a:gd name="connsiteX2" fmla="*/ 1207526 w 6281928"/>
+              <a:gd name="connsiteY2" fmla="*/ 0 h 27432"/>
+              <a:gd name="connsiteX3" fmla="*/ 1779880 w 6281928"/>
+              <a:gd name="connsiteY3" fmla="*/ 0 h 27432"/>
+              <a:gd name="connsiteX4" fmla="*/ 2540691 w 6281928"/>
+              <a:gd name="connsiteY4" fmla="*/ 0 h 27432"/>
+              <a:gd name="connsiteX5" fmla="*/ 3238683 w 6281928"/>
+              <a:gd name="connsiteY5" fmla="*/ 0 h 27432"/>
+              <a:gd name="connsiteX6" fmla="*/ 3936675 w 6281928"/>
+              <a:gd name="connsiteY6" fmla="*/ 0 h 27432"/>
+              <a:gd name="connsiteX7" fmla="*/ 4760305 w 6281928"/>
+              <a:gd name="connsiteY7" fmla="*/ 0 h 27432"/>
+              <a:gd name="connsiteX8" fmla="*/ 5521117 w 6281928"/>
+              <a:gd name="connsiteY8" fmla="*/ 0 h 27432"/>
+              <a:gd name="connsiteX9" fmla="*/ 6281928 w 6281928"/>
+              <a:gd name="connsiteY9" fmla="*/ 0 h 27432"/>
+              <a:gd name="connsiteX10" fmla="*/ 6281928 w 6281928"/>
+              <a:gd name="connsiteY10" fmla="*/ 27432 h 27432"/>
+              <a:gd name="connsiteX11" fmla="*/ 5772394 w 6281928"/>
+              <a:gd name="connsiteY11" fmla="*/ 27432 h 27432"/>
+              <a:gd name="connsiteX12" fmla="*/ 5200040 w 6281928"/>
+              <a:gd name="connsiteY12" fmla="*/ 27432 h 27432"/>
+              <a:gd name="connsiteX13" fmla="*/ 4439229 w 6281928"/>
+              <a:gd name="connsiteY13" fmla="*/ 27432 h 27432"/>
+              <a:gd name="connsiteX14" fmla="*/ 3615599 w 6281928"/>
+              <a:gd name="connsiteY14" fmla="*/ 27432 h 27432"/>
+              <a:gd name="connsiteX15" fmla="*/ 2980426 w 6281928"/>
+              <a:gd name="connsiteY15" fmla="*/ 27432 h 27432"/>
+              <a:gd name="connsiteX16" fmla="*/ 2156795 w 6281928"/>
+              <a:gd name="connsiteY16" fmla="*/ 27432 h 27432"/>
+              <a:gd name="connsiteX17" fmla="*/ 1584442 w 6281928"/>
+              <a:gd name="connsiteY17" fmla="*/ 27432 h 27432"/>
+              <a:gd name="connsiteX18" fmla="*/ 1074908 w 6281928"/>
+              <a:gd name="connsiteY18" fmla="*/ 27432 h 27432"/>
+              <a:gd name="connsiteX19" fmla="*/ 0 w 6281928"/>
+              <a:gd name="connsiteY19" fmla="*/ 27432 h 27432"/>
+              <a:gd name="connsiteX20" fmla="*/ 0 w 6281928"/>
+              <a:gd name="connsiteY20" fmla="*/ 0 h 27432"/>
+            </a:gdLst>
+            <a:ahLst/>
+            <a:cxnLst>
+              <a:cxn ang="0">
+                <a:pos x="connsiteX0" y="connsiteY0"/>
+              </a:cxn>
+              <a:cxn ang="0">
+                <a:pos x="connsiteX1" y="connsiteY1"/>
+              </a:cxn>
+              <a:cxn ang="0">
+                <a:pos x="connsiteX2" y="connsiteY2"/>
+              </a:cxn>
+              <a:cxn ang="0">
+                <a:pos x="connsiteX3" y="connsiteY3"/>
+              </a:cxn>
+              <a:cxn ang="0">
+                <a:pos x="connsiteX4" y="connsiteY4"/>
+              </a:cxn>
+              <a:cxn ang="0">
+                <a:pos x="connsiteX5" y="connsiteY5"/>
+              </a:cxn>
+              <a:cxn ang="0">
+                <a:pos x="connsiteX6" y="connsiteY6"/>
+              </a:cxn>
+              <a:cxn ang="0">
+                <a:pos x="connsiteX7" y="connsiteY7"/>
+              </a:cxn>
+              <a:cxn ang="0">
+                <a:pos x="connsiteX8" y="connsiteY8"/>
+              </a:cxn>
+              <a:cxn ang="0">
+                <a:pos x="connsiteX9" y="connsiteY9"/>
+              </a:cxn>
+              <a:cxn ang="0">
+                <a:pos x="connsiteX10" y="connsiteY10"/>
+              </a:cxn>
+              <a:cxn ang="0">
+                <a:pos x="connsiteX11" y="connsiteY11"/>
+              </a:cxn>
+              <a:cxn ang="0">
+                <a:pos x="connsiteX12" y="connsiteY12"/>
+              </a:cxn>
+              <a:cxn ang="0">
+                <a:pos x="connsiteX13" y="connsiteY13"/>
+              </a:cxn>
+              <a:cxn ang="0">
+                <a:pos x="connsiteX14" y="connsiteY14"/>
+              </a:cxn>
+              <a:cxn ang="0">
+                <a:pos x="connsiteX15" y="connsiteY15"/>
+              </a:cxn>
+              <a:cxn ang="0">
+                <a:pos x="connsiteX16" y="connsiteY16"/>
+              </a:cxn>
+              <a:cxn ang="0">
+                <a:pos x="connsiteX17" y="connsiteY17"/>
+              </a:cxn>
+              <a:cxn ang="0">
+                <a:pos x="connsiteX18" y="connsiteY18"/>
+              </a:cxn>
+              <a:cxn ang="0">
+                <a:pos x="connsiteX19" y="connsiteY19"/>
+              </a:cxn>
+              <a:cxn ang="0">
+                <a:pos x="connsiteX20" y="connsiteY20"/>
+              </a:cxn>
+            </a:cxnLst>
+            <a:rect l="l" t="t" r="r" b="b"/>
+            <a:pathLst>
+              <a:path w="6281928" h="27432" fill="none" extrusionOk="0">
+                <a:moveTo>
+                  <a:pt x="0" y="0"/>
+                </a:moveTo>
+                <a:cubicBezTo>
+                  <a:pt x="205960" y="24870"/>
+                  <a:pt x="343550" y="5918"/>
+                  <a:pt x="572353" y="0"/>
+                </a:cubicBezTo>
+                <a:cubicBezTo>
+                  <a:pt x="801156" y="-5918"/>
+                  <a:pt x="1015649" y="-11381"/>
+                  <a:pt x="1207526" y="0"/>
+                </a:cubicBezTo>
+                <a:cubicBezTo>
+                  <a:pt x="1399403" y="11381"/>
+                  <a:pt x="1549725" y="7866"/>
+                  <a:pt x="1779880" y="0"/>
+                </a:cubicBezTo>
+                <a:cubicBezTo>
+                  <a:pt x="2010035" y="-7866"/>
+                  <a:pt x="2190674" y="12826"/>
+                  <a:pt x="2540691" y="0"/>
+                </a:cubicBezTo>
+                <a:cubicBezTo>
+                  <a:pt x="2890708" y="-12826"/>
+                  <a:pt x="3025718" y="-18534"/>
+                  <a:pt x="3238683" y="0"/>
+                </a:cubicBezTo>
+                <a:cubicBezTo>
+                  <a:pt x="3451648" y="18534"/>
+                  <a:pt x="3603947" y="14884"/>
+                  <a:pt x="3936675" y="0"/>
+                </a:cubicBezTo>
+                <a:cubicBezTo>
+                  <a:pt x="4269403" y="-14884"/>
+                  <a:pt x="4480718" y="-24607"/>
+                  <a:pt x="4760305" y="0"/>
+                </a:cubicBezTo>
+                <a:cubicBezTo>
+                  <a:pt x="5039892" y="24607"/>
+                  <a:pt x="5359549" y="-31311"/>
+                  <a:pt x="5521117" y="0"/>
+                </a:cubicBezTo>
+                <a:cubicBezTo>
+                  <a:pt x="5682685" y="31311"/>
+                  <a:pt x="5986067" y="-12593"/>
+                  <a:pt x="6281928" y="0"/>
+                </a:cubicBezTo>
+                <a:cubicBezTo>
+                  <a:pt x="6282764" y="13055"/>
+                  <a:pt x="6281755" y="18641"/>
+                  <a:pt x="6281928" y="27432"/>
+                </a:cubicBezTo>
+                <a:cubicBezTo>
+                  <a:pt x="6078981" y="17572"/>
+                  <a:pt x="5961061" y="11434"/>
+                  <a:pt x="5772394" y="27432"/>
+                </a:cubicBezTo>
+                <a:cubicBezTo>
+                  <a:pt x="5583727" y="43430"/>
+                  <a:pt x="5329968" y="33352"/>
+                  <a:pt x="5200040" y="27432"/>
+                </a:cubicBezTo>
+                <a:cubicBezTo>
+                  <a:pt x="5070112" y="21512"/>
+                  <a:pt x="4793288" y="30214"/>
+                  <a:pt x="4439229" y="27432"/>
+                </a:cubicBezTo>
+                <a:cubicBezTo>
+                  <a:pt x="4085170" y="24650"/>
+                  <a:pt x="3813765" y="-7322"/>
+                  <a:pt x="3615599" y="27432"/>
+                </a:cubicBezTo>
+                <a:cubicBezTo>
+                  <a:pt x="3417433" y="62186"/>
+                  <a:pt x="3133643" y="29871"/>
+                  <a:pt x="2980426" y="27432"/>
+                </a:cubicBezTo>
+                <a:cubicBezTo>
+                  <a:pt x="2827209" y="24993"/>
+                  <a:pt x="2380685" y="60994"/>
+                  <a:pt x="2156795" y="27432"/>
+                </a:cubicBezTo>
+                <a:cubicBezTo>
+                  <a:pt x="1932905" y="-6130"/>
+                  <a:pt x="1716744" y="7746"/>
+                  <a:pt x="1584442" y="27432"/>
+                </a:cubicBezTo>
+                <a:cubicBezTo>
+                  <a:pt x="1452140" y="47118"/>
+                  <a:pt x="1280887" y="21894"/>
+                  <a:pt x="1074908" y="27432"/>
+                </a:cubicBezTo>
+                <a:cubicBezTo>
+                  <a:pt x="868929" y="32970"/>
+                  <a:pt x="318124" y="-8734"/>
+                  <a:pt x="0" y="27432"/>
+                </a:cubicBezTo>
+                <a:cubicBezTo>
+                  <a:pt x="988" y="17221"/>
+                  <a:pt x="-970" y="7538"/>
+                  <a:pt x="0" y="0"/>
+                </a:cubicBezTo>
+                <a:close/>
+              </a:path>
+              <a:path w="6281928" h="27432" stroke="0" extrusionOk="0">
+                <a:moveTo>
+                  <a:pt x="0" y="0"/>
+                </a:moveTo>
+                <a:cubicBezTo>
+                  <a:pt x="135290" y="27650"/>
+                  <a:pt x="488372" y="4391"/>
+                  <a:pt x="635173" y="0"/>
+                </a:cubicBezTo>
+                <a:cubicBezTo>
+                  <a:pt x="781974" y="-4391"/>
+                  <a:pt x="992816" y="14310"/>
+                  <a:pt x="1144707" y="0"/>
+                </a:cubicBezTo>
+                <a:cubicBezTo>
+                  <a:pt x="1296598" y="-14310"/>
+                  <a:pt x="1796462" y="-1258"/>
+                  <a:pt x="1968337" y="0"/>
+                </a:cubicBezTo>
+                <a:cubicBezTo>
+                  <a:pt x="2140212" y="1258"/>
+                  <a:pt x="2343376" y="-12852"/>
+                  <a:pt x="2603510" y="0"/>
+                </a:cubicBezTo>
+                <a:cubicBezTo>
+                  <a:pt x="2863644" y="12852"/>
+                  <a:pt x="2935073" y="-10591"/>
+                  <a:pt x="3238683" y="0"/>
+                </a:cubicBezTo>
+                <a:cubicBezTo>
+                  <a:pt x="3542293" y="10591"/>
+                  <a:pt x="3731676" y="3538"/>
+                  <a:pt x="4062313" y="0"/>
+                </a:cubicBezTo>
+                <a:cubicBezTo>
+                  <a:pt x="4392950" y="-3538"/>
+                  <a:pt x="4440715" y="28126"/>
+                  <a:pt x="4634667" y="0"/>
+                </a:cubicBezTo>
+                <a:cubicBezTo>
+                  <a:pt x="4828619" y="-28126"/>
+                  <a:pt x="5052661" y="8974"/>
+                  <a:pt x="5458297" y="0"/>
+                </a:cubicBezTo>
+                <a:cubicBezTo>
+                  <a:pt x="5863933" y="-8974"/>
+                  <a:pt x="5906900" y="-24516"/>
+                  <a:pt x="6281928" y="0"/>
+                </a:cubicBezTo>
+                <a:cubicBezTo>
+                  <a:pt x="6282725" y="11634"/>
+                  <a:pt x="6283131" y="16994"/>
+                  <a:pt x="6281928" y="27432"/>
+                </a:cubicBezTo>
+                <a:cubicBezTo>
+                  <a:pt x="6036108" y="24483"/>
+                  <a:pt x="5743611" y="19559"/>
+                  <a:pt x="5583936" y="27432"/>
+                </a:cubicBezTo>
+                <a:cubicBezTo>
+                  <a:pt x="5424261" y="35305"/>
+                  <a:pt x="5250533" y="8965"/>
+                  <a:pt x="4948763" y="27432"/>
+                </a:cubicBezTo>
+                <a:cubicBezTo>
+                  <a:pt x="4646993" y="45899"/>
+                  <a:pt x="4354673" y="16709"/>
+                  <a:pt x="4125133" y="27432"/>
+                </a:cubicBezTo>
+                <a:cubicBezTo>
+                  <a:pt x="3895593" y="38156"/>
+                  <a:pt x="3570246" y="38353"/>
+                  <a:pt x="3301502" y="27432"/>
+                </a:cubicBezTo>
+                <a:cubicBezTo>
+                  <a:pt x="3032758" y="16511"/>
+                  <a:pt x="2955340" y="21049"/>
+                  <a:pt x="2729149" y="27432"/>
+                </a:cubicBezTo>
+                <a:cubicBezTo>
+                  <a:pt x="2502958" y="33815"/>
+                  <a:pt x="2269423" y="12286"/>
+                  <a:pt x="2031157" y="27432"/>
+                </a:cubicBezTo>
+                <a:cubicBezTo>
+                  <a:pt x="1792891" y="42578"/>
+                  <a:pt x="1484731" y="31266"/>
+                  <a:pt x="1207526" y="27432"/>
+                </a:cubicBezTo>
+                <a:cubicBezTo>
+                  <a:pt x="930321" y="23598"/>
+                  <a:pt x="560231" y="-24258"/>
+                  <a:pt x="0" y="27432"/>
+                </a:cubicBezTo>
+                <a:cubicBezTo>
+                  <a:pt x="894" y="14250"/>
+                  <a:pt x="667" y="11053"/>
+                  <a:pt x="0" y="0"/>
+                </a:cubicBezTo>
+                <a:close/>
+              </a:path>
+            </a:pathLst>
+          </a:custGeom>
+          <a:solidFill>
+            <a:schemeClr val="accent1"/>
+          </a:solidFill>
+          <a:ln w="41275" cap="rnd">
+            <a:solidFill>
+              <a:schemeClr val="accent1"/>
+            </a:solidFill>
+            <a:round/>
+            <a:extLst>
+              <a:ext uri="{C807C97D-BFC1-408E-A445-0C87EB9F89A2}">
+                <ask:lineSketchStyleProps xmlns:ask="http://schemas.microsoft.com/office/drawing/2018/sketchyshapes" sd="1219033472">
+                  <a:prstGeom prst="rect">
+                    <a:avLst/>
+                  </a:prstGeom>
+                  <ask:type>
+                    <ask:lineSketchFreehand/>
+                  </ask:type>
+                </ask:lineSketchStyleProps>
+              </a:ext>
+            </a:extLst>
+          </a:ln>
+        </p:spPr>
+        <p:style>
+          <a:lnRef idx="2">
+            <a:schemeClr val="accent1">
+              <a:shade val="50000"/>
+            </a:schemeClr>
+          </a:lnRef>
+          <a:fillRef idx="1">
+            <a:schemeClr val="accent1"/>
+          </a:fillRef>
+          <a:effectRef idx="0">
+            <a:schemeClr val="accent1"/>
+          </a:effectRef>
+          <a:fontRef idx="minor">
+            <a:schemeClr val="lt1"/>
+          </a:fontRef>
+        </p:style>
+        <p:txBody>
+          <a:bodyPr rtlCol="0" anchor="ctr"/>
+          <a:lstStyle/>
+          <a:p>
+            <a:pPr algn="ctr"/>
+            <a:endParaRPr lang="en-US"/>
           </a:p>
         </p:txBody>
       </p:sp>
